--- a/07NuralNetworks/TF/002MalariaProject/ProjectReport/slides.pptx
+++ b/07NuralNetworks/TF/002MalariaProject/ProjectReport/slides.pptx
@@ -111,6 +111,11 @@
       </a:defRPr>
     </a:lvl9pPr>
   </p:defaultTextStyle>
+  <p:extLst>
+    <p:ext uri="{EFAFB233-063F-42B5-8137-9DF3F51BA10A}">
+      <p15:sldGuideLst xmlns:p15="http://schemas.microsoft.com/office/powerpoint/2012/main"/>
+    </p:ext>
+  </p:extLst>
 </p:presentation>
 </file>
 
@@ -5354,12 +5359,12 @@
           <a:graphicData uri="http://schemas.openxmlformats.org/presentationml/2006/ole">
             <mc:AlternateContent xmlns:mc="http://schemas.openxmlformats.org/markup-compatibility/2006">
               <mc:Choice xmlns:v="urn:schemas-microsoft-com:vml" Requires="v">
-                <p:oleObj name="Worksheet" r:id="rId5" imgW="290398" imgH="290480" progId="Excel.Sheet.12">
+                <p:oleObj name="Worksheet" r:id="rId3" imgW="290398" imgH="290480" progId="Excel.Sheet.12">
                   <p:embed/>
                 </p:oleObj>
               </mc:Choice>
               <mc:Fallback>
-                <p:oleObj name="Worksheet" r:id="rId5" imgW="290398" imgH="290480" progId="Excel.Sheet.12">
+                <p:oleObj name="Worksheet" r:id="rId3" imgW="290398" imgH="290480" progId="Excel.Sheet.12">
                   <p:embed/>
                   <p:pic>
                     <p:nvPicPr>
@@ -5423,12 +5428,12 @@
           <a:graphicData uri="http://schemas.openxmlformats.org/presentationml/2006/ole">
             <mc:AlternateContent xmlns:mc="http://schemas.openxmlformats.org/markup-compatibility/2006">
               <mc:Choice xmlns:v="urn:schemas-microsoft-com:vml" Requires="v">
-                <p:oleObj name="Worksheet" r:id="rId6" imgW="290398" imgH="290480" progId="Excel.Sheet.12">
+                <p:oleObj name="Worksheet" r:id="rId3" imgW="290398" imgH="290480" progId="Excel.Sheet.12">
                   <p:embed/>
                 </p:oleObj>
               </mc:Choice>
               <mc:Fallback>
-                <p:oleObj name="Worksheet" r:id="rId6" imgW="290398" imgH="290480" progId="Excel.Sheet.12">
+                <p:oleObj name="Worksheet" r:id="rId3" imgW="290398" imgH="290480" progId="Excel.Sheet.12">
                   <p:embed/>
                   <p:pic>
                     <p:nvPicPr>
@@ -5492,12 +5497,12 @@
           <a:graphicData uri="http://schemas.openxmlformats.org/presentationml/2006/ole">
             <mc:AlternateContent xmlns:mc="http://schemas.openxmlformats.org/markup-compatibility/2006">
               <mc:Choice xmlns:v="urn:schemas-microsoft-com:vml" Requires="v">
-                <p:oleObj name="Worksheet" r:id="rId7" imgW="290398" imgH="290480" progId="Excel.Sheet.12">
+                <p:oleObj name="Worksheet" r:id="rId3" imgW="290398" imgH="290480" progId="Excel.Sheet.12">
                   <p:embed/>
                 </p:oleObj>
               </mc:Choice>
               <mc:Fallback>
-                <p:oleObj name="Worksheet" r:id="rId7" imgW="290398" imgH="290480" progId="Excel.Sheet.12">
+                <p:oleObj name="Worksheet" r:id="rId3" imgW="290398" imgH="290480" progId="Excel.Sheet.12">
                   <p:embed/>
                   <p:pic>
                     <p:nvPicPr>
@@ -5561,12 +5566,12 @@
           <a:graphicData uri="http://schemas.openxmlformats.org/presentationml/2006/ole">
             <mc:AlternateContent xmlns:mc="http://schemas.openxmlformats.org/markup-compatibility/2006">
               <mc:Choice xmlns:v="urn:schemas-microsoft-com:vml" Requires="v">
-                <p:oleObj name="Worksheet" r:id="rId8" imgW="290398" imgH="290480" progId="Excel.Sheet.12">
+                <p:oleObj name="Worksheet" r:id="rId3" imgW="290398" imgH="290480" progId="Excel.Sheet.12">
                   <p:embed/>
                 </p:oleObj>
               </mc:Choice>
               <mc:Fallback>
-                <p:oleObj name="Worksheet" r:id="rId8" imgW="290398" imgH="290480" progId="Excel.Sheet.12">
+                <p:oleObj name="Worksheet" r:id="rId3" imgW="290398" imgH="290480" progId="Excel.Sheet.12">
                   <p:embed/>
                   <p:pic>
                     <p:nvPicPr>
@@ -5630,12 +5635,12 @@
           <a:graphicData uri="http://schemas.openxmlformats.org/presentationml/2006/ole">
             <mc:AlternateContent xmlns:mc="http://schemas.openxmlformats.org/markup-compatibility/2006">
               <mc:Choice xmlns:v="urn:schemas-microsoft-com:vml" Requires="v">
-                <p:oleObj name="Worksheet" r:id="rId9" imgW="290398" imgH="290480" progId="Excel.Sheet.12">
+                <p:oleObj name="Worksheet" r:id="rId3" imgW="290398" imgH="290480" progId="Excel.Sheet.12">
                   <p:embed/>
                 </p:oleObj>
               </mc:Choice>
               <mc:Fallback>
-                <p:oleObj name="Worksheet" r:id="rId9" imgW="290398" imgH="290480" progId="Excel.Sheet.12">
+                <p:oleObj name="Worksheet" r:id="rId3" imgW="290398" imgH="290480" progId="Excel.Sheet.12">
                   <p:embed/>
                   <p:pic>
                     <p:nvPicPr>
@@ -7237,7 +7242,7 @@
           <p:nvPr/>
         </p:nvPicPr>
         <p:blipFill>
-          <a:blip r:embed="rId10"/>
+          <a:blip r:embed="rId5"/>
           <a:stretch>
             <a:fillRect/>
           </a:stretch>
@@ -7267,7 +7272,7 @@
           <p:nvPr/>
         </p:nvPicPr>
         <p:blipFill>
-          <a:blip r:embed="rId11"/>
+          <a:blip r:embed="rId6"/>
           <a:stretch>
             <a:fillRect/>
           </a:stretch>
@@ -7297,7 +7302,7 @@
           <p:nvPr/>
         </p:nvPicPr>
         <p:blipFill>
-          <a:blip r:embed="rId12"/>
+          <a:blip r:embed="rId7"/>
           <a:stretch>
             <a:fillRect/>
           </a:stretch>
@@ -8795,6 +8800,181 @@
           <a:xfrm>
             <a:off x="466077" y="291313"/>
             <a:ext cx="1087593" cy="1087593"/>
+          </a:xfrm>
+          <a:prstGeom prst="rect">
+            <a:avLst/>
+          </a:prstGeom>
+        </p:spPr>
+      </p:pic>
+      <p:sp>
+        <p:nvSpPr>
+          <p:cNvPr id="3" name="TextBox 2">
+            <a:extLst>
+              <a:ext uri="{FF2B5EF4-FFF2-40B4-BE49-F238E27FC236}">
+                <a16:creationId xmlns:a16="http://schemas.microsoft.com/office/drawing/2014/main" id="{29EAAAD7-3E7D-E32A-9651-A08106B4F153}"/>
+              </a:ext>
+            </a:extLst>
+          </p:cNvPr>
+          <p:cNvSpPr txBox="1"/>
+          <p:nvPr/>
+        </p:nvSpPr>
+        <p:spPr>
+          <a:xfrm>
+            <a:off x="2107095" y="2211014"/>
+            <a:ext cx="4637834" cy="2787751"/>
+          </a:xfrm>
+          <a:prstGeom prst="rect">
+            <a:avLst/>
+          </a:prstGeom>
+          <a:noFill/>
+        </p:spPr>
+        <p:txBody>
+          <a:bodyPr wrap="square">
+            <a:spAutoFit/>
+          </a:bodyPr>
+          <a:lstStyle/>
+          <a:p>
+            <a:pPr marL="285750" indent="-285750">
+              <a:lnSpc>
+                <a:spcPct val="200000"/>
+              </a:lnSpc>
+              <a:buClr>
+                <a:srgbClr val="00FF00"/>
+              </a:buClr>
+              <a:buSzPct val="150000"/>
+              <a:buFont typeface="Wingdings" panose="05000000000000000000" pitchFamily="2" charset="2"/>
+              <a:buChar char="ü"/>
+            </a:pPr>
+            <a:r>
+              <a:rPr lang="en-US" b="1" dirty="0">
+                <a:latin typeface="Oxygen" panose="02000503000000000000" pitchFamily="2" charset="0"/>
+              </a:rPr>
+              <a:t>Training accuracy = 96.3%</a:t>
+            </a:r>
+            <a:endParaRPr lang="en-US" dirty="0">
+              <a:latin typeface="Oxygen" panose="02000503000000000000" pitchFamily="2" charset="0"/>
+            </a:endParaRPr>
+          </a:p>
+          <a:p>
+            <a:pPr marL="285750" indent="-285750">
+              <a:lnSpc>
+                <a:spcPct val="200000"/>
+              </a:lnSpc>
+              <a:buClr>
+                <a:srgbClr val="00FF00"/>
+              </a:buClr>
+              <a:buSzPct val="150000"/>
+              <a:buFont typeface="Wingdings" panose="05000000000000000000" pitchFamily="2" charset="2"/>
+              <a:buChar char="ü"/>
+            </a:pPr>
+            <a:r>
+              <a:rPr lang="en-US" b="1" dirty="0">
+                <a:latin typeface="Oxygen" panose="02000503000000000000" pitchFamily="2" charset="0"/>
+              </a:rPr>
+              <a:t>Validation stable &amp; balanced</a:t>
+            </a:r>
+            <a:endParaRPr lang="en-US" dirty="0">
+              <a:latin typeface="Oxygen" panose="02000503000000000000" pitchFamily="2" charset="0"/>
+            </a:endParaRPr>
+          </a:p>
+          <a:p>
+            <a:pPr marL="285750" indent="-285750">
+              <a:lnSpc>
+                <a:spcPct val="200000"/>
+              </a:lnSpc>
+              <a:buClr>
+                <a:srgbClr val="00FF00"/>
+              </a:buClr>
+              <a:buSzPct val="150000"/>
+              <a:buFont typeface="Wingdings" panose="05000000000000000000" pitchFamily="2" charset="2"/>
+              <a:buChar char="ü"/>
+            </a:pPr>
+            <a:r>
+              <a:rPr lang="en-US" b="1" dirty="0">
+                <a:latin typeface="Oxygen" panose="02000503000000000000" pitchFamily="2" charset="0"/>
+              </a:rPr>
+              <a:t>Test accuracy ~94%</a:t>
+            </a:r>
+            <a:endParaRPr lang="en-US" dirty="0">
+              <a:latin typeface="Oxygen" panose="02000503000000000000" pitchFamily="2" charset="0"/>
+            </a:endParaRPr>
+          </a:p>
+          <a:p>
+            <a:pPr marL="285750" indent="-285750">
+              <a:lnSpc>
+                <a:spcPct val="200000"/>
+              </a:lnSpc>
+              <a:buClr>
+                <a:srgbClr val="00FF00"/>
+              </a:buClr>
+              <a:buSzPct val="150000"/>
+              <a:buFont typeface="Wingdings" panose="05000000000000000000" pitchFamily="2" charset="2"/>
+              <a:buChar char="ü"/>
+            </a:pPr>
+            <a:r>
+              <a:rPr lang="en-US" b="1" dirty="0">
+                <a:latin typeface="Oxygen" panose="02000503000000000000" pitchFamily="2" charset="0"/>
+              </a:rPr>
+              <a:t>Early stopping prevents overfitting</a:t>
+            </a:r>
+            <a:endParaRPr lang="en-US" dirty="0">
+              <a:latin typeface="Oxygen" panose="02000503000000000000" pitchFamily="2" charset="0"/>
+            </a:endParaRPr>
+          </a:p>
+          <a:p>
+            <a:pPr marL="285750" indent="-285750">
+              <a:lnSpc>
+                <a:spcPct val="200000"/>
+              </a:lnSpc>
+              <a:buClr>
+                <a:srgbClr val="00FF00"/>
+              </a:buClr>
+              <a:buSzPct val="150000"/>
+              <a:buFont typeface="Wingdings" panose="05000000000000000000" pitchFamily="2" charset="2"/>
+              <a:buChar char="ü"/>
+            </a:pPr>
+            <a:r>
+              <a:rPr lang="en-US" b="1" dirty="0">
+                <a:latin typeface="Oxygen" panose="02000503000000000000" pitchFamily="2" charset="0"/>
+              </a:rPr>
+              <a:t>Reliable malaria detection with CNN</a:t>
+            </a:r>
+            <a:endParaRPr lang="en-US" dirty="0">
+              <a:latin typeface="Oxygen" panose="02000503000000000000" pitchFamily="2" charset="0"/>
+            </a:endParaRPr>
+          </a:p>
+        </p:txBody>
+      </p:sp>
+      <p:pic>
+        <p:nvPicPr>
+          <p:cNvPr id="7" name="Picture 6">
+            <a:extLst>
+              <a:ext uri="{FF2B5EF4-FFF2-40B4-BE49-F238E27FC236}">
+                <a16:creationId xmlns:a16="http://schemas.microsoft.com/office/drawing/2014/main" id="{F88C7077-5F8F-630E-E888-1B0423E81701}"/>
+              </a:ext>
+            </a:extLst>
+          </p:cNvPr>
+          <p:cNvPicPr>
+            <a:picLocks noChangeAspect="1"/>
+          </p:cNvPicPr>
+          <p:nvPr/>
+        </p:nvPicPr>
+        <p:blipFill>
+          <a:blip r:embed="rId3">
+            <a:extLst>
+              <a:ext uri="{28A0092B-C50C-407E-A947-70E740481C1C}">
+                <a14:useLocalDpi xmlns:a14="http://schemas.microsoft.com/office/drawing/2010/main" val="0"/>
+              </a:ext>
+            </a:extLst>
+          </a:blip>
+          <a:stretch>
+            <a:fillRect/>
+          </a:stretch>
+        </p:blipFill>
+        <p:spPr>
+          <a:xfrm>
+            <a:off x="6786437" y="1728122"/>
+            <a:ext cx="4677480" cy="3753533"/>
           </a:xfrm>
           <a:prstGeom prst="rect">
             <a:avLst/>
@@ -9210,12 +9390,12 @@
           <a:graphicData uri="http://schemas.openxmlformats.org/presentationml/2006/ole">
             <mc:AlternateContent xmlns:mc="http://schemas.openxmlformats.org/markup-compatibility/2006">
               <mc:Choice xmlns:v="urn:schemas-microsoft-com:vml" Requires="v">
-                <p:oleObj name="Worksheet" r:id="rId5" imgW="290398" imgH="290480" progId="Excel.Sheet.12">
+                <p:oleObj name="Worksheet" r:id="rId3" imgW="290398" imgH="290480" progId="Excel.Sheet.12">
                   <p:embed/>
                 </p:oleObj>
               </mc:Choice>
               <mc:Fallback>
-                <p:oleObj name="Worksheet" r:id="rId5" imgW="290398" imgH="290480" progId="Excel.Sheet.12">
+                <p:oleObj name="Worksheet" r:id="rId3" imgW="290398" imgH="290480" progId="Excel.Sheet.12">
                   <p:embed/>
                   <p:pic>
                     <p:nvPicPr>
@@ -9279,12 +9459,12 @@
           <a:graphicData uri="http://schemas.openxmlformats.org/presentationml/2006/ole">
             <mc:AlternateContent xmlns:mc="http://schemas.openxmlformats.org/markup-compatibility/2006">
               <mc:Choice xmlns:v="urn:schemas-microsoft-com:vml" Requires="v">
-                <p:oleObj name="Worksheet" r:id="rId6" imgW="290398" imgH="290480" progId="Excel.Sheet.12">
+                <p:oleObj name="Worksheet" r:id="rId3" imgW="290398" imgH="290480" progId="Excel.Sheet.12">
                   <p:embed/>
                 </p:oleObj>
               </mc:Choice>
               <mc:Fallback>
-                <p:oleObj name="Worksheet" r:id="rId6" imgW="290398" imgH="290480" progId="Excel.Sheet.12">
+                <p:oleObj name="Worksheet" r:id="rId3" imgW="290398" imgH="290480" progId="Excel.Sheet.12">
                   <p:embed/>
                   <p:pic>
                     <p:nvPicPr>
@@ -9348,12 +9528,12 @@
           <a:graphicData uri="http://schemas.openxmlformats.org/presentationml/2006/ole">
             <mc:AlternateContent xmlns:mc="http://schemas.openxmlformats.org/markup-compatibility/2006">
               <mc:Choice xmlns:v="urn:schemas-microsoft-com:vml" Requires="v">
-                <p:oleObj name="Worksheet" r:id="rId7" imgW="290398" imgH="290480" progId="Excel.Sheet.12">
+                <p:oleObj name="Worksheet" r:id="rId3" imgW="290398" imgH="290480" progId="Excel.Sheet.12">
                   <p:embed/>
                 </p:oleObj>
               </mc:Choice>
               <mc:Fallback>
-                <p:oleObj name="Worksheet" r:id="rId7" imgW="290398" imgH="290480" progId="Excel.Sheet.12">
+                <p:oleObj name="Worksheet" r:id="rId3" imgW="290398" imgH="290480" progId="Excel.Sheet.12">
                   <p:embed/>
                   <p:pic>
                     <p:nvPicPr>
@@ -9417,12 +9597,12 @@
           <a:graphicData uri="http://schemas.openxmlformats.org/presentationml/2006/ole">
             <mc:AlternateContent xmlns:mc="http://schemas.openxmlformats.org/markup-compatibility/2006">
               <mc:Choice xmlns:v="urn:schemas-microsoft-com:vml" Requires="v">
-                <p:oleObj name="Worksheet" r:id="rId8" imgW="290398" imgH="290480" progId="Excel.Sheet.12">
+                <p:oleObj name="Worksheet" r:id="rId3" imgW="290398" imgH="290480" progId="Excel.Sheet.12">
                   <p:embed/>
                 </p:oleObj>
               </mc:Choice>
               <mc:Fallback>
-                <p:oleObj name="Worksheet" r:id="rId8" imgW="290398" imgH="290480" progId="Excel.Sheet.12">
+                <p:oleObj name="Worksheet" r:id="rId3" imgW="290398" imgH="290480" progId="Excel.Sheet.12">
                   <p:embed/>
                   <p:pic>
                     <p:nvPicPr>
@@ -9486,12 +9666,12 @@
           <a:graphicData uri="http://schemas.openxmlformats.org/presentationml/2006/ole">
             <mc:AlternateContent xmlns:mc="http://schemas.openxmlformats.org/markup-compatibility/2006">
               <mc:Choice xmlns:v="urn:schemas-microsoft-com:vml" Requires="v">
-                <p:oleObj name="Worksheet" r:id="rId9" imgW="290398" imgH="290480" progId="Excel.Sheet.12">
+                <p:oleObj name="Worksheet" r:id="rId3" imgW="290398" imgH="290480" progId="Excel.Sheet.12">
                   <p:embed/>
                 </p:oleObj>
               </mc:Choice>
               <mc:Fallback>
-                <p:oleObj name="Worksheet" r:id="rId9" imgW="290398" imgH="290480" progId="Excel.Sheet.12">
+                <p:oleObj name="Worksheet" r:id="rId3" imgW="290398" imgH="290480" progId="Excel.Sheet.12">
                   <p:embed/>
                   <p:pic>
                     <p:nvPicPr>
@@ -11093,7 +11273,7 @@
           <p:nvPr/>
         </p:nvPicPr>
         <p:blipFill>
-          <a:blip r:embed="rId10"/>
+          <a:blip r:embed="rId5"/>
           <a:stretch>
             <a:fillRect/>
           </a:stretch>
@@ -11123,7 +11303,7 @@
           <p:nvPr/>
         </p:nvPicPr>
         <p:blipFill>
-          <a:blip r:embed="rId11"/>
+          <a:blip r:embed="rId6"/>
           <a:stretch>
             <a:fillRect/>
           </a:stretch>
@@ -12163,6 +12343,150 @@
           </a:p>
         </p:txBody>
       </p:sp>
+      <p:pic>
+        <p:nvPicPr>
+          <p:cNvPr id="8" name="Picture 7">
+            <a:extLst>
+              <a:ext uri="{FF2B5EF4-FFF2-40B4-BE49-F238E27FC236}">
+                <a16:creationId xmlns:a16="http://schemas.microsoft.com/office/drawing/2014/main" id="{875436BD-36DE-AAE6-E477-D4E2D82445D8}"/>
+              </a:ext>
+            </a:extLst>
+          </p:cNvPr>
+          <p:cNvPicPr>
+            <a:picLocks noChangeAspect="1"/>
+          </p:cNvPicPr>
+          <p:nvPr/>
+        </p:nvPicPr>
+        <p:blipFill>
+          <a:blip r:embed="rId7">
+            <a:extLst>
+              <a:ext uri="{28A0092B-C50C-407E-A947-70E740481C1C}">
+                <a14:useLocalDpi xmlns:a14="http://schemas.microsoft.com/office/drawing/2010/main" val="0"/>
+              </a:ext>
+            </a:extLst>
+          </a:blip>
+          <a:stretch>
+            <a:fillRect/>
+          </a:stretch>
+        </p:blipFill>
+        <p:spPr>
+          <a:xfrm>
+            <a:off x="3861910" y="4622184"/>
+            <a:ext cx="2007409" cy="2099585"/>
+          </a:xfrm>
+          <a:prstGeom prst="rect">
+            <a:avLst/>
+          </a:prstGeom>
+        </p:spPr>
+      </p:pic>
+      <p:pic>
+        <p:nvPicPr>
+          <p:cNvPr id="10" name="Picture 9">
+            <a:extLst>
+              <a:ext uri="{FF2B5EF4-FFF2-40B4-BE49-F238E27FC236}">
+                <a16:creationId xmlns:a16="http://schemas.microsoft.com/office/drawing/2014/main" id="{81DC3F3E-785A-372F-ACC0-A502CD5B8CC4}"/>
+              </a:ext>
+            </a:extLst>
+          </p:cNvPr>
+          <p:cNvPicPr>
+            <a:picLocks noChangeAspect="1"/>
+          </p:cNvPicPr>
+          <p:nvPr/>
+        </p:nvPicPr>
+        <p:blipFill>
+          <a:blip r:embed="rId8">
+            <a:extLst>
+              <a:ext uri="{28A0092B-C50C-407E-A947-70E740481C1C}">
+                <a14:useLocalDpi xmlns:a14="http://schemas.microsoft.com/office/drawing/2010/main" val="0"/>
+              </a:ext>
+            </a:extLst>
+          </a:blip>
+          <a:stretch>
+            <a:fillRect/>
+          </a:stretch>
+        </p:blipFill>
+        <p:spPr>
+          <a:xfrm>
+            <a:off x="282827" y="4613940"/>
+            <a:ext cx="2954123" cy="2135547"/>
+          </a:xfrm>
+          <a:prstGeom prst="rect">
+            <a:avLst/>
+          </a:prstGeom>
+        </p:spPr>
+      </p:pic>
+      <p:pic>
+        <p:nvPicPr>
+          <p:cNvPr id="19" name="Picture 18">
+            <a:extLst>
+              <a:ext uri="{FF2B5EF4-FFF2-40B4-BE49-F238E27FC236}">
+                <a16:creationId xmlns:a16="http://schemas.microsoft.com/office/drawing/2014/main" id="{831B73C5-430A-CB04-801E-6906F789903F}"/>
+              </a:ext>
+            </a:extLst>
+          </p:cNvPr>
+          <p:cNvPicPr>
+            <a:picLocks noChangeAspect="1"/>
+          </p:cNvPicPr>
+          <p:nvPr/>
+        </p:nvPicPr>
+        <p:blipFill>
+          <a:blip r:embed="rId9">
+            <a:extLst>
+              <a:ext uri="{28A0092B-C50C-407E-A947-70E740481C1C}">
+                <a14:useLocalDpi xmlns:a14="http://schemas.microsoft.com/office/drawing/2010/main" val="0"/>
+              </a:ext>
+            </a:extLst>
+          </a:blip>
+          <a:stretch>
+            <a:fillRect/>
+          </a:stretch>
+        </p:blipFill>
+        <p:spPr>
+          <a:xfrm>
+            <a:off x="6618635" y="4480972"/>
+            <a:ext cx="2062717" cy="2157434"/>
+          </a:xfrm>
+          <a:prstGeom prst="rect">
+            <a:avLst/>
+          </a:prstGeom>
+        </p:spPr>
+      </p:pic>
+      <p:pic>
+        <p:nvPicPr>
+          <p:cNvPr id="25" name="Picture 24">
+            <a:extLst>
+              <a:ext uri="{FF2B5EF4-FFF2-40B4-BE49-F238E27FC236}">
+                <a16:creationId xmlns:a16="http://schemas.microsoft.com/office/drawing/2014/main" id="{CB4F64A0-19C6-581E-25BE-3B30E1F04296}"/>
+              </a:ext>
+            </a:extLst>
+          </p:cNvPr>
+          <p:cNvPicPr>
+            <a:picLocks noChangeAspect="1"/>
+          </p:cNvPicPr>
+          <p:nvPr/>
+        </p:nvPicPr>
+        <p:blipFill>
+          <a:blip r:embed="rId10">
+            <a:extLst>
+              <a:ext uri="{28A0092B-C50C-407E-A947-70E740481C1C}">
+                <a14:useLocalDpi xmlns:a14="http://schemas.microsoft.com/office/drawing/2010/main" val="0"/>
+              </a:ext>
+            </a:extLst>
+          </a:blip>
+          <a:stretch>
+            <a:fillRect/>
+          </a:stretch>
+        </p:blipFill>
+        <p:spPr>
+          <a:xfrm>
+            <a:off x="9257462" y="4652032"/>
+            <a:ext cx="2569402" cy="1857431"/>
+          </a:xfrm>
+          <a:prstGeom prst="rect">
+            <a:avLst/>
+          </a:prstGeom>
+        </p:spPr>
+      </p:pic>
     </p:spTree>
     <p:extLst>
       <p:ext uri="{BB962C8B-B14F-4D97-AF65-F5344CB8AC3E}">

--- a/07NuralNetworks/TF/002MalariaProject/ProjectReport/slides.pptx
+++ b/07NuralNetworks/TF/002MalariaProject/ProjectReport/slides.pptx
@@ -8820,7 +8820,7 @@
         </p:nvSpPr>
         <p:spPr>
           <a:xfrm>
-            <a:off x="2107095" y="2211014"/>
+            <a:off x="556649" y="2338234"/>
             <a:ext cx="4637834" cy="2787751"/>
           </a:xfrm>
           <a:prstGeom prst="rect">
@@ -8973,8 +8973,8 @@
         </p:blipFill>
         <p:spPr>
           <a:xfrm>
-            <a:off x="6786437" y="1728122"/>
-            <a:ext cx="4677480" cy="3753533"/>
+            <a:off x="4984966" y="1534101"/>
+            <a:ext cx="6480814" cy="5200653"/>
           </a:xfrm>
           <a:prstGeom prst="rect">
             <a:avLst/>
@@ -9118,7 +9118,7 @@
         </p:nvSpPr>
         <p:spPr>
           <a:xfrm>
-            <a:off x="477078" y="1359685"/>
+            <a:off x="739475" y="1637980"/>
             <a:ext cx="1097280" cy="1097280"/>
           </a:xfrm>
           <a:prstGeom prst="rect">
@@ -9181,7 +9181,7 @@
         </p:nvSpPr>
         <p:spPr>
           <a:xfrm>
-            <a:off x="629478" y="1512085"/>
+            <a:off x="891875" y="1790380"/>
             <a:ext cx="1097280" cy="1097280"/>
           </a:xfrm>
           <a:prstGeom prst="rect">
@@ -9235,7 +9235,7 @@
         </p:nvSpPr>
         <p:spPr>
           <a:xfrm>
-            <a:off x="781878" y="1664485"/>
+            <a:off x="1044275" y="1942780"/>
             <a:ext cx="1097280" cy="1097280"/>
           </a:xfrm>
           <a:prstGeom prst="rect">
@@ -9308,13 +9308,13 @@
           <p:nvPr>
             <p:extLst>
               <p:ext uri="{D42A27DB-BD31-4B8C-83A1-F6EECF244321}">
-                <p14:modId xmlns:p14="http://schemas.microsoft.com/office/powerpoint/2010/main" val="1012068596"/>
+                <p14:modId xmlns:p14="http://schemas.microsoft.com/office/powerpoint/2010/main" val="3081489481"/>
               </p:ext>
             </p:extLst>
           </p:nvPr>
         </p:nvGraphicFramePr>
         <p:xfrm>
-          <a:off x="2569889" y="703227"/>
+          <a:off x="3301412" y="798642"/>
           <a:ext cx="514660" cy="514660"/>
         </p:xfrm>
         <a:graphic>
@@ -9348,7 +9348,7 @@
                     </p:blipFill>
                     <p:spPr>
                       <a:xfrm>
-                        <a:off x="2569889" y="703227"/>
+                        <a:off x="3301412" y="798642"/>
                         <a:ext cx="514660" cy="514660"/>
                       </a:xfrm>
                       <a:prstGeom prst="rect">
@@ -9377,13 +9377,13 @@
           <p:nvPr>
             <p:extLst>
               <p:ext uri="{D42A27DB-BD31-4B8C-83A1-F6EECF244321}">
-                <p14:modId xmlns:p14="http://schemas.microsoft.com/office/powerpoint/2010/main" val="4139334354"/>
+                <p14:modId xmlns:p14="http://schemas.microsoft.com/office/powerpoint/2010/main" val="2668240659"/>
               </p:ext>
             </p:extLst>
           </p:nvPr>
         </p:nvGraphicFramePr>
         <p:xfrm>
-          <a:off x="2569889" y="1217887"/>
+          <a:off x="3301412" y="1313302"/>
           <a:ext cx="514660" cy="514660"/>
         </p:xfrm>
         <a:graphic>
@@ -9417,7 +9417,7 @@
                     </p:blipFill>
                     <p:spPr>
                       <a:xfrm>
-                        <a:off x="2569889" y="1217887"/>
+                        <a:off x="3301412" y="1313302"/>
                         <a:ext cx="514660" cy="514660"/>
                       </a:xfrm>
                       <a:prstGeom prst="rect">
@@ -9446,13 +9446,13 @@
           <p:nvPr>
             <p:extLst>
               <p:ext uri="{D42A27DB-BD31-4B8C-83A1-F6EECF244321}">
-                <p14:modId xmlns:p14="http://schemas.microsoft.com/office/powerpoint/2010/main" val="4003360889"/>
+                <p14:modId xmlns:p14="http://schemas.microsoft.com/office/powerpoint/2010/main" val="3640484698"/>
               </p:ext>
             </p:extLst>
           </p:nvPr>
         </p:nvGraphicFramePr>
         <p:xfrm>
-          <a:off x="2569889" y="1732547"/>
+          <a:off x="3301412" y="1827962"/>
           <a:ext cx="514660" cy="514660"/>
         </p:xfrm>
         <a:graphic>
@@ -9486,7 +9486,7 @@
                     </p:blipFill>
                     <p:spPr>
                       <a:xfrm>
-                        <a:off x="2569889" y="1732547"/>
+                        <a:off x="3301412" y="1827962"/>
                         <a:ext cx="514660" cy="514660"/>
                       </a:xfrm>
                       <a:prstGeom prst="rect">
@@ -9515,13 +9515,13 @@
           <p:nvPr>
             <p:extLst>
               <p:ext uri="{D42A27DB-BD31-4B8C-83A1-F6EECF244321}">
-                <p14:modId xmlns:p14="http://schemas.microsoft.com/office/powerpoint/2010/main" val="683387675"/>
+                <p14:modId xmlns:p14="http://schemas.microsoft.com/office/powerpoint/2010/main" val="589726216"/>
               </p:ext>
             </p:extLst>
           </p:nvPr>
         </p:nvGraphicFramePr>
         <p:xfrm>
-          <a:off x="2569889" y="2247207"/>
+          <a:off x="3301412" y="2342622"/>
           <a:ext cx="514660" cy="514660"/>
         </p:xfrm>
         <a:graphic>
@@ -9555,7 +9555,7 @@
                     </p:blipFill>
                     <p:spPr>
                       <a:xfrm>
-                        <a:off x="2569889" y="2247207"/>
+                        <a:off x="3301412" y="2342622"/>
                         <a:ext cx="514660" cy="514660"/>
                       </a:xfrm>
                       <a:prstGeom prst="rect">
@@ -9584,13 +9584,13 @@
           <p:nvPr>
             <p:extLst>
               <p:ext uri="{D42A27DB-BD31-4B8C-83A1-F6EECF244321}">
-                <p14:modId xmlns:p14="http://schemas.microsoft.com/office/powerpoint/2010/main" val="2611573415"/>
+                <p14:modId xmlns:p14="http://schemas.microsoft.com/office/powerpoint/2010/main" val="3296873553"/>
               </p:ext>
             </p:extLst>
           </p:nvPr>
         </p:nvGraphicFramePr>
         <p:xfrm>
-          <a:off x="2569889" y="2761867"/>
+          <a:off x="3301412" y="2857282"/>
           <a:ext cx="514660" cy="514660"/>
         </p:xfrm>
         <a:graphic>
@@ -9624,7 +9624,7 @@
                     </p:blipFill>
                     <p:spPr>
                       <a:xfrm>
-                        <a:off x="2569889" y="2761867"/>
+                        <a:off x="3301412" y="2857282"/>
                         <a:ext cx="514660" cy="514660"/>
                       </a:xfrm>
                       <a:prstGeom prst="rect">
@@ -9653,13 +9653,13 @@
           <p:nvPr>
             <p:extLst>
               <p:ext uri="{D42A27DB-BD31-4B8C-83A1-F6EECF244321}">
-                <p14:modId xmlns:p14="http://schemas.microsoft.com/office/powerpoint/2010/main" val="1970796428"/>
+                <p14:modId xmlns:p14="http://schemas.microsoft.com/office/powerpoint/2010/main" val="3210155395"/>
               </p:ext>
             </p:extLst>
           </p:nvPr>
         </p:nvGraphicFramePr>
         <p:xfrm>
-          <a:off x="2569889" y="3276527"/>
+          <a:off x="3301412" y="3371942"/>
           <a:ext cx="514660" cy="514660"/>
         </p:xfrm>
         <a:graphic>
@@ -9693,7 +9693,7 @@
                     </p:blipFill>
                     <p:spPr>
                       <a:xfrm>
-                        <a:off x="2569889" y="3276527"/>
+                        <a:off x="3301412" y="3371942"/>
                         <a:ext cx="514660" cy="514660"/>
                       </a:xfrm>
                       <a:prstGeom prst="rect">
@@ -9707,53 +9707,6 @@
           </a:graphicData>
         </a:graphic>
       </p:graphicFrame>
-      <p:cxnSp>
-        <p:nvCxnSpPr>
-          <p:cNvPr id="17" name="Straight Arrow Connector 16">
-            <a:extLst>
-              <a:ext uri="{FF2B5EF4-FFF2-40B4-BE49-F238E27FC236}">
-                <a16:creationId xmlns:a16="http://schemas.microsoft.com/office/drawing/2014/main" id="{DCB10EA4-3DE7-15B0-2821-26F94280EA22}"/>
-              </a:ext>
-            </a:extLst>
-          </p:cNvPr>
-          <p:cNvCxnSpPr>
-            <a:cxnSpLocks/>
-          </p:cNvCxnSpPr>
-          <p:nvPr/>
-        </p:nvCxnSpPr>
-        <p:spPr>
-          <a:xfrm>
-            <a:off x="2019630" y="2247207"/>
-            <a:ext cx="511421" cy="0"/>
-          </a:xfrm>
-          <a:prstGeom prst="straightConnector1">
-            <a:avLst/>
-          </a:prstGeom>
-          <a:ln w="127000">
-            <a:solidFill>
-              <a:schemeClr val="tx1">
-                <a:lumMod val="75000"/>
-                <a:lumOff val="25000"/>
-              </a:schemeClr>
-            </a:solidFill>
-            <a:tailEnd type="triangle"/>
-          </a:ln>
-        </p:spPr>
-        <p:style>
-          <a:lnRef idx="2">
-            <a:schemeClr val="accent1"/>
-          </a:lnRef>
-          <a:fillRef idx="0">
-            <a:schemeClr val="accent1"/>
-          </a:fillRef>
-          <a:effectRef idx="1">
-            <a:schemeClr val="accent1"/>
-          </a:effectRef>
-          <a:fontRef idx="minor">
-            <a:schemeClr val="tx1"/>
-          </a:fontRef>
-        </p:style>
-      </p:cxnSp>
       <p:sp>
         <p:nvSpPr>
           <p:cNvPr id="20" name="TextBox 19">
@@ -9768,8 +9721,8 @@
         </p:nvSpPr>
         <p:spPr>
           <a:xfrm>
-            <a:off x="1720216" y="3782943"/>
-            <a:ext cx="2160613" cy="830997"/>
+            <a:off x="2451739" y="3878358"/>
+            <a:ext cx="2160613" cy="276999"/>
           </a:xfrm>
           <a:prstGeom prst="rect">
             <a:avLst/>
@@ -9799,289 +9752,6 @@
               <a:t>Conv2D</a:t>
             </a:r>
           </a:p>
-          <a:p>
-            <a:pPr algn="ctr"/>
-            <a:r>
-              <a:rPr lang="en-US" sz="1200" dirty="0">
-                <a:solidFill>
-                  <a:schemeClr val="tx1">
-                    <a:lumMod val="65000"/>
-                    <a:lumOff val="35000"/>
-                  </a:schemeClr>
-                </a:solidFill>
-                <a:effectLst/>
-                <a:latin typeface="Oxygen" panose="02000503000000000000" pitchFamily="2" charset="0"/>
-              </a:rPr>
-              <a:t>Filters</a:t>
-            </a:r>
-            <a:r>
-              <a:rPr lang="en-US" sz="1200" dirty="0">
-                <a:solidFill>
-                  <a:schemeClr val="tx1">
-                    <a:lumMod val="65000"/>
-                    <a:lumOff val="35000"/>
-                  </a:schemeClr>
-                </a:solidFill>
-                <a:latin typeface="Oxygen" panose="02000503000000000000" pitchFamily="2" charset="0"/>
-              </a:rPr>
-              <a:t>: </a:t>
-            </a:r>
-            <a:r>
-              <a:rPr lang="en-US" sz="1200" dirty="0">
-                <a:solidFill>
-                  <a:schemeClr val="tx1">
-                    <a:lumMod val="65000"/>
-                    <a:lumOff val="35000"/>
-                  </a:schemeClr>
-                </a:solidFill>
-                <a:effectLst/>
-                <a:latin typeface="Oxygen" panose="02000503000000000000" pitchFamily="2" charset="0"/>
-              </a:rPr>
-              <a:t>6; </a:t>
-            </a:r>
-            <a:r>
-              <a:rPr lang="en-US" sz="1200" dirty="0">
-                <a:solidFill>
-                  <a:schemeClr val="tx1">
-                    <a:lumMod val="65000"/>
-                    <a:lumOff val="35000"/>
-                  </a:schemeClr>
-                </a:solidFill>
-                <a:latin typeface="Oxygen" panose="02000503000000000000" pitchFamily="2" charset="0"/>
-              </a:rPr>
-              <a:t>S</a:t>
-            </a:r>
-            <a:r>
-              <a:rPr lang="en-US" sz="1200" dirty="0">
-                <a:solidFill>
-                  <a:schemeClr val="tx1">
-                    <a:lumMod val="65000"/>
-                    <a:lumOff val="35000"/>
-                  </a:schemeClr>
-                </a:solidFill>
-                <a:effectLst/>
-                <a:latin typeface="Oxygen" panose="02000503000000000000" pitchFamily="2" charset="0"/>
-              </a:rPr>
-              <a:t>trides</a:t>
-            </a:r>
-            <a:r>
-              <a:rPr lang="en-US" sz="1200" dirty="0">
-                <a:solidFill>
-                  <a:schemeClr val="tx1">
-                    <a:lumMod val="65000"/>
-                    <a:lumOff val="35000"/>
-                  </a:schemeClr>
-                </a:solidFill>
-                <a:latin typeface="Oxygen" panose="02000503000000000000" pitchFamily="2" charset="0"/>
-              </a:rPr>
-              <a:t>: </a:t>
-            </a:r>
-            <a:r>
-              <a:rPr lang="en-US" sz="1200" dirty="0">
-                <a:solidFill>
-                  <a:schemeClr val="tx1">
-                    <a:lumMod val="65000"/>
-                    <a:lumOff val="35000"/>
-                  </a:schemeClr>
-                </a:solidFill>
-                <a:effectLst/>
-                <a:latin typeface="Oxygen" panose="02000503000000000000" pitchFamily="2" charset="0"/>
-              </a:rPr>
-              <a:t>1</a:t>
-            </a:r>
-            <a:endParaRPr lang="en-US" sz="1200" dirty="0">
-              <a:solidFill>
-                <a:schemeClr val="tx1">
-                  <a:lumMod val="65000"/>
-                  <a:lumOff val="35000"/>
-                </a:schemeClr>
-              </a:solidFill>
-              <a:latin typeface="Oxygen" panose="02000503000000000000" pitchFamily="2" charset="0"/>
-            </a:endParaRPr>
-          </a:p>
-          <a:p>
-            <a:pPr algn="ctr">
-              <a:buNone/>
-            </a:pPr>
-            <a:r>
-              <a:rPr lang="en-US" sz="1200" dirty="0">
-                <a:solidFill>
-                  <a:schemeClr val="tx1">
-                    <a:lumMod val="65000"/>
-                    <a:lumOff val="35000"/>
-                  </a:schemeClr>
-                </a:solidFill>
-                <a:effectLst/>
-                <a:latin typeface="Oxygen" panose="02000503000000000000" pitchFamily="2" charset="0"/>
-              </a:rPr>
-              <a:t>Kernel</a:t>
-            </a:r>
-            <a:r>
-              <a:rPr lang="en-US" sz="1200" dirty="0">
-                <a:solidFill>
-                  <a:schemeClr val="tx1">
-                    <a:lumMod val="65000"/>
-                    <a:lumOff val="35000"/>
-                  </a:schemeClr>
-                </a:solidFill>
-                <a:latin typeface="Oxygen" panose="02000503000000000000" pitchFamily="2" charset="0"/>
-              </a:rPr>
-              <a:t> </a:t>
-            </a:r>
-            <a:r>
-              <a:rPr lang="en-US" sz="1200" dirty="0">
-                <a:solidFill>
-                  <a:schemeClr val="tx1">
-                    <a:lumMod val="65000"/>
-                    <a:lumOff val="35000"/>
-                  </a:schemeClr>
-                </a:solidFill>
-                <a:effectLst/>
-                <a:latin typeface="Oxygen" panose="02000503000000000000" pitchFamily="2" charset="0"/>
-              </a:rPr>
-              <a:t>size</a:t>
-            </a:r>
-            <a:r>
-              <a:rPr lang="en-US" sz="1200" dirty="0">
-                <a:solidFill>
-                  <a:schemeClr val="tx1">
-                    <a:lumMod val="65000"/>
-                    <a:lumOff val="35000"/>
-                  </a:schemeClr>
-                </a:solidFill>
-                <a:latin typeface="Oxygen" panose="02000503000000000000" pitchFamily="2" charset="0"/>
-              </a:rPr>
-              <a:t>: </a:t>
-            </a:r>
-            <a:r>
-              <a:rPr lang="en-US" sz="1200" dirty="0">
-                <a:solidFill>
-                  <a:schemeClr val="tx1">
-                    <a:lumMod val="65000"/>
-                    <a:lumOff val="35000"/>
-                  </a:schemeClr>
-                </a:solidFill>
-                <a:effectLst/>
-                <a:latin typeface="Oxygen" panose="02000503000000000000" pitchFamily="2" charset="0"/>
-              </a:rPr>
-              <a:t>5; </a:t>
-            </a:r>
-            <a:r>
-              <a:rPr lang="en-US" sz="1200" dirty="0">
-                <a:solidFill>
-                  <a:schemeClr val="tx1">
-                    <a:lumMod val="65000"/>
-                    <a:lumOff val="35000"/>
-                  </a:schemeClr>
-                </a:solidFill>
-                <a:latin typeface="Oxygen" panose="02000503000000000000" pitchFamily="2" charset="0"/>
-              </a:rPr>
-              <a:t>P</a:t>
-            </a:r>
-            <a:r>
-              <a:rPr lang="en-US" sz="1200" dirty="0">
-                <a:solidFill>
-                  <a:schemeClr val="tx1">
-                    <a:lumMod val="65000"/>
-                    <a:lumOff val="35000"/>
-                  </a:schemeClr>
-                </a:solidFill>
-                <a:effectLst/>
-                <a:latin typeface="Oxygen" panose="02000503000000000000" pitchFamily="2" charset="0"/>
-              </a:rPr>
-              <a:t>adding</a:t>
-            </a:r>
-            <a:r>
-              <a:rPr lang="en-US" sz="1200" dirty="0">
-                <a:solidFill>
-                  <a:schemeClr val="tx1">
-                    <a:lumMod val="65000"/>
-                    <a:lumOff val="35000"/>
-                  </a:schemeClr>
-                </a:solidFill>
-                <a:latin typeface="Oxygen" panose="02000503000000000000" pitchFamily="2" charset="0"/>
-              </a:rPr>
-              <a:t>: </a:t>
-            </a:r>
-            <a:r>
-              <a:rPr lang="en-US" sz="1200" dirty="0">
-                <a:solidFill>
-                  <a:schemeClr val="tx1">
-                    <a:lumMod val="65000"/>
-                    <a:lumOff val="35000"/>
-                  </a:schemeClr>
-                </a:solidFill>
-                <a:effectLst/>
-                <a:latin typeface="Oxygen" panose="02000503000000000000" pitchFamily="2" charset="0"/>
-              </a:rPr>
-              <a:t>valid</a:t>
-            </a:r>
-          </a:p>
-          <a:p>
-            <a:pPr algn="ctr">
-              <a:buNone/>
-            </a:pPr>
-            <a:r>
-              <a:rPr lang="en-US" sz="1200" dirty="0">
-                <a:solidFill>
-                  <a:schemeClr val="tx1">
-                    <a:lumMod val="65000"/>
-                    <a:lumOff val="35000"/>
-                  </a:schemeClr>
-                </a:solidFill>
-                <a:latin typeface="Oxygen" panose="02000503000000000000" pitchFamily="2" charset="0"/>
-              </a:rPr>
-              <a:t>A</a:t>
-            </a:r>
-            <a:r>
-              <a:rPr lang="en-US" sz="1200" dirty="0">
-                <a:solidFill>
-                  <a:schemeClr val="tx1">
-                    <a:lumMod val="65000"/>
-                    <a:lumOff val="35000"/>
-                  </a:schemeClr>
-                </a:solidFill>
-                <a:effectLst/>
-                <a:latin typeface="Oxygen" panose="02000503000000000000" pitchFamily="2" charset="0"/>
-              </a:rPr>
-              <a:t>ctivatio</a:t>
-            </a:r>
-            <a:r>
-              <a:rPr lang="en-US" sz="1200" dirty="0">
-                <a:solidFill>
-                  <a:schemeClr val="tx1">
-                    <a:lumMod val="65000"/>
-                    <a:lumOff val="35000"/>
-                  </a:schemeClr>
-                </a:solidFill>
-                <a:latin typeface="Oxygen" panose="02000503000000000000" pitchFamily="2" charset="0"/>
-              </a:rPr>
-              <a:t>n: R</a:t>
-            </a:r>
-            <a:r>
-              <a:rPr lang="en-US" sz="1200" dirty="0">
-                <a:solidFill>
-                  <a:schemeClr val="tx1">
-                    <a:lumMod val="65000"/>
-                    <a:lumOff val="35000"/>
-                  </a:schemeClr>
-                </a:solidFill>
-                <a:effectLst/>
-                <a:latin typeface="Oxygen" panose="02000503000000000000" pitchFamily="2" charset="0"/>
-              </a:rPr>
-              <a:t>eLU</a:t>
-            </a:r>
-            <a:endParaRPr lang="en-US" dirty="0">
-              <a:solidFill>
-                <a:schemeClr val="tx1">
-                  <a:lumMod val="65000"/>
-                  <a:lumOff val="35000"/>
-                </a:schemeClr>
-              </a:solidFill>
-              <a:effectLst/>
-              <a:latin typeface="Oxygen" panose="02000503000000000000" pitchFamily="2" charset="0"/>
-            </a:endParaRPr>
-          </a:p>
         </p:txBody>
       </p:sp>
       <p:sp>
@@ -10098,7 +9768,7 @@
         </p:nvSpPr>
         <p:spPr>
           <a:xfrm rot="16200000">
-            <a:off x="1705875" y="2120738"/>
+            <a:off x="2437398" y="2216153"/>
             <a:ext cx="3087960" cy="252937"/>
           </a:xfrm>
           <a:prstGeom prst="rect">
@@ -10161,7 +9831,7 @@
         </p:nvSpPr>
         <p:spPr>
           <a:xfrm rot="16200000">
-            <a:off x="1997649" y="2120738"/>
+            <a:off x="2729172" y="2216153"/>
             <a:ext cx="3087960" cy="252937"/>
           </a:xfrm>
           <a:prstGeom prst="rect">
@@ -10241,7 +9911,7 @@
         </p:blipFill>
         <p:spPr>
           <a:xfrm>
-            <a:off x="4272380" y="778441"/>
+            <a:off x="5488934" y="873856"/>
             <a:ext cx="357283" cy="357283"/>
           </a:xfrm>
           <a:prstGeom prst="rect">
@@ -10271,7 +9941,7 @@
         </p:blipFill>
         <p:spPr>
           <a:xfrm>
-            <a:off x="4677287" y="778441"/>
+            <a:off x="5893841" y="873856"/>
             <a:ext cx="357283" cy="357283"/>
           </a:xfrm>
           <a:prstGeom prst="rect">
@@ -10301,7 +9971,7 @@
         </p:blipFill>
         <p:spPr>
           <a:xfrm>
-            <a:off x="4272380" y="1149004"/>
+            <a:off x="5488934" y="1244419"/>
             <a:ext cx="357283" cy="357283"/>
           </a:xfrm>
           <a:prstGeom prst="rect">
@@ -10331,7 +10001,7 @@
         </p:blipFill>
         <p:spPr>
           <a:xfrm>
-            <a:off x="4677287" y="1149004"/>
+            <a:off x="5893841" y="1244419"/>
             <a:ext cx="357283" cy="357283"/>
           </a:xfrm>
           <a:prstGeom prst="rect">
@@ -10361,7 +10031,7 @@
         </p:blipFill>
         <p:spPr>
           <a:xfrm>
-            <a:off x="4272380" y="1519567"/>
+            <a:off x="5488934" y="1614982"/>
             <a:ext cx="357283" cy="357283"/>
           </a:xfrm>
           <a:prstGeom prst="rect">
@@ -10391,7 +10061,7 @@
         </p:blipFill>
         <p:spPr>
           <a:xfrm>
-            <a:off x="4677287" y="1519567"/>
+            <a:off x="5893841" y="1614982"/>
             <a:ext cx="357283" cy="357283"/>
           </a:xfrm>
           <a:prstGeom prst="rect">
@@ -10421,7 +10091,7 @@
         </p:blipFill>
         <p:spPr>
           <a:xfrm>
-            <a:off x="4272380" y="1890130"/>
+            <a:off x="5488934" y="1985545"/>
             <a:ext cx="357283" cy="357283"/>
           </a:xfrm>
           <a:prstGeom prst="rect">
@@ -10451,7 +10121,7 @@
         </p:blipFill>
         <p:spPr>
           <a:xfrm>
-            <a:off x="4677287" y="1890130"/>
+            <a:off x="5893841" y="1985545"/>
             <a:ext cx="357283" cy="357283"/>
           </a:xfrm>
           <a:prstGeom prst="rect">
@@ -10481,7 +10151,7 @@
         </p:blipFill>
         <p:spPr>
           <a:xfrm>
-            <a:off x="4272380" y="2260693"/>
+            <a:off x="5488934" y="2356108"/>
             <a:ext cx="357283" cy="357283"/>
           </a:xfrm>
           <a:prstGeom prst="rect">
@@ -10511,7 +10181,7 @@
         </p:blipFill>
         <p:spPr>
           <a:xfrm>
-            <a:off x="4677287" y="2260693"/>
+            <a:off x="5893841" y="2356108"/>
             <a:ext cx="357283" cy="357283"/>
           </a:xfrm>
           <a:prstGeom prst="rect">
@@ -10541,7 +10211,7 @@
         </p:blipFill>
         <p:spPr>
           <a:xfrm>
-            <a:off x="4272380" y="2631256"/>
+            <a:off x="5488934" y="2726671"/>
             <a:ext cx="357283" cy="357283"/>
           </a:xfrm>
           <a:prstGeom prst="rect">
@@ -10571,7 +10241,7 @@
         </p:blipFill>
         <p:spPr>
           <a:xfrm>
-            <a:off x="4677287" y="2631256"/>
+            <a:off x="5893841" y="2726671"/>
             <a:ext cx="357283" cy="357283"/>
           </a:xfrm>
           <a:prstGeom prst="rect">
@@ -10601,7 +10271,7 @@
         </p:blipFill>
         <p:spPr>
           <a:xfrm>
-            <a:off x="4272380" y="3001819"/>
+            <a:off x="5488934" y="3097234"/>
             <a:ext cx="357283" cy="357283"/>
           </a:xfrm>
           <a:prstGeom prst="rect">
@@ -10631,7 +10301,7 @@
         </p:blipFill>
         <p:spPr>
           <a:xfrm>
-            <a:off x="4677287" y="3001819"/>
+            <a:off x="5893841" y="3097234"/>
             <a:ext cx="357283" cy="357283"/>
           </a:xfrm>
           <a:prstGeom prst="rect">
@@ -10661,7 +10331,7 @@
         </p:blipFill>
         <p:spPr>
           <a:xfrm>
-            <a:off x="4272380" y="3372382"/>
+            <a:off x="5488934" y="3467797"/>
             <a:ext cx="357283" cy="357283"/>
           </a:xfrm>
           <a:prstGeom prst="rect">
@@ -10691,7 +10361,7 @@
         </p:blipFill>
         <p:spPr>
           <a:xfrm>
-            <a:off x="4677287" y="3372382"/>
+            <a:off x="5893841" y="3467797"/>
             <a:ext cx="357283" cy="357283"/>
           </a:xfrm>
           <a:prstGeom prst="rect">
@@ -10699,53 +10369,6 @@
           </a:prstGeom>
         </p:spPr>
       </p:pic>
-      <p:cxnSp>
-        <p:nvCxnSpPr>
-          <p:cNvPr id="56" name="Straight Arrow Connector 55">
-            <a:extLst>
-              <a:ext uri="{FF2B5EF4-FFF2-40B4-BE49-F238E27FC236}">
-                <a16:creationId xmlns:a16="http://schemas.microsoft.com/office/drawing/2014/main" id="{062CF8AB-116D-F73F-22E5-3C95EAC3FD4B}"/>
-              </a:ext>
-            </a:extLst>
-          </p:cNvPr>
-          <p:cNvCxnSpPr>
-            <a:cxnSpLocks/>
-          </p:cNvCxnSpPr>
-          <p:nvPr/>
-        </p:nvCxnSpPr>
-        <p:spPr>
-          <a:xfrm>
-            <a:off x="3760967" y="2253459"/>
-            <a:ext cx="511421" cy="0"/>
-          </a:xfrm>
-          <a:prstGeom prst="straightConnector1">
-            <a:avLst/>
-          </a:prstGeom>
-          <a:ln w="127000">
-            <a:solidFill>
-              <a:schemeClr val="tx1">
-                <a:lumMod val="75000"/>
-                <a:lumOff val="25000"/>
-              </a:schemeClr>
-            </a:solidFill>
-            <a:tailEnd type="triangle"/>
-          </a:ln>
-        </p:spPr>
-        <p:style>
-          <a:lnRef idx="2">
-            <a:schemeClr val="accent1"/>
-          </a:lnRef>
-          <a:fillRef idx="0">
-            <a:schemeClr val="accent1"/>
-          </a:fillRef>
-          <a:effectRef idx="1">
-            <a:schemeClr val="accent1"/>
-          </a:effectRef>
-          <a:fontRef idx="minor">
-            <a:schemeClr val="tx1"/>
-          </a:fontRef>
-        </p:style>
-      </p:cxnSp>
       <p:sp>
         <p:nvSpPr>
           <p:cNvPr id="57" name="Rectangle 56">
@@ -10760,7 +10383,7 @@
         </p:nvSpPr>
         <p:spPr>
           <a:xfrm rot="16200000">
-            <a:off x="3671173" y="2137968"/>
+            <a:off x="4887727" y="2233383"/>
             <a:ext cx="3087960" cy="252937"/>
           </a:xfrm>
           <a:prstGeom prst="rect">
@@ -10823,7 +10446,7 @@
         </p:nvSpPr>
         <p:spPr>
           <a:xfrm rot="16200000">
-            <a:off x="3962947" y="2137968"/>
+            <a:off x="5179501" y="2233383"/>
             <a:ext cx="3087960" cy="252937"/>
           </a:xfrm>
           <a:prstGeom prst="rect">
@@ -10895,8 +10518,8 @@
         </p:nvSpPr>
         <p:spPr>
           <a:xfrm>
-            <a:off x="3911610" y="3791187"/>
-            <a:ext cx="2130915" cy="830997"/>
+            <a:off x="4778306" y="3886602"/>
+            <a:ext cx="2130915" cy="276999"/>
           </a:xfrm>
           <a:prstGeom prst="rect">
             <a:avLst/>
@@ -10926,289 +10549,6 @@
               <a:t>Conv2D</a:t>
             </a:r>
           </a:p>
-          <a:p>
-            <a:pPr algn="ctr"/>
-            <a:r>
-              <a:rPr lang="en-US" sz="1200" dirty="0">
-                <a:solidFill>
-                  <a:schemeClr val="tx1">
-                    <a:lumMod val="65000"/>
-                    <a:lumOff val="35000"/>
-                  </a:schemeClr>
-                </a:solidFill>
-                <a:effectLst/>
-                <a:latin typeface="Oxygen" panose="02000503000000000000" pitchFamily="2" charset="0"/>
-              </a:rPr>
-              <a:t>Filters</a:t>
-            </a:r>
-            <a:r>
-              <a:rPr lang="en-US" sz="1200" dirty="0">
-                <a:solidFill>
-                  <a:schemeClr val="tx1">
-                    <a:lumMod val="65000"/>
-                    <a:lumOff val="35000"/>
-                  </a:schemeClr>
-                </a:solidFill>
-                <a:latin typeface="Oxygen" panose="02000503000000000000" pitchFamily="2" charset="0"/>
-              </a:rPr>
-              <a:t>: 1</a:t>
-            </a:r>
-            <a:r>
-              <a:rPr lang="en-US" sz="1200" dirty="0">
-                <a:solidFill>
-                  <a:schemeClr val="tx1">
-                    <a:lumMod val="65000"/>
-                    <a:lumOff val="35000"/>
-                  </a:schemeClr>
-                </a:solidFill>
-                <a:effectLst/>
-                <a:latin typeface="Oxygen" panose="02000503000000000000" pitchFamily="2" charset="0"/>
-              </a:rPr>
-              <a:t>6; </a:t>
-            </a:r>
-            <a:r>
-              <a:rPr lang="en-US" sz="1200" dirty="0">
-                <a:solidFill>
-                  <a:schemeClr val="tx1">
-                    <a:lumMod val="65000"/>
-                    <a:lumOff val="35000"/>
-                  </a:schemeClr>
-                </a:solidFill>
-                <a:latin typeface="Oxygen" panose="02000503000000000000" pitchFamily="2" charset="0"/>
-              </a:rPr>
-              <a:t>S</a:t>
-            </a:r>
-            <a:r>
-              <a:rPr lang="en-US" sz="1200" dirty="0">
-                <a:solidFill>
-                  <a:schemeClr val="tx1">
-                    <a:lumMod val="65000"/>
-                    <a:lumOff val="35000"/>
-                  </a:schemeClr>
-                </a:solidFill>
-                <a:effectLst/>
-                <a:latin typeface="Oxygen" panose="02000503000000000000" pitchFamily="2" charset="0"/>
-              </a:rPr>
-              <a:t>trides</a:t>
-            </a:r>
-            <a:r>
-              <a:rPr lang="en-US" sz="1200" dirty="0">
-                <a:solidFill>
-                  <a:schemeClr val="tx1">
-                    <a:lumMod val="65000"/>
-                    <a:lumOff val="35000"/>
-                  </a:schemeClr>
-                </a:solidFill>
-                <a:latin typeface="Oxygen" panose="02000503000000000000" pitchFamily="2" charset="0"/>
-              </a:rPr>
-              <a:t>: </a:t>
-            </a:r>
-            <a:r>
-              <a:rPr lang="en-US" sz="1200" dirty="0">
-                <a:solidFill>
-                  <a:schemeClr val="tx1">
-                    <a:lumMod val="65000"/>
-                    <a:lumOff val="35000"/>
-                  </a:schemeClr>
-                </a:solidFill>
-                <a:effectLst/>
-                <a:latin typeface="Oxygen" panose="02000503000000000000" pitchFamily="2" charset="0"/>
-              </a:rPr>
-              <a:t>1</a:t>
-            </a:r>
-            <a:endParaRPr lang="en-US" sz="1200" dirty="0">
-              <a:solidFill>
-                <a:schemeClr val="tx1">
-                  <a:lumMod val="65000"/>
-                  <a:lumOff val="35000"/>
-                </a:schemeClr>
-              </a:solidFill>
-              <a:latin typeface="Oxygen" panose="02000503000000000000" pitchFamily="2" charset="0"/>
-            </a:endParaRPr>
-          </a:p>
-          <a:p>
-            <a:pPr algn="ctr">
-              <a:buNone/>
-            </a:pPr>
-            <a:r>
-              <a:rPr lang="en-US" sz="1200" dirty="0">
-                <a:solidFill>
-                  <a:schemeClr val="tx1">
-                    <a:lumMod val="65000"/>
-                    <a:lumOff val="35000"/>
-                  </a:schemeClr>
-                </a:solidFill>
-                <a:effectLst/>
-                <a:latin typeface="Oxygen" panose="02000503000000000000" pitchFamily="2" charset="0"/>
-              </a:rPr>
-              <a:t>Kernel</a:t>
-            </a:r>
-            <a:r>
-              <a:rPr lang="en-US" sz="1200" dirty="0">
-                <a:solidFill>
-                  <a:schemeClr val="tx1">
-                    <a:lumMod val="65000"/>
-                    <a:lumOff val="35000"/>
-                  </a:schemeClr>
-                </a:solidFill>
-                <a:latin typeface="Oxygen" panose="02000503000000000000" pitchFamily="2" charset="0"/>
-              </a:rPr>
-              <a:t> </a:t>
-            </a:r>
-            <a:r>
-              <a:rPr lang="en-US" sz="1200" dirty="0">
-                <a:solidFill>
-                  <a:schemeClr val="tx1">
-                    <a:lumMod val="65000"/>
-                    <a:lumOff val="35000"/>
-                  </a:schemeClr>
-                </a:solidFill>
-                <a:effectLst/>
-                <a:latin typeface="Oxygen" panose="02000503000000000000" pitchFamily="2" charset="0"/>
-              </a:rPr>
-              <a:t>size</a:t>
-            </a:r>
-            <a:r>
-              <a:rPr lang="en-US" sz="1200" dirty="0">
-                <a:solidFill>
-                  <a:schemeClr val="tx1">
-                    <a:lumMod val="65000"/>
-                    <a:lumOff val="35000"/>
-                  </a:schemeClr>
-                </a:solidFill>
-                <a:latin typeface="Oxygen" panose="02000503000000000000" pitchFamily="2" charset="0"/>
-              </a:rPr>
-              <a:t>: </a:t>
-            </a:r>
-            <a:r>
-              <a:rPr lang="en-US" sz="1200" dirty="0">
-                <a:solidFill>
-                  <a:schemeClr val="tx1">
-                    <a:lumMod val="65000"/>
-                    <a:lumOff val="35000"/>
-                  </a:schemeClr>
-                </a:solidFill>
-                <a:effectLst/>
-                <a:latin typeface="Oxygen" panose="02000503000000000000" pitchFamily="2" charset="0"/>
-              </a:rPr>
-              <a:t>5; </a:t>
-            </a:r>
-            <a:r>
-              <a:rPr lang="en-US" sz="1200" dirty="0">
-                <a:solidFill>
-                  <a:schemeClr val="tx1">
-                    <a:lumMod val="65000"/>
-                    <a:lumOff val="35000"/>
-                  </a:schemeClr>
-                </a:solidFill>
-                <a:latin typeface="Oxygen" panose="02000503000000000000" pitchFamily="2" charset="0"/>
-              </a:rPr>
-              <a:t>P</a:t>
-            </a:r>
-            <a:r>
-              <a:rPr lang="en-US" sz="1200" dirty="0">
-                <a:solidFill>
-                  <a:schemeClr val="tx1">
-                    <a:lumMod val="65000"/>
-                    <a:lumOff val="35000"/>
-                  </a:schemeClr>
-                </a:solidFill>
-                <a:effectLst/>
-                <a:latin typeface="Oxygen" panose="02000503000000000000" pitchFamily="2" charset="0"/>
-              </a:rPr>
-              <a:t>adding</a:t>
-            </a:r>
-            <a:r>
-              <a:rPr lang="en-US" sz="1200" dirty="0">
-                <a:solidFill>
-                  <a:schemeClr val="tx1">
-                    <a:lumMod val="65000"/>
-                    <a:lumOff val="35000"/>
-                  </a:schemeClr>
-                </a:solidFill>
-                <a:latin typeface="Oxygen" panose="02000503000000000000" pitchFamily="2" charset="0"/>
-              </a:rPr>
-              <a:t>: </a:t>
-            </a:r>
-            <a:r>
-              <a:rPr lang="en-US" sz="1200" dirty="0">
-                <a:solidFill>
-                  <a:schemeClr val="tx1">
-                    <a:lumMod val="65000"/>
-                    <a:lumOff val="35000"/>
-                  </a:schemeClr>
-                </a:solidFill>
-                <a:effectLst/>
-                <a:latin typeface="Oxygen" panose="02000503000000000000" pitchFamily="2" charset="0"/>
-              </a:rPr>
-              <a:t>valid</a:t>
-            </a:r>
-          </a:p>
-          <a:p>
-            <a:pPr algn="ctr">
-              <a:buNone/>
-            </a:pPr>
-            <a:r>
-              <a:rPr lang="en-US" sz="1200" dirty="0">
-                <a:solidFill>
-                  <a:schemeClr val="tx1">
-                    <a:lumMod val="65000"/>
-                    <a:lumOff val="35000"/>
-                  </a:schemeClr>
-                </a:solidFill>
-                <a:latin typeface="Oxygen" panose="02000503000000000000" pitchFamily="2" charset="0"/>
-              </a:rPr>
-              <a:t>A</a:t>
-            </a:r>
-            <a:r>
-              <a:rPr lang="en-US" sz="1200" dirty="0">
-                <a:solidFill>
-                  <a:schemeClr val="tx1">
-                    <a:lumMod val="65000"/>
-                    <a:lumOff val="35000"/>
-                  </a:schemeClr>
-                </a:solidFill>
-                <a:effectLst/>
-                <a:latin typeface="Oxygen" panose="02000503000000000000" pitchFamily="2" charset="0"/>
-              </a:rPr>
-              <a:t>ctivatio</a:t>
-            </a:r>
-            <a:r>
-              <a:rPr lang="en-US" sz="1200" dirty="0">
-                <a:solidFill>
-                  <a:schemeClr val="tx1">
-                    <a:lumMod val="65000"/>
-                    <a:lumOff val="35000"/>
-                  </a:schemeClr>
-                </a:solidFill>
-                <a:latin typeface="Oxygen" panose="02000503000000000000" pitchFamily="2" charset="0"/>
-              </a:rPr>
-              <a:t>n: R</a:t>
-            </a:r>
-            <a:r>
-              <a:rPr lang="en-US" sz="1200" dirty="0">
-                <a:solidFill>
-                  <a:schemeClr val="tx1">
-                    <a:lumMod val="65000"/>
-                    <a:lumOff val="35000"/>
-                  </a:schemeClr>
-                </a:solidFill>
-                <a:effectLst/>
-                <a:latin typeface="Oxygen" panose="02000503000000000000" pitchFamily="2" charset="0"/>
-              </a:rPr>
-              <a:t>eLU</a:t>
-            </a:r>
-            <a:endParaRPr lang="en-US" dirty="0">
-              <a:solidFill>
-                <a:schemeClr val="tx1">
-                  <a:lumMod val="65000"/>
-                  <a:lumOff val="35000"/>
-                </a:schemeClr>
-              </a:solidFill>
-              <a:effectLst/>
-              <a:latin typeface="Oxygen" panose="02000503000000000000" pitchFamily="2" charset="0"/>
-            </a:endParaRPr>
-          </a:p>
         </p:txBody>
       </p:sp>
       <p:cxnSp>
@@ -11227,8 +10567,8 @@
         </p:nvCxnSpPr>
         <p:spPr>
           <a:xfrm>
-            <a:off x="5742167" y="2246834"/>
-            <a:ext cx="511421" cy="0"/>
+            <a:off x="6953679" y="2342249"/>
+            <a:ext cx="823648" cy="0"/>
           </a:xfrm>
           <a:prstGeom prst="straightConnector1">
             <a:avLst/>
@@ -11280,7 +10620,7 @@
         </p:blipFill>
         <p:spPr>
           <a:xfrm rot="2479794">
-            <a:off x="6381993" y="3387972"/>
+            <a:off x="7813230" y="2990405"/>
             <a:ext cx="262070" cy="246473"/>
           </a:xfrm>
           <a:prstGeom prst="rect">
@@ -11310,8 +10650,8 @@
         </p:blipFill>
         <p:spPr>
           <a:xfrm>
-            <a:off x="6460457" y="662921"/>
-            <a:ext cx="109538" cy="3552825"/>
+            <a:off x="7896673" y="713098"/>
+            <a:ext cx="99580" cy="3229841"/>
           </a:xfrm>
           <a:prstGeom prst="rect">
             <a:avLst/>
@@ -11320,66 +10660,19 @@
       </p:pic>
       <p:sp>
         <p:nvSpPr>
-          <p:cNvPr id="74" name="TextBox 73">
-            <a:extLst>
-              <a:ext uri="{FF2B5EF4-FFF2-40B4-BE49-F238E27FC236}">
-                <a16:creationId xmlns:a16="http://schemas.microsoft.com/office/drawing/2014/main" id="{789FA517-ECD0-D06D-091D-4518A10D36EE}"/>
-              </a:ext>
-            </a:extLst>
-          </p:cNvPr>
-          <p:cNvSpPr txBox="1"/>
+          <p:cNvPr id="75" name="Rectangle 74">
+            <a:extLst>
+              <a:ext uri="{FF2B5EF4-FFF2-40B4-BE49-F238E27FC236}">
+                <a16:creationId xmlns:a16="http://schemas.microsoft.com/office/drawing/2014/main" id="{5D774006-C6C8-26A4-3169-86DAFBA99171}"/>
+              </a:ext>
+            </a:extLst>
+          </p:cNvPr>
+          <p:cNvSpPr/>
           <p:nvPr/>
         </p:nvSpPr>
         <p:spPr>
-          <a:xfrm>
-            <a:off x="6025674" y="4203027"/>
-            <a:ext cx="977327" cy="276999"/>
-          </a:xfrm>
-          <a:prstGeom prst="rect">
-            <a:avLst/>
-          </a:prstGeom>
-          <a:noFill/>
-        </p:spPr>
-        <p:txBody>
-          <a:bodyPr wrap="square">
-            <a:spAutoFit/>
-          </a:bodyPr>
-          <a:lstStyle/>
-          <a:p>
-            <a:pPr algn="ctr">
-              <a:buNone/>
-            </a:pPr>
-            <a:r>
-              <a:rPr lang="en-US" sz="1200" b="1" u="sng" dirty="0">
-                <a:solidFill>
-                  <a:schemeClr val="tx1">
-                    <a:lumMod val="65000"/>
-                    <a:lumOff val="35000"/>
-                  </a:schemeClr>
-                </a:solidFill>
-                <a:effectLst/>
-                <a:latin typeface="Oxygen" panose="02000503000000000000" pitchFamily="2" charset="0"/>
-              </a:rPr>
-              <a:t>Flatten</a:t>
-            </a:r>
-          </a:p>
-        </p:txBody>
-      </p:sp>
-      <p:sp>
-        <p:nvSpPr>
-          <p:cNvPr id="75" name="Rectangle 74">
-            <a:extLst>
-              <a:ext uri="{FF2B5EF4-FFF2-40B4-BE49-F238E27FC236}">
-                <a16:creationId xmlns:a16="http://schemas.microsoft.com/office/drawing/2014/main" id="{5D774006-C6C8-26A4-3169-86DAFBA99171}"/>
-              </a:ext>
-            </a:extLst>
-          </p:cNvPr>
-          <p:cNvSpPr/>
-          <p:nvPr/>
-        </p:nvSpPr>
-        <p:spPr>
           <a:xfrm rot="16200000">
-            <a:off x="5979545" y="2120738"/>
+            <a:off x="6885997" y="2216153"/>
             <a:ext cx="3087960" cy="252937"/>
           </a:xfrm>
           <a:prstGeom prst="rect">
@@ -11442,7 +10735,7 @@
         </p:nvSpPr>
         <p:spPr>
           <a:xfrm rot="16200000">
-            <a:off x="6271319" y="2120738"/>
+            <a:off x="7177771" y="2216153"/>
             <a:ext cx="3087960" cy="252937"/>
           </a:xfrm>
           <a:prstGeom prst="rect">
@@ -11497,182 +10790,6 @@
           </a:p>
         </p:txBody>
       </p:sp>
-      <p:cxnSp>
-        <p:nvCxnSpPr>
-          <p:cNvPr id="77" name="Straight Arrow Connector 76">
-            <a:extLst>
-              <a:ext uri="{FF2B5EF4-FFF2-40B4-BE49-F238E27FC236}">
-                <a16:creationId xmlns:a16="http://schemas.microsoft.com/office/drawing/2014/main" id="{9AF9AC1A-02DB-48EB-40AF-B08EAC4839F1}"/>
-              </a:ext>
-            </a:extLst>
-          </p:cNvPr>
-          <p:cNvCxnSpPr>
-            <a:cxnSpLocks/>
-          </p:cNvCxnSpPr>
-          <p:nvPr/>
-        </p:nvCxnSpPr>
-        <p:spPr>
-          <a:xfrm>
-            <a:off x="6747290" y="2235485"/>
-            <a:ext cx="511421" cy="0"/>
-          </a:xfrm>
-          <a:prstGeom prst="straightConnector1">
-            <a:avLst/>
-          </a:prstGeom>
-          <a:ln w="127000">
-            <a:solidFill>
-              <a:schemeClr val="tx1">
-                <a:lumMod val="75000"/>
-                <a:lumOff val="25000"/>
-              </a:schemeClr>
-            </a:solidFill>
-            <a:tailEnd type="triangle"/>
-          </a:ln>
-        </p:spPr>
-        <p:style>
-          <a:lnRef idx="2">
-            <a:schemeClr val="accent1"/>
-          </a:lnRef>
-          <a:fillRef idx="0">
-            <a:schemeClr val="accent1"/>
-          </a:fillRef>
-          <a:effectRef idx="1">
-            <a:schemeClr val="accent1"/>
-          </a:effectRef>
-          <a:fontRef idx="minor">
-            <a:schemeClr val="tx1"/>
-          </a:fontRef>
-        </p:style>
-      </p:cxnSp>
-      <p:sp>
-        <p:nvSpPr>
-          <p:cNvPr id="78" name="TextBox 77">
-            <a:extLst>
-              <a:ext uri="{FF2B5EF4-FFF2-40B4-BE49-F238E27FC236}">
-                <a16:creationId xmlns:a16="http://schemas.microsoft.com/office/drawing/2014/main" id="{A69FA277-C9EC-6B90-E82A-AC3594E7BCAD}"/>
-              </a:ext>
-            </a:extLst>
-          </p:cNvPr>
-          <p:cNvSpPr txBox="1"/>
-          <p:nvPr/>
-        </p:nvSpPr>
-        <p:spPr>
-          <a:xfrm>
-            <a:off x="6973377" y="3821115"/>
-            <a:ext cx="1430905" cy="830997"/>
-          </a:xfrm>
-          <a:prstGeom prst="rect">
-            <a:avLst/>
-          </a:prstGeom>
-          <a:noFill/>
-        </p:spPr>
-        <p:txBody>
-          <a:bodyPr wrap="square">
-            <a:spAutoFit/>
-          </a:bodyPr>
-          <a:lstStyle/>
-          <a:p>
-            <a:pPr algn="ctr">
-              <a:buNone/>
-            </a:pPr>
-            <a:r>
-              <a:rPr lang="en-US" sz="1200" b="1" u="sng" dirty="0">
-                <a:solidFill>
-                  <a:schemeClr val="tx1">
-                    <a:lumMod val="65000"/>
-                    <a:lumOff val="35000"/>
-                  </a:schemeClr>
-                </a:solidFill>
-                <a:effectLst/>
-                <a:latin typeface="Oxygen" panose="02000503000000000000" pitchFamily="2" charset="0"/>
-              </a:rPr>
-              <a:t>Dense</a:t>
-            </a:r>
-          </a:p>
-          <a:p>
-            <a:pPr algn="ctr">
-              <a:buNone/>
-            </a:pPr>
-            <a:r>
-              <a:rPr lang="en-US" sz="1200" dirty="0">
-                <a:solidFill>
-                  <a:schemeClr val="tx1">
-                    <a:lumMod val="65000"/>
-                    <a:lumOff val="35000"/>
-                  </a:schemeClr>
-                </a:solidFill>
-                <a:latin typeface="Oxygen" panose="02000503000000000000" pitchFamily="2" charset="0"/>
-              </a:rPr>
-              <a:t>Units: 100</a:t>
-            </a:r>
-          </a:p>
-          <a:p>
-            <a:pPr algn="ctr">
-              <a:buNone/>
-            </a:pPr>
-            <a:r>
-              <a:rPr lang="en-US" sz="1200" dirty="0">
-                <a:solidFill>
-                  <a:schemeClr val="tx1">
-                    <a:lumMod val="65000"/>
-                    <a:lumOff val="35000"/>
-                  </a:schemeClr>
-                </a:solidFill>
-                <a:latin typeface="Oxygen" panose="02000503000000000000" pitchFamily="2" charset="0"/>
-              </a:rPr>
-              <a:t>A</a:t>
-            </a:r>
-            <a:r>
-              <a:rPr lang="en-US" sz="1200" dirty="0">
-                <a:solidFill>
-                  <a:schemeClr val="tx1">
-                    <a:lumMod val="65000"/>
-                    <a:lumOff val="35000"/>
-                  </a:schemeClr>
-                </a:solidFill>
-                <a:effectLst/>
-                <a:latin typeface="Oxygen" panose="02000503000000000000" pitchFamily="2" charset="0"/>
-              </a:rPr>
-              <a:t>ctivatio</a:t>
-            </a:r>
-            <a:r>
-              <a:rPr lang="en-US" sz="1200" dirty="0">
-                <a:solidFill>
-                  <a:schemeClr val="tx1">
-                    <a:lumMod val="65000"/>
-                    <a:lumOff val="35000"/>
-                  </a:schemeClr>
-                </a:solidFill>
-                <a:latin typeface="Oxygen" panose="02000503000000000000" pitchFamily="2" charset="0"/>
-              </a:rPr>
-              <a:t>n: R</a:t>
-            </a:r>
-            <a:r>
-              <a:rPr lang="en-US" sz="1200" dirty="0">
-                <a:solidFill>
-                  <a:schemeClr val="tx1">
-                    <a:lumMod val="65000"/>
-                    <a:lumOff val="35000"/>
-                  </a:schemeClr>
-                </a:solidFill>
-                <a:effectLst/>
-                <a:latin typeface="Oxygen" panose="02000503000000000000" pitchFamily="2" charset="0"/>
-              </a:rPr>
-              <a:t>eLU</a:t>
-            </a:r>
-            <a:endParaRPr lang="en-US" dirty="0">
-              <a:solidFill>
-                <a:schemeClr val="tx1">
-                  <a:lumMod val="65000"/>
-                  <a:lumOff val="35000"/>
-                </a:schemeClr>
-              </a:solidFill>
-              <a:effectLst/>
-              <a:latin typeface="Oxygen" panose="02000503000000000000" pitchFamily="2" charset="0"/>
-            </a:endParaRPr>
-          </a:p>
-        </p:txBody>
-      </p:sp>
       <p:sp>
         <p:nvSpPr>
           <p:cNvPr id="79" name="Rectangle 78">
@@ -11687,7 +10804,7 @@
         </p:nvSpPr>
         <p:spPr>
           <a:xfrm rot="16200000">
-            <a:off x="7308738" y="2130015"/>
+            <a:off x="7698355" y="2225430"/>
             <a:ext cx="3087960" cy="252937"/>
           </a:xfrm>
           <a:prstGeom prst="rect">
@@ -11750,7 +10867,7 @@
         </p:nvSpPr>
         <p:spPr>
           <a:xfrm rot="16200000">
-            <a:off x="7600512" y="2130015"/>
+            <a:off x="8506964" y="2225430"/>
             <a:ext cx="3087960" cy="252937"/>
           </a:xfrm>
           <a:prstGeom prst="rect">
@@ -11805,182 +10922,6 @@
           </a:p>
         </p:txBody>
       </p:sp>
-      <p:cxnSp>
-        <p:nvCxnSpPr>
-          <p:cNvPr id="81" name="Straight Arrow Connector 80">
-            <a:extLst>
-              <a:ext uri="{FF2B5EF4-FFF2-40B4-BE49-F238E27FC236}">
-                <a16:creationId xmlns:a16="http://schemas.microsoft.com/office/drawing/2014/main" id="{872D716A-E738-6982-B385-6D4190D5908F}"/>
-              </a:ext>
-            </a:extLst>
-          </p:cNvPr>
-          <p:cNvCxnSpPr>
-            <a:cxnSpLocks/>
-          </p:cNvCxnSpPr>
-          <p:nvPr/>
-        </p:nvCxnSpPr>
-        <p:spPr>
-          <a:xfrm>
-            <a:off x="8076483" y="2244762"/>
-            <a:ext cx="511421" cy="0"/>
-          </a:xfrm>
-          <a:prstGeom prst="straightConnector1">
-            <a:avLst/>
-          </a:prstGeom>
-          <a:ln w="127000">
-            <a:solidFill>
-              <a:schemeClr val="tx1">
-                <a:lumMod val="75000"/>
-                <a:lumOff val="25000"/>
-              </a:schemeClr>
-            </a:solidFill>
-            <a:tailEnd type="triangle"/>
-          </a:ln>
-        </p:spPr>
-        <p:style>
-          <a:lnRef idx="2">
-            <a:schemeClr val="accent1"/>
-          </a:lnRef>
-          <a:fillRef idx="0">
-            <a:schemeClr val="accent1"/>
-          </a:fillRef>
-          <a:effectRef idx="1">
-            <a:schemeClr val="accent1"/>
-          </a:effectRef>
-          <a:fontRef idx="minor">
-            <a:schemeClr val="tx1"/>
-          </a:fontRef>
-        </p:style>
-      </p:cxnSp>
-      <p:sp>
-        <p:nvSpPr>
-          <p:cNvPr id="82" name="TextBox 81">
-            <a:extLst>
-              <a:ext uri="{FF2B5EF4-FFF2-40B4-BE49-F238E27FC236}">
-                <a16:creationId xmlns:a16="http://schemas.microsoft.com/office/drawing/2014/main" id="{C3BD194E-8BF9-A755-2BE8-FA28CF1DE892}"/>
-              </a:ext>
-            </a:extLst>
-          </p:cNvPr>
-          <p:cNvSpPr txBox="1"/>
-          <p:nvPr/>
-        </p:nvSpPr>
-        <p:spPr>
-          <a:xfrm>
-            <a:off x="8302570" y="3830392"/>
-            <a:ext cx="1430905" cy="830997"/>
-          </a:xfrm>
-          <a:prstGeom prst="rect">
-            <a:avLst/>
-          </a:prstGeom>
-          <a:noFill/>
-        </p:spPr>
-        <p:txBody>
-          <a:bodyPr wrap="square">
-            <a:spAutoFit/>
-          </a:bodyPr>
-          <a:lstStyle/>
-          <a:p>
-            <a:pPr algn="ctr">
-              <a:buNone/>
-            </a:pPr>
-            <a:r>
-              <a:rPr lang="en-US" sz="1200" b="1" u="sng" dirty="0">
-                <a:solidFill>
-                  <a:schemeClr val="tx1">
-                    <a:lumMod val="65000"/>
-                    <a:lumOff val="35000"/>
-                  </a:schemeClr>
-                </a:solidFill>
-                <a:effectLst/>
-                <a:latin typeface="Oxygen" panose="02000503000000000000" pitchFamily="2" charset="0"/>
-              </a:rPr>
-              <a:t>Dense</a:t>
-            </a:r>
-          </a:p>
-          <a:p>
-            <a:pPr algn="ctr">
-              <a:buNone/>
-            </a:pPr>
-            <a:r>
-              <a:rPr lang="en-US" sz="1200" dirty="0">
-                <a:solidFill>
-                  <a:schemeClr val="tx1">
-                    <a:lumMod val="65000"/>
-                    <a:lumOff val="35000"/>
-                  </a:schemeClr>
-                </a:solidFill>
-                <a:latin typeface="Oxygen" panose="02000503000000000000" pitchFamily="2" charset="0"/>
-              </a:rPr>
-              <a:t>Units: 10</a:t>
-            </a:r>
-          </a:p>
-          <a:p>
-            <a:pPr algn="ctr">
-              <a:buNone/>
-            </a:pPr>
-            <a:r>
-              <a:rPr lang="en-US" sz="1200" dirty="0">
-                <a:solidFill>
-                  <a:schemeClr val="tx1">
-                    <a:lumMod val="65000"/>
-                    <a:lumOff val="35000"/>
-                  </a:schemeClr>
-                </a:solidFill>
-                <a:latin typeface="Oxygen" panose="02000503000000000000" pitchFamily="2" charset="0"/>
-              </a:rPr>
-              <a:t>A</a:t>
-            </a:r>
-            <a:r>
-              <a:rPr lang="en-US" sz="1200" dirty="0">
-                <a:solidFill>
-                  <a:schemeClr val="tx1">
-                    <a:lumMod val="65000"/>
-                    <a:lumOff val="35000"/>
-                  </a:schemeClr>
-                </a:solidFill>
-                <a:effectLst/>
-                <a:latin typeface="Oxygen" panose="02000503000000000000" pitchFamily="2" charset="0"/>
-              </a:rPr>
-              <a:t>ctivatio</a:t>
-            </a:r>
-            <a:r>
-              <a:rPr lang="en-US" sz="1200" dirty="0">
-                <a:solidFill>
-                  <a:schemeClr val="tx1">
-                    <a:lumMod val="65000"/>
-                    <a:lumOff val="35000"/>
-                  </a:schemeClr>
-                </a:solidFill>
-                <a:latin typeface="Oxygen" panose="02000503000000000000" pitchFamily="2" charset="0"/>
-              </a:rPr>
-              <a:t>n: R</a:t>
-            </a:r>
-            <a:r>
-              <a:rPr lang="en-US" sz="1200" dirty="0">
-                <a:solidFill>
-                  <a:schemeClr val="tx1">
-                    <a:lumMod val="65000"/>
-                    <a:lumOff val="35000"/>
-                  </a:schemeClr>
-                </a:solidFill>
-                <a:effectLst/>
-                <a:latin typeface="Oxygen" panose="02000503000000000000" pitchFamily="2" charset="0"/>
-              </a:rPr>
-              <a:t>eLU</a:t>
-            </a:r>
-            <a:endParaRPr lang="en-US" dirty="0">
-              <a:solidFill>
-                <a:schemeClr val="tx1">
-                  <a:lumMod val="65000"/>
-                  <a:lumOff val="35000"/>
-                </a:schemeClr>
-              </a:solidFill>
-              <a:effectLst/>
-              <a:latin typeface="Oxygen" panose="02000503000000000000" pitchFamily="2" charset="0"/>
-            </a:endParaRPr>
-          </a:p>
-        </p:txBody>
-      </p:sp>
       <p:sp>
         <p:nvSpPr>
           <p:cNvPr id="83" name="Rectangle 82">
@@ -11995,7 +10936,7 @@
         </p:nvSpPr>
         <p:spPr>
           <a:xfrm rot="16200000">
-            <a:off x="8598176" y="2147241"/>
+            <a:off x="8001831" y="2242656"/>
             <a:ext cx="3087960" cy="252937"/>
           </a:xfrm>
           <a:prstGeom prst="rect">
@@ -12044,53 +10985,6 @@
           </a:p>
         </p:txBody>
       </p:sp>
-      <p:cxnSp>
-        <p:nvCxnSpPr>
-          <p:cNvPr id="84" name="Straight Arrow Connector 83">
-            <a:extLst>
-              <a:ext uri="{FF2B5EF4-FFF2-40B4-BE49-F238E27FC236}">
-                <a16:creationId xmlns:a16="http://schemas.microsoft.com/office/drawing/2014/main" id="{E95CA9E7-32E5-03F0-74D0-ECE4D722C7CC}"/>
-              </a:ext>
-            </a:extLst>
-          </p:cNvPr>
-          <p:cNvCxnSpPr>
-            <a:cxnSpLocks/>
-          </p:cNvCxnSpPr>
-          <p:nvPr/>
-        </p:nvCxnSpPr>
-        <p:spPr>
-          <a:xfrm>
-            <a:off x="9365921" y="2261988"/>
-            <a:ext cx="511421" cy="0"/>
-          </a:xfrm>
-          <a:prstGeom prst="straightConnector1">
-            <a:avLst/>
-          </a:prstGeom>
-          <a:ln w="127000">
-            <a:solidFill>
-              <a:schemeClr val="tx1">
-                <a:lumMod val="75000"/>
-                <a:lumOff val="25000"/>
-              </a:schemeClr>
-            </a:solidFill>
-            <a:tailEnd type="triangle"/>
-          </a:ln>
-        </p:spPr>
-        <p:style>
-          <a:lnRef idx="2">
-            <a:schemeClr val="accent1"/>
-          </a:lnRef>
-          <a:fillRef idx="0">
-            <a:schemeClr val="accent1"/>
-          </a:fillRef>
-          <a:effectRef idx="1">
-            <a:schemeClr val="accent1"/>
-          </a:effectRef>
-          <a:fontRef idx="minor">
-            <a:schemeClr val="tx1"/>
-          </a:fontRef>
-        </p:style>
-      </p:cxnSp>
       <p:sp>
         <p:nvSpPr>
           <p:cNvPr id="85" name="TextBox 84">
@@ -12105,8 +10999,8 @@
         </p:nvSpPr>
         <p:spPr>
           <a:xfrm>
-            <a:off x="9520462" y="3847618"/>
-            <a:ext cx="1573996" cy="830997"/>
+            <a:off x="10227951" y="1785170"/>
+            <a:ext cx="977327" cy="461665"/>
           </a:xfrm>
           <a:prstGeom prst="rect">
             <a:avLst/>
@@ -12123,23 +11017,17 @@
               <a:buNone/>
             </a:pPr>
             <a:r>
-              <a:rPr lang="en-US" sz="1200" b="1" u="sng" dirty="0">
+              <a:rPr lang="en-US" sz="1200" dirty="0">
                 <a:solidFill>
                   <a:schemeClr val="tx1">
                     <a:lumMod val="65000"/>
                     <a:lumOff val="35000"/>
                   </a:schemeClr>
                 </a:solidFill>
-                <a:effectLst/>
-                <a:latin typeface="Oxygen" panose="02000503000000000000" pitchFamily="2" charset="0"/>
-              </a:rPr>
-              <a:t>Dense</a:t>
-            </a:r>
-          </a:p>
-          <a:p>
-            <a:pPr algn="ctr">
-              <a:buNone/>
-            </a:pPr>
+                <a:latin typeface="Oxygen" panose="02000503000000000000" pitchFamily="2" charset="0"/>
+              </a:rPr>
+              <a:t>A</a:t>
+            </a:r>
             <a:r>
               <a:rPr lang="en-US" sz="1200" dirty="0">
                 <a:solidFill>
@@ -12148,15 +11036,11 @@
                     <a:lumOff val="35000"/>
                   </a:schemeClr>
                 </a:solidFill>
-                <a:latin typeface="Oxygen" panose="02000503000000000000" pitchFamily="2" charset="0"/>
-              </a:rPr>
-              <a:t>Units: 1</a:t>
-            </a:r>
-          </a:p>
-          <a:p>
-            <a:pPr algn="ctr">
-              <a:buNone/>
-            </a:pPr>
+                <a:effectLst/>
+                <a:latin typeface="Oxygen" panose="02000503000000000000" pitchFamily="2" charset="0"/>
+              </a:rPr>
+              <a:t>ctivatio</a:t>
+            </a:r>
             <a:r>
               <a:rPr lang="en-US" sz="1200" dirty="0">
                 <a:solidFill>
@@ -12167,10 +11051,15 @@
                 </a:solidFill>
                 <a:latin typeface="Oxygen" panose="02000503000000000000" pitchFamily="2" charset="0"/>
               </a:rPr>
-              <a:t>A</a:t>
-            </a:r>
-            <a:r>
-              <a:rPr lang="en-US" sz="1200" dirty="0">
+              <a:t>n:</a:t>
+            </a:r>
+          </a:p>
+          <a:p>
+            <a:pPr algn="ctr">
+              <a:buNone/>
+            </a:pPr>
+            <a:r>
+              <a:rPr lang="en-US" sz="1200" b="1" dirty="0">
                 <a:solidFill>
                   <a:schemeClr val="tx1">
                     <a:lumMod val="65000"/>
@@ -12180,34 +11069,9 @@
                 <a:effectLst/>
                 <a:latin typeface="Oxygen" panose="02000503000000000000" pitchFamily="2" charset="0"/>
               </a:rPr>
-              <a:t>ctivatio</a:t>
-            </a:r>
-            <a:r>
-              <a:rPr lang="en-US" sz="1200" dirty="0">
-                <a:solidFill>
-                  <a:schemeClr val="tx1">
-                    <a:lumMod val="65000"/>
-                    <a:lumOff val="35000"/>
-                  </a:schemeClr>
-                </a:solidFill>
-                <a:latin typeface="Oxygen" panose="02000503000000000000" pitchFamily="2" charset="0"/>
-              </a:rPr>
-              <a:t>n: </a:t>
-            </a:r>
-            <a:r>
-              <a:rPr lang="en-US" sz="1200" dirty="0">
-                <a:solidFill>
-                  <a:schemeClr val="tx1">
-                    <a:lumMod val="65000"/>
-                    <a:lumOff val="35000"/>
-                  </a:schemeClr>
-                </a:solidFill>
-                <a:effectLst/>
-                <a:latin typeface="Oxygen" panose="02000503000000000000" pitchFamily="2" charset="0"/>
-              </a:rPr>
               <a:t>Sigmoid</a:t>
             </a:r>
-            <a:endParaRPr lang="en-US" dirty="0">
+            <a:endParaRPr lang="en-US" b="1" dirty="0">
               <a:solidFill>
                 <a:schemeClr val="tx1">
                   <a:lumMod val="65000"/>
@@ -12236,8 +11100,8 @@
         </p:nvCxnSpPr>
         <p:spPr>
           <a:xfrm>
-            <a:off x="10400915" y="2273709"/>
-            <a:ext cx="511421" cy="0"/>
+            <a:off x="10268659" y="2369124"/>
+            <a:ext cx="823648" cy="0"/>
           </a:xfrm>
           <a:prstGeom prst="straightConnector1">
             <a:avLst/>
@@ -12281,7 +11145,7 @@
         </p:nvSpPr>
         <p:spPr>
           <a:xfrm>
-            <a:off x="10779453" y="2046994"/>
+            <a:off x="10914628" y="2142409"/>
             <a:ext cx="1082311" cy="453430"/>
           </a:xfrm>
           <a:prstGeom prst="rect">
@@ -12343,150 +11207,100 @@
           </a:p>
         </p:txBody>
       </p:sp>
-      <p:pic>
-        <p:nvPicPr>
-          <p:cNvPr id="8" name="Picture 7">
-            <a:extLst>
-              <a:ext uri="{FF2B5EF4-FFF2-40B4-BE49-F238E27FC236}">
-                <a16:creationId xmlns:a16="http://schemas.microsoft.com/office/drawing/2014/main" id="{875436BD-36DE-AAE6-E477-D4E2D82445D8}"/>
-              </a:ext>
-            </a:extLst>
-          </p:cNvPr>
-          <p:cNvPicPr>
-            <a:picLocks noChangeAspect="1"/>
-          </p:cNvPicPr>
-          <p:nvPr/>
-        </p:nvPicPr>
-        <p:blipFill>
-          <a:blip r:embed="rId7">
-            <a:extLst>
-              <a:ext uri="{28A0092B-C50C-407E-A947-70E740481C1C}">
-                <a14:useLocalDpi xmlns:a14="http://schemas.microsoft.com/office/drawing/2010/main" val="0"/>
-              </a:ext>
-            </a:extLst>
-          </a:blip>
-          <a:stretch>
-            <a:fillRect/>
-          </a:stretch>
-        </p:blipFill>
-        <p:spPr>
-          <a:xfrm>
-            <a:off x="3861910" y="4622184"/>
-            <a:ext cx="2007409" cy="2099585"/>
-          </a:xfrm>
-          <a:prstGeom prst="rect">
-            <a:avLst/>
-          </a:prstGeom>
-        </p:spPr>
-      </p:pic>
-      <p:pic>
-        <p:nvPicPr>
-          <p:cNvPr id="10" name="Picture 9">
-            <a:extLst>
-              <a:ext uri="{FF2B5EF4-FFF2-40B4-BE49-F238E27FC236}">
-                <a16:creationId xmlns:a16="http://schemas.microsoft.com/office/drawing/2014/main" id="{81DC3F3E-785A-372F-ACC0-A502CD5B8CC4}"/>
-              </a:ext>
-            </a:extLst>
-          </p:cNvPr>
-          <p:cNvPicPr>
-            <a:picLocks noChangeAspect="1"/>
-          </p:cNvPicPr>
-          <p:nvPr/>
-        </p:nvPicPr>
-        <p:blipFill>
-          <a:blip r:embed="rId8">
-            <a:extLst>
-              <a:ext uri="{28A0092B-C50C-407E-A947-70E740481C1C}">
-                <a14:useLocalDpi xmlns:a14="http://schemas.microsoft.com/office/drawing/2010/main" val="0"/>
-              </a:ext>
-            </a:extLst>
-          </a:blip>
-          <a:stretch>
-            <a:fillRect/>
-          </a:stretch>
-        </p:blipFill>
-        <p:spPr>
-          <a:xfrm>
-            <a:off x="282827" y="4613940"/>
-            <a:ext cx="2954123" cy="2135547"/>
-          </a:xfrm>
-          <a:prstGeom prst="rect">
-            <a:avLst/>
-          </a:prstGeom>
-        </p:spPr>
-      </p:pic>
-      <p:pic>
-        <p:nvPicPr>
-          <p:cNvPr id="19" name="Picture 18">
-            <a:extLst>
-              <a:ext uri="{FF2B5EF4-FFF2-40B4-BE49-F238E27FC236}">
-                <a16:creationId xmlns:a16="http://schemas.microsoft.com/office/drawing/2014/main" id="{831B73C5-430A-CB04-801E-6906F789903F}"/>
-              </a:ext>
-            </a:extLst>
-          </p:cNvPr>
-          <p:cNvPicPr>
-            <a:picLocks noChangeAspect="1"/>
-          </p:cNvPicPr>
-          <p:nvPr/>
-        </p:nvPicPr>
-        <p:blipFill>
-          <a:blip r:embed="rId9">
-            <a:extLst>
-              <a:ext uri="{28A0092B-C50C-407E-A947-70E740481C1C}">
-                <a14:useLocalDpi xmlns:a14="http://schemas.microsoft.com/office/drawing/2010/main" val="0"/>
-              </a:ext>
-            </a:extLst>
-          </a:blip>
-          <a:stretch>
-            <a:fillRect/>
-          </a:stretch>
-        </p:blipFill>
-        <p:spPr>
-          <a:xfrm>
-            <a:off x="6618635" y="4480972"/>
-            <a:ext cx="2062717" cy="2157434"/>
-          </a:xfrm>
-          <a:prstGeom prst="rect">
-            <a:avLst/>
-          </a:prstGeom>
-        </p:spPr>
-      </p:pic>
-      <p:pic>
-        <p:nvPicPr>
-          <p:cNvPr id="25" name="Picture 24">
-            <a:extLst>
-              <a:ext uri="{FF2B5EF4-FFF2-40B4-BE49-F238E27FC236}">
-                <a16:creationId xmlns:a16="http://schemas.microsoft.com/office/drawing/2014/main" id="{CB4F64A0-19C6-581E-25BE-3B30E1F04296}"/>
-              </a:ext>
-            </a:extLst>
-          </p:cNvPr>
-          <p:cNvPicPr>
-            <a:picLocks noChangeAspect="1"/>
-          </p:cNvPicPr>
-          <p:nvPr/>
-        </p:nvPicPr>
-        <p:blipFill>
-          <a:blip r:embed="rId10">
-            <a:extLst>
-              <a:ext uri="{28A0092B-C50C-407E-A947-70E740481C1C}">
-                <a14:useLocalDpi xmlns:a14="http://schemas.microsoft.com/office/drawing/2010/main" val="0"/>
-              </a:ext>
-            </a:extLst>
-          </a:blip>
-          <a:stretch>
-            <a:fillRect/>
-          </a:stretch>
-        </p:blipFill>
-        <p:spPr>
-          <a:xfrm>
-            <a:off x="9257462" y="4652032"/>
-            <a:ext cx="2569402" cy="1857431"/>
-          </a:xfrm>
-          <a:prstGeom prst="rect">
-            <a:avLst/>
-          </a:prstGeom>
-        </p:spPr>
-      </p:pic>
+      <p:cxnSp>
+        <p:nvCxnSpPr>
+          <p:cNvPr id="4" name="Straight Arrow Connector 3">
+            <a:extLst>
+              <a:ext uri="{FF2B5EF4-FFF2-40B4-BE49-F238E27FC236}">
+                <a16:creationId xmlns:a16="http://schemas.microsoft.com/office/drawing/2014/main" id="{2CBCBD52-DEF2-5D5C-287D-2B920B0F6A18}"/>
+              </a:ext>
+            </a:extLst>
+          </p:cNvPr>
+          <p:cNvCxnSpPr>
+            <a:cxnSpLocks/>
+          </p:cNvCxnSpPr>
+          <p:nvPr/>
+        </p:nvCxnSpPr>
+        <p:spPr>
+          <a:xfrm>
+            <a:off x="4545759" y="2343575"/>
+            <a:ext cx="823648" cy="0"/>
+          </a:xfrm>
+          <a:prstGeom prst="straightConnector1">
+            <a:avLst/>
+          </a:prstGeom>
+          <a:ln w="127000">
+            <a:solidFill>
+              <a:schemeClr val="tx1">
+                <a:lumMod val="75000"/>
+                <a:lumOff val="25000"/>
+              </a:schemeClr>
+            </a:solidFill>
+            <a:tailEnd type="triangle"/>
+          </a:ln>
+        </p:spPr>
+        <p:style>
+          <a:lnRef idx="2">
+            <a:schemeClr val="accent1"/>
+          </a:lnRef>
+          <a:fillRef idx="0">
+            <a:schemeClr val="accent1"/>
+          </a:fillRef>
+          <a:effectRef idx="1">
+            <a:schemeClr val="accent1"/>
+          </a:effectRef>
+          <a:fontRef idx="minor">
+            <a:schemeClr val="tx1"/>
+          </a:fontRef>
+        </p:style>
+      </p:cxnSp>
+      <p:cxnSp>
+        <p:nvCxnSpPr>
+          <p:cNvPr id="9" name="Straight Arrow Connector 8">
+            <a:extLst>
+              <a:ext uri="{FF2B5EF4-FFF2-40B4-BE49-F238E27FC236}">
+                <a16:creationId xmlns:a16="http://schemas.microsoft.com/office/drawing/2014/main" id="{CD961CFC-EF87-5349-EB8D-38ABE51F8EFE}"/>
+              </a:ext>
+            </a:extLst>
+          </p:cNvPr>
+          <p:cNvCxnSpPr>
+            <a:cxnSpLocks/>
+          </p:cNvCxnSpPr>
+          <p:nvPr/>
+        </p:nvCxnSpPr>
+        <p:spPr>
+          <a:xfrm>
+            <a:off x="2360476" y="2336949"/>
+            <a:ext cx="823648" cy="0"/>
+          </a:xfrm>
+          <a:prstGeom prst="straightConnector1">
+            <a:avLst/>
+          </a:prstGeom>
+          <a:ln w="127000">
+            <a:solidFill>
+              <a:schemeClr val="tx1">
+                <a:lumMod val="75000"/>
+                <a:lumOff val="25000"/>
+              </a:schemeClr>
+            </a:solidFill>
+            <a:tailEnd type="triangle"/>
+          </a:ln>
+        </p:spPr>
+        <p:style>
+          <a:lnRef idx="2">
+            <a:schemeClr val="accent1"/>
+          </a:lnRef>
+          <a:fillRef idx="0">
+            <a:schemeClr val="accent1"/>
+          </a:fillRef>
+          <a:effectRef idx="1">
+            <a:schemeClr val="accent1"/>
+          </a:effectRef>
+          <a:fontRef idx="minor">
+            <a:schemeClr val="tx1"/>
+          </a:fontRef>
+        </p:style>
+      </p:cxnSp>
     </p:spTree>
     <p:extLst>
       <p:ext uri="{BB962C8B-B14F-4D97-AF65-F5344CB8AC3E}">
@@ -12610,6 +11424,142 @@
           </a:prstGeom>
         </p:spPr>
       </p:pic>
+      <p:sp>
+        <p:nvSpPr>
+          <p:cNvPr id="7" name="TextBox 6">
+            <a:extLst>
+              <a:ext uri="{FF2B5EF4-FFF2-40B4-BE49-F238E27FC236}">
+                <a16:creationId xmlns:a16="http://schemas.microsoft.com/office/drawing/2014/main" id="{46679884-09FD-2391-E498-B91BDDFCFC5B}"/>
+              </a:ext>
+            </a:extLst>
+          </p:cNvPr>
+          <p:cNvSpPr txBox="1"/>
+          <p:nvPr/>
+        </p:nvSpPr>
+        <p:spPr>
+          <a:xfrm>
+            <a:off x="2578210" y="1644586"/>
+            <a:ext cx="6094674" cy="4766305"/>
+          </a:xfrm>
+          <a:prstGeom prst="rect">
+            <a:avLst/>
+          </a:prstGeom>
+          <a:noFill/>
+        </p:spPr>
+        <p:txBody>
+          <a:bodyPr wrap="square">
+            <a:spAutoFit/>
+          </a:bodyPr>
+          <a:lstStyle/>
+          <a:p>
+            <a:pPr marL="285750" indent="-285750">
+              <a:lnSpc>
+                <a:spcPct val="200000"/>
+              </a:lnSpc>
+              <a:buFont typeface="Wingdings" panose="05000000000000000000" pitchFamily="2" charset="2"/>
+              <a:buChar char="v"/>
+            </a:pPr>
+            <a:r>
+              <a:rPr lang="en-US" dirty="0">
+                <a:latin typeface="Oxygen" panose="02000503000000000000" pitchFamily="2" charset="0"/>
+              </a:rPr>
+              <a:t>LeNet CNN achieved &gt;94% accuracy</a:t>
+            </a:r>
+          </a:p>
+          <a:p>
+            <a:pPr marL="285750" indent="-285750">
+              <a:lnSpc>
+                <a:spcPct val="200000"/>
+              </a:lnSpc>
+              <a:buFont typeface="Wingdings" panose="05000000000000000000" pitchFamily="2" charset="2"/>
+              <a:buChar char="v"/>
+            </a:pPr>
+            <a:r>
+              <a:rPr lang="en-US" dirty="0">
+                <a:latin typeface="Oxygen" panose="02000503000000000000" pitchFamily="2" charset="0"/>
+              </a:rPr>
+              <a:t>Early stopping prevented overfitting</a:t>
+            </a:r>
+          </a:p>
+          <a:p>
+            <a:pPr marL="285750" indent="-285750">
+              <a:lnSpc>
+                <a:spcPct val="200000"/>
+              </a:lnSpc>
+              <a:buFont typeface="Wingdings" panose="05000000000000000000" pitchFamily="2" charset="2"/>
+              <a:buChar char="v"/>
+            </a:pPr>
+            <a:r>
+              <a:rPr lang="en-US" dirty="0">
+                <a:latin typeface="Oxygen" panose="02000503000000000000" pitchFamily="2" charset="0"/>
+              </a:rPr>
+              <a:t>Strong generalization on unseen data</a:t>
+            </a:r>
+          </a:p>
+          <a:p>
+            <a:pPr marL="285750" indent="-285750">
+              <a:lnSpc>
+                <a:spcPct val="200000"/>
+              </a:lnSpc>
+              <a:buFont typeface="Wingdings" panose="05000000000000000000" pitchFamily="2" charset="2"/>
+              <a:buChar char="v"/>
+            </a:pPr>
+            <a:r>
+              <a:rPr lang="en-US" dirty="0">
+                <a:latin typeface="Oxygen" panose="02000503000000000000" pitchFamily="2" charset="0"/>
+              </a:rPr>
+              <a:t>Future: larger, diverse datasets</a:t>
+            </a:r>
+          </a:p>
+          <a:p>
+            <a:pPr marL="285750" indent="-285750">
+              <a:lnSpc>
+                <a:spcPct val="200000"/>
+              </a:lnSpc>
+              <a:buFont typeface="Wingdings" panose="05000000000000000000" pitchFamily="2" charset="2"/>
+              <a:buChar char="v"/>
+            </a:pPr>
+            <a:r>
+              <a:rPr lang="en-US" dirty="0">
+                <a:latin typeface="Oxygen" panose="02000503000000000000" pitchFamily="2" charset="0"/>
+              </a:rPr>
+              <a:t>Explore deeper CNN architectures</a:t>
+            </a:r>
+          </a:p>
+          <a:p>
+            <a:pPr marL="285750" indent="-285750">
+              <a:lnSpc>
+                <a:spcPct val="200000"/>
+              </a:lnSpc>
+              <a:buFont typeface="Wingdings" panose="05000000000000000000" pitchFamily="2" charset="2"/>
+              <a:buChar char="v"/>
+            </a:pPr>
+            <a:r>
+              <a:rPr lang="en-US" dirty="0">
+                <a:latin typeface="Oxygen" panose="02000503000000000000" pitchFamily="2" charset="0"/>
+              </a:rPr>
+              <a:t>Clinical trials for real-world validation</a:t>
+            </a:r>
+          </a:p>
+          <a:p>
+            <a:pPr>
+              <a:lnSpc>
+                <a:spcPct val="300000"/>
+              </a:lnSpc>
+              <a:buNone/>
+            </a:pPr>
+            <a:r>
+              <a:rPr lang="en-US" sz="3600" b="1" dirty="0">
+                <a:latin typeface="Oxygen" panose="02000503000000000000" pitchFamily="2" charset="0"/>
+              </a:rPr>
+              <a:t>	Thank you!</a:t>
+            </a:r>
+            <a:endParaRPr lang="en-US" sz="3600" dirty="0">
+              <a:latin typeface="Oxygen" panose="02000503000000000000" pitchFamily="2" charset="0"/>
+            </a:endParaRPr>
+          </a:p>
+        </p:txBody>
+      </p:sp>
     </p:spTree>
     <p:extLst>
       <p:ext uri="{BB962C8B-B14F-4D97-AF65-F5344CB8AC3E}">

--- a/07NuralNetworks/TF/002MalariaProject/ProjectReport/slides.pptx
+++ b/07NuralNetworks/TF/002MalariaProject/ProjectReport/slides.pptx
@@ -266,7 +266,7 @@
           <a:p>
             <a:fld id="{C6020CC9-57D4-4FC2-A103-75811FF10B31}" type="datetimeFigureOut">
               <a:rPr lang="en-US" smtClean="0"/>
-              <a:t>8/25/2025</a:t>
+              <a:t>8/26/2025</a:t>
             </a:fld>
             <a:endParaRPr lang="en-US"/>
           </a:p>
@@ -464,7 +464,7 @@
           <a:p>
             <a:fld id="{C6020CC9-57D4-4FC2-A103-75811FF10B31}" type="datetimeFigureOut">
               <a:rPr lang="en-US" smtClean="0"/>
-              <a:t>8/25/2025</a:t>
+              <a:t>8/26/2025</a:t>
             </a:fld>
             <a:endParaRPr lang="en-US"/>
           </a:p>
@@ -672,7 +672,7 @@
           <a:p>
             <a:fld id="{C6020CC9-57D4-4FC2-A103-75811FF10B31}" type="datetimeFigureOut">
               <a:rPr lang="en-US" smtClean="0"/>
-              <a:t>8/25/2025</a:t>
+              <a:t>8/26/2025</a:t>
             </a:fld>
             <a:endParaRPr lang="en-US"/>
           </a:p>
@@ -870,7 +870,7 @@
           <a:p>
             <a:fld id="{C6020CC9-57D4-4FC2-A103-75811FF10B31}" type="datetimeFigureOut">
               <a:rPr lang="en-US" smtClean="0"/>
-              <a:t>8/25/2025</a:t>
+              <a:t>8/26/2025</a:t>
             </a:fld>
             <a:endParaRPr lang="en-US"/>
           </a:p>
@@ -1145,7 +1145,7 @@
           <a:p>
             <a:fld id="{C6020CC9-57D4-4FC2-A103-75811FF10B31}" type="datetimeFigureOut">
               <a:rPr lang="en-US" smtClean="0"/>
-              <a:t>8/25/2025</a:t>
+              <a:t>8/26/2025</a:t>
             </a:fld>
             <a:endParaRPr lang="en-US"/>
           </a:p>
@@ -1410,7 +1410,7 @@
           <a:p>
             <a:fld id="{C6020CC9-57D4-4FC2-A103-75811FF10B31}" type="datetimeFigureOut">
               <a:rPr lang="en-US" smtClean="0"/>
-              <a:t>8/25/2025</a:t>
+              <a:t>8/26/2025</a:t>
             </a:fld>
             <a:endParaRPr lang="en-US"/>
           </a:p>
@@ -1822,7 +1822,7 @@
           <a:p>
             <a:fld id="{C6020CC9-57D4-4FC2-A103-75811FF10B31}" type="datetimeFigureOut">
               <a:rPr lang="en-US" smtClean="0"/>
-              <a:t>8/25/2025</a:t>
+              <a:t>8/26/2025</a:t>
             </a:fld>
             <a:endParaRPr lang="en-US"/>
           </a:p>
@@ -1963,7 +1963,7 @@
           <a:p>
             <a:fld id="{C6020CC9-57D4-4FC2-A103-75811FF10B31}" type="datetimeFigureOut">
               <a:rPr lang="en-US" smtClean="0"/>
-              <a:t>8/25/2025</a:t>
+              <a:t>8/26/2025</a:t>
             </a:fld>
             <a:endParaRPr lang="en-US"/>
           </a:p>
@@ -2076,7 +2076,7 @@
           <a:p>
             <a:fld id="{C6020CC9-57D4-4FC2-A103-75811FF10B31}" type="datetimeFigureOut">
               <a:rPr lang="en-US" smtClean="0"/>
-              <a:t>8/25/2025</a:t>
+              <a:t>8/26/2025</a:t>
             </a:fld>
             <a:endParaRPr lang="en-US"/>
           </a:p>
@@ -2387,7 +2387,7 @@
           <a:p>
             <a:fld id="{C6020CC9-57D4-4FC2-A103-75811FF10B31}" type="datetimeFigureOut">
               <a:rPr lang="en-US" smtClean="0"/>
-              <a:t>8/25/2025</a:t>
+              <a:t>8/26/2025</a:t>
             </a:fld>
             <a:endParaRPr lang="en-US"/>
           </a:p>
@@ -2675,7 +2675,7 @@
           <a:p>
             <a:fld id="{C6020CC9-57D4-4FC2-A103-75811FF10B31}" type="datetimeFigureOut">
               <a:rPr lang="en-US" smtClean="0"/>
-              <a:t>8/25/2025</a:t>
+              <a:t>8/26/2025</a:t>
             </a:fld>
             <a:endParaRPr lang="en-US"/>
           </a:p>
@@ -2916,7 +2916,7 @@
           <a:p>
             <a:fld id="{C6020CC9-57D4-4FC2-A103-75811FF10B31}" type="datetimeFigureOut">
               <a:rPr lang="en-US" smtClean="0"/>
-              <a:t>8/25/2025</a:t>
+              <a:t>8/26/2025</a:t>
             </a:fld>
             <a:endParaRPr lang="en-US"/>
           </a:p>
@@ -9031,8 +9031,8 @@
         </p:nvSpPr>
         <p:spPr>
           <a:xfrm>
-            <a:off x="1759889" y="75289"/>
-            <a:ext cx="9358685" cy="584775"/>
+            <a:off x="1486894" y="75289"/>
+            <a:ext cx="10599089" cy="584775"/>
           </a:xfrm>
           <a:prstGeom prst="rect">
             <a:avLst/>
@@ -9063,7 +9063,7 @@
                 </a:effectLst>
                 <a:latin typeface="Oxygen" panose="02000503000000000000" pitchFamily="2" charset="0"/>
               </a:rPr>
-              <a:t>Sample Positive and Negative Activations</a:t>
+              <a:t>Sample Feature-Maps for Positive &amp; Negative Examples </a:t>
             </a:r>
           </a:p>
         </p:txBody>
@@ -9709,53 +9709,6 @@
       </p:graphicFrame>
       <p:sp>
         <p:nvSpPr>
-          <p:cNvPr id="20" name="TextBox 19">
-            <a:extLst>
-              <a:ext uri="{FF2B5EF4-FFF2-40B4-BE49-F238E27FC236}">
-                <a16:creationId xmlns:a16="http://schemas.microsoft.com/office/drawing/2014/main" id="{6F7BC1AC-462C-5259-7A12-A37846803A6D}"/>
-              </a:ext>
-            </a:extLst>
-          </p:cNvPr>
-          <p:cNvSpPr txBox="1"/>
-          <p:nvPr/>
-        </p:nvSpPr>
-        <p:spPr>
-          <a:xfrm>
-            <a:off x="2451739" y="3878358"/>
-            <a:ext cx="2160613" cy="276999"/>
-          </a:xfrm>
-          <a:prstGeom prst="rect">
-            <a:avLst/>
-          </a:prstGeom>
-          <a:noFill/>
-        </p:spPr>
-        <p:txBody>
-          <a:bodyPr wrap="square">
-            <a:spAutoFit/>
-          </a:bodyPr>
-          <a:lstStyle/>
-          <a:p>
-            <a:pPr algn="ctr">
-              <a:buNone/>
-            </a:pPr>
-            <a:r>
-              <a:rPr lang="en-US" sz="1200" b="1" u="sng" dirty="0">
-                <a:solidFill>
-                  <a:schemeClr val="tx1">
-                    <a:lumMod val="65000"/>
-                    <a:lumOff val="35000"/>
-                  </a:schemeClr>
-                </a:solidFill>
-                <a:effectLst/>
-                <a:latin typeface="Oxygen" panose="02000503000000000000" pitchFamily="2" charset="0"/>
-              </a:rPr>
-              <a:t>Conv2D</a:t>
-            </a:r>
-          </a:p>
-        </p:txBody>
-      </p:sp>
-      <p:sp>
-        <p:nvSpPr>
           <p:cNvPr id="21" name="Rectangle 20">
             <a:extLst>
               <a:ext uri="{FF2B5EF4-FFF2-40B4-BE49-F238E27FC236}">
@@ -10504,53 +10457,6 @@
           </a:p>
         </p:txBody>
       </p:sp>
-      <p:sp>
-        <p:nvSpPr>
-          <p:cNvPr id="59" name="TextBox 58">
-            <a:extLst>
-              <a:ext uri="{FF2B5EF4-FFF2-40B4-BE49-F238E27FC236}">
-                <a16:creationId xmlns:a16="http://schemas.microsoft.com/office/drawing/2014/main" id="{A2812FA6-ADB4-FA71-49FE-AD3C5E990BBB}"/>
-              </a:ext>
-            </a:extLst>
-          </p:cNvPr>
-          <p:cNvSpPr txBox="1"/>
-          <p:nvPr/>
-        </p:nvSpPr>
-        <p:spPr>
-          <a:xfrm>
-            <a:off x="4778306" y="3886602"/>
-            <a:ext cx="2130915" cy="276999"/>
-          </a:xfrm>
-          <a:prstGeom prst="rect">
-            <a:avLst/>
-          </a:prstGeom>
-          <a:noFill/>
-        </p:spPr>
-        <p:txBody>
-          <a:bodyPr wrap="square">
-            <a:spAutoFit/>
-          </a:bodyPr>
-          <a:lstStyle/>
-          <a:p>
-            <a:pPr algn="ctr">
-              <a:buNone/>
-            </a:pPr>
-            <a:r>
-              <a:rPr lang="en-US" sz="1200" b="1" u="sng" dirty="0">
-                <a:solidFill>
-                  <a:schemeClr val="tx1">
-                    <a:lumMod val="65000"/>
-                    <a:lumOff val="35000"/>
-                  </a:schemeClr>
-                </a:solidFill>
-                <a:effectLst/>
-                <a:latin typeface="Oxygen" panose="02000503000000000000" pitchFamily="2" charset="0"/>
-              </a:rPr>
-              <a:t>Conv2D</a:t>
-            </a:r>
-          </a:p>
-        </p:txBody>
-      </p:sp>
       <p:cxnSp>
         <p:nvCxnSpPr>
           <p:cNvPr id="60" name="Straight Arrow Connector 59">
@@ -11301,6 +11207,234 @@
           </a:fontRef>
         </p:style>
       </p:cxnSp>
+      <p:sp>
+        <p:nvSpPr>
+          <p:cNvPr id="8" name="Rectangle 7">
+            <a:extLst>
+              <a:ext uri="{FF2B5EF4-FFF2-40B4-BE49-F238E27FC236}">
+                <a16:creationId xmlns:a16="http://schemas.microsoft.com/office/drawing/2014/main" id="{D6B39359-BED1-E910-3D68-DA7E47C58A22}"/>
+              </a:ext>
+            </a:extLst>
+          </p:cNvPr>
+          <p:cNvSpPr/>
+          <p:nvPr/>
+        </p:nvSpPr>
+        <p:spPr>
+          <a:xfrm>
+            <a:off x="0" y="4012235"/>
+            <a:ext cx="12192000" cy="1281930"/>
+          </a:xfrm>
+          <a:prstGeom prst="rect">
+            <a:avLst/>
+          </a:prstGeom>
+          <a:solidFill>
+            <a:srgbClr val="80FF80">
+              <a:alpha val="20000"/>
+            </a:srgbClr>
+          </a:solidFill>
+          <a:ln>
+            <a:noFill/>
+          </a:ln>
+        </p:spPr>
+        <p:style>
+          <a:lnRef idx="2">
+            <a:schemeClr val="accent1">
+              <a:shade val="15000"/>
+            </a:schemeClr>
+          </a:lnRef>
+          <a:fillRef idx="1">
+            <a:schemeClr val="accent1"/>
+          </a:fillRef>
+          <a:effectRef idx="0">
+            <a:schemeClr val="accent1"/>
+          </a:effectRef>
+          <a:fontRef idx="minor">
+            <a:schemeClr val="lt1"/>
+          </a:fontRef>
+        </p:style>
+        <p:txBody>
+          <a:bodyPr rtlCol="0" anchor="ctr"/>
+          <a:lstStyle/>
+          <a:p>
+            <a:pPr algn="ctr"/>
+            <a:endParaRPr lang="en-US"/>
+          </a:p>
+        </p:txBody>
+      </p:sp>
+      <p:sp>
+        <p:nvSpPr>
+          <p:cNvPr id="10" name="Rectangle 9">
+            <a:extLst>
+              <a:ext uri="{FF2B5EF4-FFF2-40B4-BE49-F238E27FC236}">
+                <a16:creationId xmlns:a16="http://schemas.microsoft.com/office/drawing/2014/main" id="{BB64AF69-7689-757B-5EB7-8FDCF7B4EC1D}"/>
+              </a:ext>
+            </a:extLst>
+          </p:cNvPr>
+          <p:cNvSpPr/>
+          <p:nvPr/>
+        </p:nvSpPr>
+        <p:spPr>
+          <a:xfrm>
+            <a:off x="0" y="5293493"/>
+            <a:ext cx="12192000" cy="1281930"/>
+          </a:xfrm>
+          <a:prstGeom prst="rect">
+            <a:avLst/>
+          </a:prstGeom>
+          <a:solidFill>
+            <a:srgbClr val="FF8080">
+              <a:alpha val="20000"/>
+            </a:srgbClr>
+          </a:solidFill>
+          <a:ln>
+            <a:noFill/>
+          </a:ln>
+        </p:spPr>
+        <p:style>
+          <a:lnRef idx="2">
+            <a:schemeClr val="accent1">
+              <a:shade val="15000"/>
+            </a:schemeClr>
+          </a:lnRef>
+          <a:fillRef idx="1">
+            <a:schemeClr val="accent1"/>
+          </a:fillRef>
+          <a:effectRef idx="0">
+            <a:schemeClr val="accent1"/>
+          </a:effectRef>
+          <a:fontRef idx="minor">
+            <a:schemeClr val="lt1"/>
+          </a:fontRef>
+        </p:style>
+        <p:txBody>
+          <a:bodyPr rtlCol="0" anchor="ctr"/>
+          <a:lstStyle/>
+          <a:p>
+            <a:pPr algn="ctr"/>
+            <a:endParaRPr lang="en-US" dirty="0"/>
+          </a:p>
+        </p:txBody>
+      </p:sp>
+      <p:sp>
+        <p:nvSpPr>
+          <p:cNvPr id="17" name="Rectangle 16">
+            <a:extLst>
+              <a:ext uri="{FF2B5EF4-FFF2-40B4-BE49-F238E27FC236}">
+                <a16:creationId xmlns:a16="http://schemas.microsoft.com/office/drawing/2014/main" id="{B57B4FE0-F680-8394-1383-BE8463152D17}"/>
+              </a:ext>
+            </a:extLst>
+          </p:cNvPr>
+          <p:cNvSpPr/>
+          <p:nvPr/>
+        </p:nvSpPr>
+        <p:spPr>
+          <a:xfrm>
+            <a:off x="232876" y="4018508"/>
+            <a:ext cx="1334859" cy="453430"/>
+          </a:xfrm>
+          <a:prstGeom prst="rect">
+            <a:avLst/>
+          </a:prstGeom>
+          <a:noFill/>
+          <a:ln>
+            <a:noFill/>
+          </a:ln>
+        </p:spPr>
+        <p:style>
+          <a:lnRef idx="2">
+            <a:schemeClr val="accent1">
+              <a:shade val="15000"/>
+            </a:schemeClr>
+          </a:lnRef>
+          <a:fillRef idx="1">
+            <a:schemeClr val="accent1"/>
+          </a:fillRef>
+          <a:effectRef idx="0">
+            <a:schemeClr val="accent1"/>
+          </a:effectRef>
+          <a:fontRef idx="minor">
+            <a:schemeClr val="lt1"/>
+          </a:fontRef>
+        </p:style>
+        <p:txBody>
+          <a:bodyPr rtlCol="0" anchor="ctr"/>
+          <a:lstStyle/>
+          <a:p>
+            <a:r>
+              <a:rPr lang="en-US" sz="1400" b="1" dirty="0">
+                <a:solidFill>
+                  <a:schemeClr val="tx1">
+                    <a:lumMod val="65000"/>
+                    <a:lumOff val="35000"/>
+                  </a:schemeClr>
+                </a:solidFill>
+                <a:latin typeface="Oxygen" panose="02000503000000000000" pitchFamily="2" charset="0"/>
+              </a:rPr>
+              <a:t>Parasitized</a:t>
+            </a:r>
+          </a:p>
+        </p:txBody>
+      </p:sp>
+      <p:sp>
+        <p:nvSpPr>
+          <p:cNvPr id="18" name="Rectangle 17">
+            <a:extLst>
+              <a:ext uri="{FF2B5EF4-FFF2-40B4-BE49-F238E27FC236}">
+                <a16:creationId xmlns:a16="http://schemas.microsoft.com/office/drawing/2014/main" id="{AA9B7564-9A10-D7B1-3FF0-3B157A7EEC6E}"/>
+              </a:ext>
+            </a:extLst>
+          </p:cNvPr>
+          <p:cNvSpPr/>
+          <p:nvPr/>
+        </p:nvSpPr>
+        <p:spPr>
+          <a:xfrm>
+            <a:off x="275288" y="5300438"/>
+            <a:ext cx="1334859" cy="453430"/>
+          </a:xfrm>
+          <a:prstGeom prst="rect">
+            <a:avLst/>
+          </a:prstGeom>
+          <a:noFill/>
+          <a:ln>
+            <a:noFill/>
+          </a:ln>
+        </p:spPr>
+        <p:style>
+          <a:lnRef idx="2">
+            <a:schemeClr val="accent1">
+              <a:shade val="15000"/>
+            </a:schemeClr>
+          </a:lnRef>
+          <a:fillRef idx="1">
+            <a:schemeClr val="accent1"/>
+          </a:fillRef>
+          <a:effectRef idx="0">
+            <a:schemeClr val="accent1"/>
+          </a:effectRef>
+          <a:fontRef idx="minor">
+            <a:schemeClr val="lt1"/>
+          </a:fontRef>
+        </p:style>
+        <p:txBody>
+          <a:bodyPr rtlCol="0" anchor="ctr"/>
+          <a:lstStyle/>
+          <a:p>
+            <a:r>
+              <a:rPr lang="en-US" sz="1400" b="1" dirty="0">
+                <a:solidFill>
+                  <a:schemeClr val="tx1">
+                    <a:lumMod val="65000"/>
+                    <a:lumOff val="35000"/>
+                  </a:schemeClr>
+                </a:solidFill>
+                <a:latin typeface="Oxygen" panose="02000503000000000000" pitchFamily="2" charset="0"/>
+              </a:rPr>
+              <a:t>Uninfected</a:t>
+            </a:r>
+          </a:p>
+        </p:txBody>
+      </p:sp>
     </p:spTree>
     <p:extLst>
       <p:ext uri="{BB962C8B-B14F-4D97-AF65-F5344CB8AC3E}">
@@ -11351,8 +11485,8 @@
         </p:nvSpPr>
         <p:spPr>
           <a:xfrm>
-            <a:off x="2107095" y="405518"/>
-            <a:ext cx="9358685" cy="769441"/>
+            <a:off x="2107095" y="198784"/>
+            <a:ext cx="9358685" cy="707886"/>
           </a:xfrm>
           <a:prstGeom prst="rect">
             <a:avLst/>
@@ -11367,7 +11501,7 @@
           <a:p>
             <a:pPr algn="just"/>
             <a:r>
-              <a:rPr lang="en-US" sz="4400" b="1" cap="small" dirty="0">
+              <a:rPr lang="en-US" sz="4000" b="1" cap="small" dirty="0">
                 <a:solidFill>
                   <a:schemeClr val="tx1">
                     <a:lumMod val="85000"/>
@@ -11416,8 +11550,8 @@
         </p:blipFill>
         <p:spPr>
           <a:xfrm>
-            <a:off x="466077" y="291313"/>
-            <a:ext cx="1087593" cy="1087593"/>
+            <a:off x="560455" y="202813"/>
+            <a:ext cx="898837" cy="898837"/>
           </a:xfrm>
           <a:prstGeom prst="rect">
             <a:avLst/>
@@ -11438,8 +11572,8 @@
         </p:nvSpPr>
         <p:spPr>
           <a:xfrm>
-            <a:off x="2578210" y="1644586"/>
-            <a:ext cx="6094674" cy="4766305"/>
+            <a:off x="2830666" y="969377"/>
+            <a:ext cx="5860112" cy="2533194"/>
           </a:xfrm>
           <a:prstGeom prst="rect">
             <a:avLst/>
@@ -11454,7 +11588,7 @@
           <a:p>
             <a:pPr marL="285750" indent="-285750">
               <a:lnSpc>
-                <a:spcPct val="200000"/>
+                <a:spcPct val="150000"/>
               </a:lnSpc>
               <a:buFont typeface="Wingdings" panose="05000000000000000000" pitchFamily="2" charset="2"/>
               <a:buChar char="v"/>
@@ -11469,7 +11603,7 @@
           <a:p>
             <a:pPr marL="285750" indent="-285750">
               <a:lnSpc>
-                <a:spcPct val="200000"/>
+                <a:spcPct val="150000"/>
               </a:lnSpc>
               <a:buFont typeface="Wingdings" panose="05000000000000000000" pitchFamily="2" charset="2"/>
               <a:buChar char="v"/>
@@ -11484,7 +11618,7 @@
           <a:p>
             <a:pPr marL="285750" indent="-285750">
               <a:lnSpc>
-                <a:spcPct val="200000"/>
+                <a:spcPct val="150000"/>
               </a:lnSpc>
               <a:buFont typeface="Wingdings" panose="05000000000000000000" pitchFamily="2" charset="2"/>
               <a:buChar char="v"/>
@@ -11499,7 +11633,7 @@
           <a:p>
             <a:pPr marL="285750" indent="-285750">
               <a:lnSpc>
-                <a:spcPct val="200000"/>
+                <a:spcPct val="150000"/>
               </a:lnSpc>
               <a:buFont typeface="Wingdings" panose="05000000000000000000" pitchFamily="2" charset="2"/>
               <a:buChar char="v"/>
@@ -11514,7 +11648,7 @@
           <a:p>
             <a:pPr marL="285750" indent="-285750">
               <a:lnSpc>
-                <a:spcPct val="200000"/>
+                <a:spcPct val="150000"/>
               </a:lnSpc>
               <a:buFont typeface="Wingdings" panose="05000000000000000000" pitchFamily="2" charset="2"/>
               <a:buChar char="v"/>
@@ -11529,7 +11663,7 @@
           <a:p>
             <a:pPr marL="285750" indent="-285750">
               <a:lnSpc>
-                <a:spcPct val="200000"/>
+                <a:spcPct val="150000"/>
               </a:lnSpc>
               <a:buFont typeface="Wingdings" panose="05000000000000000000" pitchFamily="2" charset="2"/>
               <a:buChar char="v"/>
@@ -11541,10 +11675,181 @@
               <a:t>Clinical trials for real-world validation</a:t>
             </a:r>
           </a:p>
+        </p:txBody>
+      </p:sp>
+      <p:sp>
+        <p:nvSpPr>
+          <p:cNvPr id="2" name="TextBox 1">
+            <a:extLst>
+              <a:ext uri="{FF2B5EF4-FFF2-40B4-BE49-F238E27FC236}">
+                <a16:creationId xmlns:a16="http://schemas.microsoft.com/office/drawing/2014/main" id="{F8335040-0EC3-DE35-F517-7917A9803659}"/>
+              </a:ext>
+            </a:extLst>
+          </p:cNvPr>
+          <p:cNvSpPr txBox="1"/>
+          <p:nvPr/>
+        </p:nvSpPr>
+        <p:spPr>
+          <a:xfrm>
+            <a:off x="1009873" y="3349416"/>
+            <a:ext cx="10812448" cy="3173561"/>
+          </a:xfrm>
+          <a:prstGeom prst="rect">
+            <a:avLst/>
+          </a:prstGeom>
+          <a:noFill/>
+        </p:spPr>
+        <p:txBody>
+          <a:bodyPr wrap="square">
+            <a:spAutoFit/>
+          </a:bodyPr>
+          <a:lstStyle/>
           <a:p>
             <a:pPr>
               <a:lnSpc>
-                <a:spcPct val="300000"/>
+                <a:spcPct val="250000"/>
+              </a:lnSpc>
+            </a:pPr>
+            <a:r>
+              <a:rPr lang="en-US" b="1" dirty="0">
+                <a:latin typeface="Oxygen" panose="02000503000000000000" pitchFamily="2" charset="0"/>
+              </a:rPr>
+              <a:t>Google Colab: </a:t>
+            </a:r>
+            <a:r>
+              <a:rPr lang="en-US" dirty="0">
+                <a:solidFill>
+                  <a:srgbClr val="467886"/>
+                </a:solidFill>
+                <a:latin typeface="Oxygen" panose="02000503000000000000" pitchFamily="2" charset="0"/>
+                <a:hlinkClick r:id="rId3">
+                  <a:extLst>
+                    <a:ext uri="{A12FA001-AC4F-418D-AE19-62706E023703}">
+                      <ahyp:hlinkClr xmlns:ahyp="http://schemas.microsoft.com/office/drawing/2018/hyperlinkcolor" val="tx"/>
+                    </a:ext>
+                  </a:extLst>
+                </a:hlinkClick>
+              </a:rPr>
+              <a:t>https://colab.research.google.com/drive/1zfSiuw_WDK97YWgTBDN9nYA0WMx9a8ZC</a:t>
+            </a:r>
+            <a:endParaRPr lang="en-US" dirty="0">
+              <a:latin typeface="Oxygen" panose="02000503000000000000" pitchFamily="2" charset="0"/>
+            </a:endParaRPr>
+          </a:p>
+          <a:p>
+            <a:pPr>
+              <a:lnSpc>
+                <a:spcPct val="150000"/>
+              </a:lnSpc>
+            </a:pPr>
+            <a:r>
+              <a:rPr lang="en-US" b="1" dirty="0" err="1">
+                <a:latin typeface="Oxygen" panose="02000503000000000000" pitchFamily="2" charset="0"/>
+              </a:rPr>
+              <a:t>Github</a:t>
+            </a:r>
+            <a:r>
+              <a:rPr lang="en-US" b="1" dirty="0">
+                <a:latin typeface="Oxygen" panose="02000503000000000000" pitchFamily="2" charset="0"/>
+              </a:rPr>
+              <a:t>:</a:t>
+            </a:r>
+            <a:r>
+              <a:rPr lang="en-US" dirty="0">
+                <a:latin typeface="Oxygen" panose="02000503000000000000" pitchFamily="2" charset="0"/>
+              </a:rPr>
+              <a:t> </a:t>
+            </a:r>
+            <a:r>
+              <a:rPr lang="en-US" dirty="0">
+                <a:latin typeface="Oxygen" panose="02000503000000000000" pitchFamily="2" charset="0"/>
+                <a:hlinkClick r:id="rId4"/>
+              </a:rPr>
+              <a:t>https://github.com/anodiamadmin/AIML/tree/main/07NuralNetworks/TF/002MalariaProject</a:t>
+            </a:r>
+            <a:endParaRPr lang="en-US" dirty="0">
+              <a:latin typeface="Oxygen" panose="02000503000000000000" pitchFamily="2" charset="0"/>
+            </a:endParaRPr>
+          </a:p>
+          <a:p>
+            <a:pPr>
+              <a:lnSpc>
+                <a:spcPct val="150000"/>
+              </a:lnSpc>
+            </a:pPr>
+            <a:r>
+              <a:rPr lang="en-US" b="1" dirty="0">
+                <a:latin typeface="Oxygen" panose="02000503000000000000" pitchFamily="2" charset="0"/>
+              </a:rPr>
+              <a:t>References:</a:t>
+            </a:r>
+          </a:p>
+          <a:p>
+            <a:pPr marL="1200150" lvl="2" indent="-285750">
+              <a:lnSpc>
+                <a:spcPct val="150000"/>
+              </a:lnSpc>
+              <a:buFont typeface="Wingdings" panose="05000000000000000000" pitchFamily="2" charset="2"/>
+              <a:buChar char="v"/>
+            </a:pPr>
+            <a:r>
+              <a:rPr lang="en-US" b="1" dirty="0">
+                <a:latin typeface="Oxygen" panose="02000503000000000000" pitchFamily="2" charset="0"/>
+              </a:rPr>
+              <a:t>LeNet:</a:t>
+            </a:r>
+            <a:r>
+              <a:rPr lang="en-US" dirty="0">
+                <a:latin typeface="Oxygen" panose="02000503000000000000" pitchFamily="2" charset="0"/>
+              </a:rPr>
+              <a:t> </a:t>
+            </a:r>
+            <a:r>
+              <a:rPr lang="en-US" dirty="0">
+                <a:latin typeface="Oxygen" panose="02000503000000000000" pitchFamily="2" charset="0"/>
+                <a:hlinkClick r:id="rId5"/>
+              </a:rPr>
+              <a:t>https://en.wikipedia.org/wiki/LeNet</a:t>
+            </a:r>
+            <a:endParaRPr lang="en-US" dirty="0">
+              <a:latin typeface="Oxygen" panose="02000503000000000000" pitchFamily="2" charset="0"/>
+            </a:endParaRPr>
+          </a:p>
+          <a:p>
+            <a:pPr marL="1200150" lvl="2" indent="-285750">
+              <a:lnSpc>
+                <a:spcPct val="150000"/>
+              </a:lnSpc>
+              <a:buFont typeface="Wingdings" panose="05000000000000000000" pitchFamily="2" charset="2"/>
+              <a:buChar char="v"/>
+            </a:pPr>
+            <a:r>
+              <a:rPr lang="en-US" b="1" dirty="0">
+                <a:latin typeface="Oxygen" panose="02000503000000000000" pitchFamily="2" charset="0"/>
+              </a:rPr>
+              <a:t>TensorFlow Docs:</a:t>
+            </a:r>
+            <a:r>
+              <a:rPr lang="en-US" dirty="0">
+                <a:latin typeface="Oxygen" panose="02000503000000000000" pitchFamily="2" charset="0"/>
+              </a:rPr>
+              <a:t> </a:t>
+            </a:r>
+            <a:r>
+              <a:rPr lang="en-US" dirty="0">
+                <a:latin typeface="Oxygen" panose="02000503000000000000" pitchFamily="2" charset="0"/>
+                <a:hlinkClick r:id="rId6"/>
+              </a:rPr>
+              <a:t>https://www.tensorflow.org/api_docs</a:t>
+            </a:r>
+            <a:endParaRPr lang="en-US" dirty="0">
+              <a:latin typeface="Oxygen" panose="02000503000000000000" pitchFamily="2" charset="0"/>
+            </a:endParaRPr>
+          </a:p>
+          <a:p>
+            <a:pPr>
+              <a:lnSpc>
+                <a:spcPct val="150000"/>
               </a:lnSpc>
               <a:buNone/>
             </a:pPr>
@@ -11552,7 +11857,13 @@
               <a:rPr lang="en-US" sz="3600" b="1" dirty="0">
                 <a:latin typeface="Oxygen" panose="02000503000000000000" pitchFamily="2" charset="0"/>
               </a:rPr>
-              <a:t>	Thank you!</a:t>
+              <a:t>			</a:t>
+            </a:r>
+            <a:r>
+              <a:rPr lang="en-US" sz="3200" b="1" dirty="0">
+                <a:latin typeface="Oxygen" panose="02000503000000000000" pitchFamily="2" charset="0"/>
+              </a:rPr>
+              <a:t>Thank you!</a:t>
             </a:r>
             <a:endParaRPr lang="en-US" sz="3600" dirty="0">
               <a:latin typeface="Oxygen" panose="02000503000000000000" pitchFamily="2" charset="0"/>

--- a/07NuralNetworks/TF/002MalariaProject/ProjectReport/slides.pptx
+++ b/07NuralNetworks/TF/002MalariaProject/ProjectReport/slides.pptx
@@ -266,7 +266,7 @@
           <a:p>
             <a:fld id="{C6020CC9-57D4-4FC2-A103-75811FF10B31}" type="datetimeFigureOut">
               <a:rPr lang="en-US" smtClean="0"/>
-              <a:t>8/26/2025</a:t>
+              <a:t>8/27/2025</a:t>
             </a:fld>
             <a:endParaRPr lang="en-US"/>
           </a:p>
@@ -464,7 +464,7 @@
           <a:p>
             <a:fld id="{C6020CC9-57D4-4FC2-A103-75811FF10B31}" type="datetimeFigureOut">
               <a:rPr lang="en-US" smtClean="0"/>
-              <a:t>8/26/2025</a:t>
+              <a:t>8/27/2025</a:t>
             </a:fld>
             <a:endParaRPr lang="en-US"/>
           </a:p>
@@ -672,7 +672,7 @@
           <a:p>
             <a:fld id="{C6020CC9-57D4-4FC2-A103-75811FF10B31}" type="datetimeFigureOut">
               <a:rPr lang="en-US" smtClean="0"/>
-              <a:t>8/26/2025</a:t>
+              <a:t>8/27/2025</a:t>
             </a:fld>
             <a:endParaRPr lang="en-US"/>
           </a:p>
@@ -870,7 +870,7 @@
           <a:p>
             <a:fld id="{C6020CC9-57D4-4FC2-A103-75811FF10B31}" type="datetimeFigureOut">
               <a:rPr lang="en-US" smtClean="0"/>
-              <a:t>8/26/2025</a:t>
+              <a:t>8/27/2025</a:t>
             </a:fld>
             <a:endParaRPr lang="en-US"/>
           </a:p>
@@ -1145,7 +1145,7 @@
           <a:p>
             <a:fld id="{C6020CC9-57D4-4FC2-A103-75811FF10B31}" type="datetimeFigureOut">
               <a:rPr lang="en-US" smtClean="0"/>
-              <a:t>8/26/2025</a:t>
+              <a:t>8/27/2025</a:t>
             </a:fld>
             <a:endParaRPr lang="en-US"/>
           </a:p>
@@ -1410,7 +1410,7 @@
           <a:p>
             <a:fld id="{C6020CC9-57D4-4FC2-A103-75811FF10B31}" type="datetimeFigureOut">
               <a:rPr lang="en-US" smtClean="0"/>
-              <a:t>8/26/2025</a:t>
+              <a:t>8/27/2025</a:t>
             </a:fld>
             <a:endParaRPr lang="en-US"/>
           </a:p>
@@ -1822,7 +1822,7 @@
           <a:p>
             <a:fld id="{C6020CC9-57D4-4FC2-A103-75811FF10B31}" type="datetimeFigureOut">
               <a:rPr lang="en-US" smtClean="0"/>
-              <a:t>8/26/2025</a:t>
+              <a:t>8/27/2025</a:t>
             </a:fld>
             <a:endParaRPr lang="en-US"/>
           </a:p>
@@ -1963,7 +1963,7 @@
           <a:p>
             <a:fld id="{C6020CC9-57D4-4FC2-A103-75811FF10B31}" type="datetimeFigureOut">
               <a:rPr lang="en-US" smtClean="0"/>
-              <a:t>8/26/2025</a:t>
+              <a:t>8/27/2025</a:t>
             </a:fld>
             <a:endParaRPr lang="en-US"/>
           </a:p>
@@ -2076,7 +2076,7 @@
           <a:p>
             <a:fld id="{C6020CC9-57D4-4FC2-A103-75811FF10B31}" type="datetimeFigureOut">
               <a:rPr lang="en-US" smtClean="0"/>
-              <a:t>8/26/2025</a:t>
+              <a:t>8/27/2025</a:t>
             </a:fld>
             <a:endParaRPr lang="en-US"/>
           </a:p>
@@ -2387,7 +2387,7 @@
           <a:p>
             <a:fld id="{C6020CC9-57D4-4FC2-A103-75811FF10B31}" type="datetimeFigureOut">
               <a:rPr lang="en-US" smtClean="0"/>
-              <a:t>8/26/2025</a:t>
+              <a:t>8/27/2025</a:t>
             </a:fld>
             <a:endParaRPr lang="en-US"/>
           </a:p>
@@ -2675,7 +2675,7 @@
           <a:p>
             <a:fld id="{C6020CC9-57D4-4FC2-A103-75811FF10B31}" type="datetimeFigureOut">
               <a:rPr lang="en-US" smtClean="0"/>
-              <a:t>8/26/2025</a:t>
+              <a:t>8/27/2025</a:t>
             </a:fld>
             <a:endParaRPr lang="en-US"/>
           </a:p>
@@ -2916,7 +2916,7 @@
           <a:p>
             <a:fld id="{C6020CC9-57D4-4FC2-A103-75811FF10B31}" type="datetimeFigureOut">
               <a:rPr lang="en-US" smtClean="0"/>
-              <a:t>8/26/2025</a:t>
+              <a:t>8/27/2025</a:t>
             </a:fld>
             <a:endParaRPr lang="en-US"/>
           </a:p>
@@ -8644,17 +8644,8 @@
               <a:rPr lang="en-US" altLang="en-US" sz="1600" dirty="0">
                 <a:latin typeface="Oxygen" panose="02000503000000000000" pitchFamily="2" charset="0"/>
               </a:rPr>
-              <a:t> Binary </a:t>
-            </a:r>
-            <a:r>
-              <a:rPr lang="en-US" altLang="en-US" sz="1600" dirty="0" err="1">
-                <a:latin typeface="Oxygen" panose="02000503000000000000" pitchFamily="2" charset="0"/>
-              </a:rPr>
-              <a:t>Crossentropy</a:t>
-            </a:r>
-            <a:endParaRPr lang="en-US" altLang="en-US" sz="1600" dirty="0">
-              <a:latin typeface="Oxygen" panose="02000503000000000000" pitchFamily="2" charset="0"/>
-            </a:endParaRPr>
+              <a:t> Binary Crossentropy</a:t>
+            </a:r>
           </a:p>
           <a:p>
             <a:pPr lvl="0" eaLnBrk="0" fontAlgn="base" hangingPunct="0">
@@ -10710,7 +10701,7 @@
         </p:nvSpPr>
         <p:spPr>
           <a:xfrm rot="16200000">
-            <a:off x="7698355" y="2225430"/>
+            <a:off x="7715899" y="2225430"/>
             <a:ext cx="3087960" cy="252937"/>
           </a:xfrm>
           <a:prstGeom prst="rect">
@@ -10842,7 +10833,7 @@
         </p:nvSpPr>
         <p:spPr>
           <a:xfrm rot="16200000">
-            <a:off x="8001831" y="2242656"/>
+            <a:off x="8001831" y="2227028"/>
             <a:ext cx="3087960" cy="252937"/>
           </a:xfrm>
           <a:prstGeom prst="rect">
@@ -11221,7 +11212,7 @@
         </p:nvSpPr>
         <p:spPr>
           <a:xfrm>
-            <a:off x="0" y="4012235"/>
+            <a:off x="0" y="5310502"/>
             <a:ext cx="12192000" cy="1281930"/>
           </a:xfrm>
           <a:prstGeom prst="rect">
@@ -11275,7 +11266,7 @@
         </p:nvSpPr>
         <p:spPr>
           <a:xfrm>
-            <a:off x="0" y="5293493"/>
+            <a:off x="0" y="4021069"/>
             <a:ext cx="12192000" cy="1281930"/>
           </a:xfrm>
           <a:prstGeom prst="rect">
@@ -11329,8 +11320,8 @@
         </p:nvSpPr>
         <p:spPr>
           <a:xfrm>
-            <a:off x="232876" y="4018508"/>
-            <a:ext cx="1334859" cy="453430"/>
+            <a:off x="166362" y="4431880"/>
+            <a:ext cx="1431194" cy="453430"/>
           </a:xfrm>
           <a:prstGeom prst="rect">
             <a:avLst/>
@@ -11361,7 +11352,7 @@
           <a:lstStyle/>
           <a:p>
             <a:r>
-              <a:rPr lang="en-US" sz="1400" b="1" dirty="0">
+              <a:rPr lang="en-US" b="1" dirty="0">
                 <a:solidFill>
                   <a:schemeClr val="tx1">
                     <a:lumMod val="65000"/>
@@ -11389,8 +11380,8 @@
         </p:nvSpPr>
         <p:spPr>
           <a:xfrm>
-            <a:off x="275288" y="5300438"/>
-            <a:ext cx="1334859" cy="453430"/>
+            <a:off x="166362" y="5713810"/>
+            <a:ext cx="1497708" cy="453430"/>
           </a:xfrm>
           <a:prstGeom prst="rect">
             <a:avLst/>
@@ -11421,7 +11412,7 @@
           <a:lstStyle/>
           <a:p>
             <a:r>
-              <a:rPr lang="en-US" sz="1400" b="1" dirty="0">
+              <a:rPr lang="en-US" b="1" dirty="0">
                 <a:solidFill>
                   <a:schemeClr val="tx1">
                     <a:lumMod val="65000"/>
@@ -11435,6 +11426,342 @@
           </a:p>
         </p:txBody>
       </p:sp>
+      <p:sp>
+        <p:nvSpPr>
+          <p:cNvPr id="20" name="Rectangle 19">
+            <a:extLst>
+              <a:ext uri="{FF2B5EF4-FFF2-40B4-BE49-F238E27FC236}">
+                <a16:creationId xmlns:a16="http://schemas.microsoft.com/office/drawing/2014/main" id="{7CF0451F-0FD5-144B-B91C-6B71D1C6008C}"/>
+              </a:ext>
+            </a:extLst>
+          </p:cNvPr>
+          <p:cNvSpPr/>
+          <p:nvPr/>
+        </p:nvSpPr>
+        <p:spPr>
+          <a:xfrm>
+            <a:off x="8943289" y="5626722"/>
+            <a:ext cx="3049944" cy="453430"/>
+          </a:xfrm>
+          <a:prstGeom prst="rect">
+            <a:avLst/>
+          </a:prstGeom>
+          <a:noFill/>
+          <a:ln>
+            <a:noFill/>
+          </a:ln>
+        </p:spPr>
+        <p:style>
+          <a:lnRef idx="2">
+            <a:schemeClr val="accent1">
+              <a:shade val="15000"/>
+            </a:schemeClr>
+          </a:lnRef>
+          <a:fillRef idx="1">
+            <a:schemeClr val="accent1"/>
+          </a:fillRef>
+          <a:effectRef idx="0">
+            <a:schemeClr val="accent1"/>
+          </a:effectRef>
+          <a:fontRef idx="minor">
+            <a:schemeClr val="lt1"/>
+          </a:fontRef>
+        </p:style>
+        <p:txBody>
+          <a:bodyPr rtlCol="0" anchor="ctr"/>
+          <a:lstStyle/>
+          <a:p>
+            <a:r>
+              <a:rPr lang="en-US" b="1" dirty="0">
+                <a:solidFill>
+                  <a:schemeClr val="tx1">
+                    <a:lumMod val="65000"/>
+                    <a:lumOff val="35000"/>
+                  </a:schemeClr>
+                </a:solidFill>
+                <a:latin typeface="Oxygen" panose="02000503000000000000" pitchFamily="2" charset="0"/>
+              </a:rPr>
+              <a:t>Output Probability: 0.9818</a:t>
+            </a:r>
+          </a:p>
+        </p:txBody>
+      </p:sp>
+      <p:pic>
+        <p:nvPicPr>
+          <p:cNvPr id="31" name="Picture 30">
+            <a:extLst>
+              <a:ext uri="{FF2B5EF4-FFF2-40B4-BE49-F238E27FC236}">
+                <a16:creationId xmlns:a16="http://schemas.microsoft.com/office/drawing/2014/main" id="{0492BA04-653D-C442-777C-3CABC202F706}"/>
+              </a:ext>
+            </a:extLst>
+          </p:cNvPr>
+          <p:cNvPicPr>
+            <a:picLocks noChangeAspect="1"/>
+          </p:cNvPicPr>
+          <p:nvPr/>
+        </p:nvPicPr>
+        <p:blipFill>
+          <a:blip r:embed="rId7">
+            <a:extLst>
+              <a:ext uri="{28A0092B-C50C-407E-A947-70E740481C1C}">
+                <a14:useLocalDpi xmlns:a14="http://schemas.microsoft.com/office/drawing/2010/main" val="0"/>
+              </a:ext>
+            </a:extLst>
+          </a:blip>
+          <a:stretch>
+            <a:fillRect/>
+          </a:stretch>
+        </p:blipFill>
+        <p:spPr>
+          <a:xfrm>
+            <a:off x="4264893" y="5324436"/>
+            <a:ext cx="1427525" cy="1173097"/>
+          </a:xfrm>
+          <a:prstGeom prst="rect">
+            <a:avLst/>
+          </a:prstGeom>
+        </p:spPr>
+      </p:pic>
+      <p:pic>
+        <p:nvPicPr>
+          <p:cNvPr id="33" name="Picture 32">
+            <a:extLst>
+              <a:ext uri="{FF2B5EF4-FFF2-40B4-BE49-F238E27FC236}">
+                <a16:creationId xmlns:a16="http://schemas.microsoft.com/office/drawing/2014/main" id="{5626B98C-7217-7244-4DA3-F5C0B030B9D1}"/>
+              </a:ext>
+            </a:extLst>
+          </p:cNvPr>
+          <p:cNvPicPr>
+            <a:picLocks noChangeAspect="1"/>
+          </p:cNvPicPr>
+          <p:nvPr/>
+        </p:nvPicPr>
+        <p:blipFill>
+          <a:blip r:embed="rId8">
+            <a:extLst>
+              <a:ext uri="{28A0092B-C50C-407E-A947-70E740481C1C}">
+                <a14:useLocalDpi xmlns:a14="http://schemas.microsoft.com/office/drawing/2010/main" val="0"/>
+              </a:ext>
+            </a:extLst>
+          </a:blip>
+          <a:stretch>
+            <a:fillRect/>
+          </a:stretch>
+        </p:blipFill>
+        <p:spPr>
+          <a:xfrm>
+            <a:off x="6796482" y="5344907"/>
+            <a:ext cx="1138041" cy="1179773"/>
+          </a:xfrm>
+          <a:prstGeom prst="rect">
+            <a:avLst/>
+          </a:prstGeom>
+        </p:spPr>
+      </p:pic>
+      <p:pic>
+        <p:nvPicPr>
+          <p:cNvPr id="35" name="Picture 34" descr="A purple circle with black background&#10;&#10;AI-generated content may be incorrect.">
+            <a:extLst>
+              <a:ext uri="{FF2B5EF4-FFF2-40B4-BE49-F238E27FC236}">
+                <a16:creationId xmlns:a16="http://schemas.microsoft.com/office/drawing/2014/main" id="{3A4C70B8-68D6-D936-050D-C62B7D3F2E2D}"/>
+              </a:ext>
+            </a:extLst>
+          </p:cNvPr>
+          <p:cNvPicPr>
+            <a:picLocks noChangeAspect="1"/>
+          </p:cNvPicPr>
+          <p:nvPr/>
+        </p:nvPicPr>
+        <p:blipFill>
+          <a:blip r:embed="rId9">
+            <a:extLst>
+              <a:ext uri="{28A0092B-C50C-407E-A947-70E740481C1C}">
+                <a14:useLocalDpi xmlns:a14="http://schemas.microsoft.com/office/drawing/2010/main" val="0"/>
+              </a:ext>
+            </a:extLst>
+          </a:blip>
+          <a:stretch>
+            <a:fillRect/>
+          </a:stretch>
+        </p:blipFill>
+        <p:spPr>
+          <a:xfrm>
+            <a:off x="1772996" y="5363461"/>
+            <a:ext cx="1174959" cy="1178168"/>
+          </a:xfrm>
+          <a:prstGeom prst="rect">
+            <a:avLst/>
+          </a:prstGeom>
+        </p:spPr>
+      </p:pic>
+      <p:sp>
+        <p:nvSpPr>
+          <p:cNvPr id="36" name="Rectangle 35">
+            <a:extLst>
+              <a:ext uri="{FF2B5EF4-FFF2-40B4-BE49-F238E27FC236}">
+                <a16:creationId xmlns:a16="http://schemas.microsoft.com/office/drawing/2014/main" id="{5923E332-C980-D957-A304-262133E2B921}"/>
+              </a:ext>
+            </a:extLst>
+          </p:cNvPr>
+          <p:cNvSpPr/>
+          <p:nvPr/>
+        </p:nvSpPr>
+        <p:spPr>
+          <a:xfrm>
+            <a:off x="8975694" y="4453597"/>
+            <a:ext cx="3049944" cy="453430"/>
+          </a:xfrm>
+          <a:prstGeom prst="rect">
+            <a:avLst/>
+          </a:prstGeom>
+          <a:noFill/>
+          <a:ln>
+            <a:noFill/>
+          </a:ln>
+        </p:spPr>
+        <p:style>
+          <a:lnRef idx="2">
+            <a:schemeClr val="accent1">
+              <a:shade val="15000"/>
+            </a:schemeClr>
+          </a:lnRef>
+          <a:fillRef idx="1">
+            <a:schemeClr val="accent1"/>
+          </a:fillRef>
+          <a:effectRef idx="0">
+            <a:schemeClr val="accent1"/>
+          </a:effectRef>
+          <a:fontRef idx="minor">
+            <a:schemeClr val="lt1"/>
+          </a:fontRef>
+        </p:style>
+        <p:txBody>
+          <a:bodyPr rtlCol="0" anchor="ctr"/>
+          <a:lstStyle/>
+          <a:p>
+            <a:r>
+              <a:rPr lang="en-US" b="1" dirty="0">
+                <a:solidFill>
+                  <a:schemeClr val="tx1">
+                    <a:lumMod val="65000"/>
+                    <a:lumOff val="35000"/>
+                  </a:schemeClr>
+                </a:solidFill>
+                <a:latin typeface="Oxygen" panose="02000503000000000000" pitchFamily="2" charset="0"/>
+              </a:rPr>
+              <a:t>Output Probability: 0.0106</a:t>
+            </a:r>
+          </a:p>
+        </p:txBody>
+      </p:sp>
+      <p:pic>
+        <p:nvPicPr>
+          <p:cNvPr id="38" name="Picture 37" descr="A close up of a pink object&#10;&#10;AI-generated content may be incorrect.">
+            <a:extLst>
+              <a:ext uri="{FF2B5EF4-FFF2-40B4-BE49-F238E27FC236}">
+                <a16:creationId xmlns:a16="http://schemas.microsoft.com/office/drawing/2014/main" id="{D8401C74-F56F-D244-008F-A3ED93EADD52}"/>
+              </a:ext>
+            </a:extLst>
+          </p:cNvPr>
+          <p:cNvPicPr>
+            <a:picLocks noChangeAspect="1"/>
+          </p:cNvPicPr>
+          <p:nvPr/>
+        </p:nvPicPr>
+        <p:blipFill>
+          <a:blip r:embed="rId10">
+            <a:extLst>
+              <a:ext uri="{28A0092B-C50C-407E-A947-70E740481C1C}">
+                <a14:useLocalDpi xmlns:a14="http://schemas.microsoft.com/office/drawing/2010/main" val="0"/>
+              </a:ext>
+            </a:extLst>
+          </a:blip>
+          <a:stretch>
+            <a:fillRect/>
+          </a:stretch>
+        </p:blipFill>
+        <p:spPr>
+          <a:xfrm>
+            <a:off x="1760156" y="4080677"/>
+            <a:ext cx="1187799" cy="1178168"/>
+          </a:xfrm>
+          <a:prstGeom prst="rect">
+            <a:avLst/>
+          </a:prstGeom>
+        </p:spPr>
+      </p:pic>
+      <p:pic>
+        <p:nvPicPr>
+          <p:cNvPr id="40" name="Picture 39" descr="A screenshot of a computer screen&#10;&#10;AI-generated content may be incorrect.">
+            <a:extLst>
+              <a:ext uri="{FF2B5EF4-FFF2-40B4-BE49-F238E27FC236}">
+                <a16:creationId xmlns:a16="http://schemas.microsoft.com/office/drawing/2014/main" id="{0CDEDD2B-140B-8A1D-3934-90C2D5083D48}"/>
+              </a:ext>
+            </a:extLst>
+          </p:cNvPr>
+          <p:cNvPicPr>
+            <a:picLocks noChangeAspect="1"/>
+          </p:cNvPicPr>
+          <p:nvPr/>
+        </p:nvPicPr>
+        <p:blipFill>
+          <a:blip r:embed="rId11">
+            <a:extLst>
+              <a:ext uri="{28A0092B-C50C-407E-A947-70E740481C1C}">
+                <a14:useLocalDpi xmlns:a14="http://schemas.microsoft.com/office/drawing/2010/main" val="0"/>
+              </a:ext>
+            </a:extLst>
+          </a:blip>
+          <a:stretch>
+            <a:fillRect/>
+          </a:stretch>
+        </p:blipFill>
+        <p:spPr>
+          <a:xfrm>
+            <a:off x="4243820" y="4083213"/>
+            <a:ext cx="1427525" cy="1173097"/>
+          </a:xfrm>
+          <a:prstGeom prst="rect">
+            <a:avLst/>
+          </a:prstGeom>
+        </p:spPr>
+      </p:pic>
+      <p:pic>
+        <p:nvPicPr>
+          <p:cNvPr id="59" name="Picture 58" descr="A collage of images of a person's face&#10;&#10;AI-generated content may be incorrect.">
+            <a:extLst>
+              <a:ext uri="{FF2B5EF4-FFF2-40B4-BE49-F238E27FC236}">
+                <a16:creationId xmlns:a16="http://schemas.microsoft.com/office/drawing/2014/main" id="{1EC6BC31-BE7C-D682-F1ED-57F8D004D658}"/>
+              </a:ext>
+            </a:extLst>
+          </p:cNvPr>
+          <p:cNvPicPr>
+            <a:picLocks noChangeAspect="1"/>
+          </p:cNvPicPr>
+          <p:nvPr/>
+        </p:nvPicPr>
+        <p:blipFill>
+          <a:blip r:embed="rId12">
+            <a:extLst>
+              <a:ext uri="{28A0092B-C50C-407E-A947-70E740481C1C}">
+                <a14:useLocalDpi xmlns:a14="http://schemas.microsoft.com/office/drawing/2010/main" val="0"/>
+              </a:ext>
+            </a:extLst>
+          </a:blip>
+          <a:stretch>
+            <a:fillRect/>
+          </a:stretch>
+        </p:blipFill>
+        <p:spPr>
+          <a:xfrm>
+            <a:off x="6806224" y="4066531"/>
+            <a:ext cx="1138041" cy="1179773"/>
+          </a:xfrm>
+          <a:prstGeom prst="rect">
+            <a:avLst/>
+          </a:prstGeom>
+        </p:spPr>
+      </p:pic>
     </p:spTree>
     <p:extLst>
       <p:ext uri="{BB962C8B-B14F-4D97-AF65-F5344CB8AC3E}">

--- a/07NuralNetworks/TF/002MalariaProject/ProjectReport/slides.pptx
+++ b/07NuralNetworks/TF/002MalariaProject/ProjectReport/slides.pptx
@@ -8510,7 +8510,7 @@
         <p:spPr>
           <a:xfrm>
             <a:off x="7021002" y="1717482"/>
-            <a:ext cx="5170998" cy="2969852"/>
+            <a:ext cx="5104737" cy="3462294"/>
           </a:xfrm>
           <a:prstGeom prst="rect">
             <a:avLst/>
@@ -8670,6 +8670,31 @@
                 <a:latin typeface="Oxygen" panose="02000503000000000000" pitchFamily="2" charset="0"/>
               </a:rPr>
               <a:t> Training stabilized within 8–9 epochs</a:t>
+            </a:r>
+          </a:p>
+          <a:p>
+            <a:pPr lvl="0" eaLnBrk="0" fontAlgn="base" hangingPunct="0">
+              <a:lnSpc>
+                <a:spcPct val="200000"/>
+              </a:lnSpc>
+              <a:spcBef>
+                <a:spcPct val="0"/>
+              </a:spcBef>
+              <a:spcAft>
+                <a:spcPct val="0"/>
+              </a:spcAft>
+            </a:pPr>
+            <a:r>
+              <a:rPr lang="en-US" altLang="en-US" sz="1600" b="1" dirty="0">
+                <a:latin typeface="Oxygen" panose="02000503000000000000" pitchFamily="2" charset="0"/>
+              </a:rPr>
+              <a:t>Prediction Time/ Image (CPU):</a:t>
+            </a:r>
+            <a:r>
+              <a:rPr lang="en-US" altLang="en-US" sz="1600" dirty="0">
+                <a:latin typeface="Oxygen" panose="02000503000000000000" pitchFamily="2" charset="0"/>
+              </a:rPr>
+              <a:t> 566.65 milliseconds</a:t>
             </a:r>
           </a:p>
         </p:txBody>

--- a/07NuralNetworks/TF/002MalariaProject/ProjectReport/slides.pptx
+++ b/07NuralNetworks/TF/002MalariaProject/ProjectReport/slides.pptx
@@ -266,7 +266,7 @@
           <a:p>
             <a:fld id="{C6020CC9-57D4-4FC2-A103-75811FF10B31}" type="datetimeFigureOut">
               <a:rPr lang="en-US" smtClean="0"/>
-              <a:t>8/27/2025</a:t>
+              <a:t>9/5/2025</a:t>
             </a:fld>
             <a:endParaRPr lang="en-US"/>
           </a:p>
@@ -464,7 +464,7 @@
           <a:p>
             <a:fld id="{C6020CC9-57D4-4FC2-A103-75811FF10B31}" type="datetimeFigureOut">
               <a:rPr lang="en-US" smtClean="0"/>
-              <a:t>8/27/2025</a:t>
+              <a:t>9/5/2025</a:t>
             </a:fld>
             <a:endParaRPr lang="en-US"/>
           </a:p>
@@ -672,7 +672,7 @@
           <a:p>
             <a:fld id="{C6020CC9-57D4-4FC2-A103-75811FF10B31}" type="datetimeFigureOut">
               <a:rPr lang="en-US" smtClean="0"/>
-              <a:t>8/27/2025</a:t>
+              <a:t>9/5/2025</a:t>
             </a:fld>
             <a:endParaRPr lang="en-US"/>
           </a:p>
@@ -870,7 +870,7 @@
           <a:p>
             <a:fld id="{C6020CC9-57D4-4FC2-A103-75811FF10B31}" type="datetimeFigureOut">
               <a:rPr lang="en-US" smtClean="0"/>
-              <a:t>8/27/2025</a:t>
+              <a:t>9/5/2025</a:t>
             </a:fld>
             <a:endParaRPr lang="en-US"/>
           </a:p>
@@ -1145,7 +1145,7 @@
           <a:p>
             <a:fld id="{C6020CC9-57D4-4FC2-A103-75811FF10B31}" type="datetimeFigureOut">
               <a:rPr lang="en-US" smtClean="0"/>
-              <a:t>8/27/2025</a:t>
+              <a:t>9/5/2025</a:t>
             </a:fld>
             <a:endParaRPr lang="en-US"/>
           </a:p>
@@ -1410,7 +1410,7 @@
           <a:p>
             <a:fld id="{C6020CC9-57D4-4FC2-A103-75811FF10B31}" type="datetimeFigureOut">
               <a:rPr lang="en-US" smtClean="0"/>
-              <a:t>8/27/2025</a:t>
+              <a:t>9/5/2025</a:t>
             </a:fld>
             <a:endParaRPr lang="en-US"/>
           </a:p>
@@ -1822,7 +1822,7 @@
           <a:p>
             <a:fld id="{C6020CC9-57D4-4FC2-A103-75811FF10B31}" type="datetimeFigureOut">
               <a:rPr lang="en-US" smtClean="0"/>
-              <a:t>8/27/2025</a:t>
+              <a:t>9/5/2025</a:t>
             </a:fld>
             <a:endParaRPr lang="en-US"/>
           </a:p>
@@ -1963,7 +1963,7 @@
           <a:p>
             <a:fld id="{C6020CC9-57D4-4FC2-A103-75811FF10B31}" type="datetimeFigureOut">
               <a:rPr lang="en-US" smtClean="0"/>
-              <a:t>8/27/2025</a:t>
+              <a:t>9/5/2025</a:t>
             </a:fld>
             <a:endParaRPr lang="en-US"/>
           </a:p>
@@ -2076,7 +2076,7 @@
           <a:p>
             <a:fld id="{C6020CC9-57D4-4FC2-A103-75811FF10B31}" type="datetimeFigureOut">
               <a:rPr lang="en-US" smtClean="0"/>
-              <a:t>8/27/2025</a:t>
+              <a:t>9/5/2025</a:t>
             </a:fld>
             <a:endParaRPr lang="en-US"/>
           </a:p>
@@ -2387,7 +2387,7 @@
           <a:p>
             <a:fld id="{C6020CC9-57D4-4FC2-A103-75811FF10B31}" type="datetimeFigureOut">
               <a:rPr lang="en-US" smtClean="0"/>
-              <a:t>8/27/2025</a:t>
+              <a:t>9/5/2025</a:t>
             </a:fld>
             <a:endParaRPr lang="en-US"/>
           </a:p>
@@ -2675,7 +2675,7 @@
           <a:p>
             <a:fld id="{C6020CC9-57D4-4FC2-A103-75811FF10B31}" type="datetimeFigureOut">
               <a:rPr lang="en-US" smtClean="0"/>
-              <a:t>8/27/2025</a:t>
+              <a:t>9/5/2025</a:t>
             </a:fld>
             <a:endParaRPr lang="en-US"/>
           </a:p>
@@ -2916,7 +2916,7 @@
           <a:p>
             <a:fld id="{C6020CC9-57D4-4FC2-A103-75811FF10B31}" type="datetimeFigureOut">
               <a:rPr lang="en-US" smtClean="0"/>
-              <a:t>8/27/2025</a:t>
+              <a:t>9/5/2025</a:t>
             </a:fld>
             <a:endParaRPr lang="en-US"/>
           </a:p>
@@ -11223,570 +11223,591 @@
           </a:fontRef>
         </p:style>
       </p:cxnSp>
-      <p:sp>
-        <p:nvSpPr>
-          <p:cNvPr id="8" name="Rectangle 7">
-            <a:extLst>
-              <a:ext uri="{FF2B5EF4-FFF2-40B4-BE49-F238E27FC236}">
-                <a16:creationId xmlns:a16="http://schemas.microsoft.com/office/drawing/2014/main" id="{D6B39359-BED1-E910-3D68-DA7E47C58A22}"/>
-              </a:ext>
-            </a:extLst>
-          </p:cNvPr>
-          <p:cNvSpPr/>
-          <p:nvPr/>
-        </p:nvSpPr>
-        <p:spPr>
-          <a:xfrm>
-            <a:off x="0" y="5310502"/>
-            <a:ext cx="12192000" cy="1281930"/>
-          </a:xfrm>
-          <a:prstGeom prst="rect">
-            <a:avLst/>
-          </a:prstGeom>
-          <a:solidFill>
-            <a:srgbClr val="80FF80">
-              <a:alpha val="20000"/>
-            </a:srgbClr>
-          </a:solidFill>
-          <a:ln>
-            <a:noFill/>
-          </a:ln>
-        </p:spPr>
-        <p:style>
-          <a:lnRef idx="2">
-            <a:schemeClr val="accent1">
-              <a:shade val="15000"/>
-            </a:schemeClr>
-          </a:lnRef>
-          <a:fillRef idx="1">
-            <a:schemeClr val="accent1"/>
-          </a:fillRef>
-          <a:effectRef idx="0">
-            <a:schemeClr val="accent1"/>
-          </a:effectRef>
-          <a:fontRef idx="minor">
-            <a:schemeClr val="lt1"/>
-          </a:fontRef>
-        </p:style>
-        <p:txBody>
-          <a:bodyPr rtlCol="0" anchor="ctr"/>
-          <a:lstStyle/>
-          <a:p>
-            <a:pPr algn="ctr"/>
-            <a:endParaRPr lang="en-US"/>
-          </a:p>
-        </p:txBody>
-      </p:sp>
-      <p:sp>
-        <p:nvSpPr>
-          <p:cNvPr id="10" name="Rectangle 9">
-            <a:extLst>
-              <a:ext uri="{FF2B5EF4-FFF2-40B4-BE49-F238E27FC236}">
-                <a16:creationId xmlns:a16="http://schemas.microsoft.com/office/drawing/2014/main" id="{BB64AF69-7689-757B-5EB7-8FDCF7B4EC1D}"/>
-              </a:ext>
-            </a:extLst>
-          </p:cNvPr>
-          <p:cNvSpPr/>
-          <p:nvPr/>
-        </p:nvSpPr>
-        <p:spPr>
+      <p:grpSp>
+        <p:nvGrpSpPr>
+          <p:cNvPr id="19" name="Group 18">
+            <a:extLst>
+              <a:ext uri="{FF2B5EF4-FFF2-40B4-BE49-F238E27FC236}">
+                <a16:creationId xmlns:a16="http://schemas.microsoft.com/office/drawing/2014/main" id="{EA14292C-9929-424A-800F-2D58D56794A5}"/>
+              </a:ext>
+            </a:extLst>
+          </p:cNvPr>
+          <p:cNvGrpSpPr/>
+          <p:nvPr/>
+        </p:nvGrpSpPr>
+        <p:grpSpPr>
           <a:xfrm>
             <a:off x="0" y="4021069"/>
-            <a:ext cx="12192000" cy="1281930"/>
-          </a:xfrm>
-          <a:prstGeom prst="rect">
-            <a:avLst/>
-          </a:prstGeom>
-          <a:solidFill>
-            <a:srgbClr val="FF8080">
-              <a:alpha val="20000"/>
-            </a:srgbClr>
-          </a:solidFill>
-          <a:ln>
+            <a:ext cx="12192000" cy="2571363"/>
+            <a:chOff x="0" y="4021069"/>
+            <a:chExt cx="12192000" cy="2571363"/>
+          </a:xfrm>
+        </p:grpSpPr>
+        <p:sp>
+          <p:nvSpPr>
+            <p:cNvPr id="8" name="Rectangle 7">
+              <a:extLst>
+                <a:ext uri="{FF2B5EF4-FFF2-40B4-BE49-F238E27FC236}">
+                  <a16:creationId xmlns:a16="http://schemas.microsoft.com/office/drawing/2014/main" id="{D6B39359-BED1-E910-3D68-DA7E47C58A22}"/>
+                </a:ext>
+              </a:extLst>
+            </p:cNvPr>
+            <p:cNvSpPr/>
+            <p:nvPr/>
+          </p:nvSpPr>
+          <p:spPr>
+            <a:xfrm>
+              <a:off x="0" y="5310502"/>
+              <a:ext cx="12192000" cy="1281930"/>
+            </a:xfrm>
+            <a:prstGeom prst="rect">
+              <a:avLst/>
+            </a:prstGeom>
+            <a:solidFill>
+              <a:srgbClr val="80FF80">
+                <a:alpha val="20000"/>
+              </a:srgbClr>
+            </a:solidFill>
+            <a:ln>
+              <a:noFill/>
+            </a:ln>
+          </p:spPr>
+          <p:style>
+            <a:lnRef idx="2">
+              <a:schemeClr val="accent1">
+                <a:shade val="15000"/>
+              </a:schemeClr>
+            </a:lnRef>
+            <a:fillRef idx="1">
+              <a:schemeClr val="accent1"/>
+            </a:fillRef>
+            <a:effectRef idx="0">
+              <a:schemeClr val="accent1"/>
+            </a:effectRef>
+            <a:fontRef idx="minor">
+              <a:schemeClr val="lt1"/>
+            </a:fontRef>
+          </p:style>
+          <p:txBody>
+            <a:bodyPr rtlCol="0" anchor="ctr"/>
+            <a:lstStyle/>
+            <a:p>
+              <a:pPr algn="ctr"/>
+              <a:endParaRPr lang="en-US"/>
+            </a:p>
+          </p:txBody>
+        </p:sp>
+        <p:sp>
+          <p:nvSpPr>
+            <p:cNvPr id="10" name="Rectangle 9">
+              <a:extLst>
+                <a:ext uri="{FF2B5EF4-FFF2-40B4-BE49-F238E27FC236}">
+                  <a16:creationId xmlns:a16="http://schemas.microsoft.com/office/drawing/2014/main" id="{BB64AF69-7689-757B-5EB7-8FDCF7B4EC1D}"/>
+                </a:ext>
+              </a:extLst>
+            </p:cNvPr>
+            <p:cNvSpPr/>
+            <p:nvPr/>
+          </p:nvSpPr>
+          <p:spPr>
+            <a:xfrm>
+              <a:off x="0" y="4021069"/>
+              <a:ext cx="12192000" cy="1281930"/>
+            </a:xfrm>
+            <a:prstGeom prst="rect">
+              <a:avLst/>
+            </a:prstGeom>
+            <a:solidFill>
+              <a:srgbClr val="FF8080">
+                <a:alpha val="20000"/>
+              </a:srgbClr>
+            </a:solidFill>
+            <a:ln>
+              <a:noFill/>
+            </a:ln>
+          </p:spPr>
+          <p:style>
+            <a:lnRef idx="2">
+              <a:schemeClr val="accent1">
+                <a:shade val="15000"/>
+              </a:schemeClr>
+            </a:lnRef>
+            <a:fillRef idx="1">
+              <a:schemeClr val="accent1"/>
+            </a:fillRef>
+            <a:effectRef idx="0">
+              <a:schemeClr val="accent1"/>
+            </a:effectRef>
+            <a:fontRef idx="minor">
+              <a:schemeClr val="lt1"/>
+            </a:fontRef>
+          </p:style>
+          <p:txBody>
+            <a:bodyPr rtlCol="0" anchor="ctr"/>
+            <a:lstStyle/>
+            <a:p>
+              <a:pPr algn="ctr"/>
+              <a:endParaRPr lang="en-US" dirty="0"/>
+            </a:p>
+          </p:txBody>
+        </p:sp>
+        <p:sp>
+          <p:nvSpPr>
+            <p:cNvPr id="17" name="Rectangle 16">
+              <a:extLst>
+                <a:ext uri="{FF2B5EF4-FFF2-40B4-BE49-F238E27FC236}">
+                  <a16:creationId xmlns:a16="http://schemas.microsoft.com/office/drawing/2014/main" id="{B57B4FE0-F680-8394-1383-BE8463152D17}"/>
+                </a:ext>
+              </a:extLst>
+            </p:cNvPr>
+            <p:cNvSpPr/>
+            <p:nvPr/>
+          </p:nvSpPr>
+          <p:spPr>
+            <a:xfrm>
+              <a:off x="166362" y="4431880"/>
+              <a:ext cx="1431194" cy="453430"/>
+            </a:xfrm>
+            <a:prstGeom prst="rect">
+              <a:avLst/>
+            </a:prstGeom>
             <a:noFill/>
-          </a:ln>
-        </p:spPr>
-        <p:style>
-          <a:lnRef idx="2">
-            <a:schemeClr val="accent1">
-              <a:shade val="15000"/>
-            </a:schemeClr>
-          </a:lnRef>
-          <a:fillRef idx="1">
-            <a:schemeClr val="accent1"/>
-          </a:fillRef>
-          <a:effectRef idx="0">
-            <a:schemeClr val="accent1"/>
-          </a:effectRef>
-          <a:fontRef idx="minor">
-            <a:schemeClr val="lt1"/>
-          </a:fontRef>
-        </p:style>
-        <p:txBody>
-          <a:bodyPr rtlCol="0" anchor="ctr"/>
-          <a:lstStyle/>
-          <a:p>
-            <a:pPr algn="ctr"/>
-            <a:endParaRPr lang="en-US" dirty="0"/>
-          </a:p>
-        </p:txBody>
-      </p:sp>
-      <p:sp>
-        <p:nvSpPr>
-          <p:cNvPr id="17" name="Rectangle 16">
-            <a:extLst>
-              <a:ext uri="{FF2B5EF4-FFF2-40B4-BE49-F238E27FC236}">
-                <a16:creationId xmlns:a16="http://schemas.microsoft.com/office/drawing/2014/main" id="{B57B4FE0-F680-8394-1383-BE8463152D17}"/>
-              </a:ext>
-            </a:extLst>
-          </p:cNvPr>
-          <p:cNvSpPr/>
-          <p:nvPr/>
-        </p:nvSpPr>
-        <p:spPr>
-          <a:xfrm>
-            <a:off x="166362" y="4431880"/>
-            <a:ext cx="1431194" cy="453430"/>
-          </a:xfrm>
-          <a:prstGeom prst="rect">
-            <a:avLst/>
-          </a:prstGeom>
-          <a:noFill/>
-          <a:ln>
+            <a:ln>
+              <a:noFill/>
+            </a:ln>
+          </p:spPr>
+          <p:style>
+            <a:lnRef idx="2">
+              <a:schemeClr val="accent1">
+                <a:shade val="15000"/>
+              </a:schemeClr>
+            </a:lnRef>
+            <a:fillRef idx="1">
+              <a:schemeClr val="accent1"/>
+            </a:fillRef>
+            <a:effectRef idx="0">
+              <a:schemeClr val="accent1"/>
+            </a:effectRef>
+            <a:fontRef idx="minor">
+              <a:schemeClr val="lt1"/>
+            </a:fontRef>
+          </p:style>
+          <p:txBody>
+            <a:bodyPr rtlCol="0" anchor="ctr"/>
+            <a:lstStyle/>
+            <a:p>
+              <a:r>
+                <a:rPr lang="en-US" b="1" dirty="0">
+                  <a:solidFill>
+                    <a:schemeClr val="tx1">
+                      <a:lumMod val="65000"/>
+                      <a:lumOff val="35000"/>
+                    </a:schemeClr>
+                  </a:solidFill>
+                  <a:latin typeface="Oxygen" panose="02000503000000000000" pitchFamily="2" charset="0"/>
+                </a:rPr>
+                <a:t>Parasitized</a:t>
+              </a:r>
+            </a:p>
+          </p:txBody>
+        </p:sp>
+        <p:sp>
+          <p:nvSpPr>
+            <p:cNvPr id="18" name="Rectangle 17">
+              <a:extLst>
+                <a:ext uri="{FF2B5EF4-FFF2-40B4-BE49-F238E27FC236}">
+                  <a16:creationId xmlns:a16="http://schemas.microsoft.com/office/drawing/2014/main" id="{AA9B7564-9A10-D7B1-3FF0-3B157A7EEC6E}"/>
+                </a:ext>
+              </a:extLst>
+            </p:cNvPr>
+            <p:cNvSpPr/>
+            <p:nvPr/>
+          </p:nvSpPr>
+          <p:spPr>
+            <a:xfrm>
+              <a:off x="166362" y="5713810"/>
+              <a:ext cx="1497708" cy="453430"/>
+            </a:xfrm>
+            <a:prstGeom prst="rect">
+              <a:avLst/>
+            </a:prstGeom>
             <a:noFill/>
-          </a:ln>
-        </p:spPr>
-        <p:style>
-          <a:lnRef idx="2">
-            <a:schemeClr val="accent1">
-              <a:shade val="15000"/>
-            </a:schemeClr>
-          </a:lnRef>
-          <a:fillRef idx="1">
-            <a:schemeClr val="accent1"/>
-          </a:fillRef>
-          <a:effectRef idx="0">
-            <a:schemeClr val="accent1"/>
-          </a:effectRef>
-          <a:fontRef idx="minor">
-            <a:schemeClr val="lt1"/>
-          </a:fontRef>
-        </p:style>
-        <p:txBody>
-          <a:bodyPr rtlCol="0" anchor="ctr"/>
-          <a:lstStyle/>
-          <a:p>
-            <a:r>
-              <a:rPr lang="en-US" b="1" dirty="0">
-                <a:solidFill>
-                  <a:schemeClr val="tx1">
-                    <a:lumMod val="65000"/>
-                    <a:lumOff val="35000"/>
-                  </a:schemeClr>
-                </a:solidFill>
-                <a:latin typeface="Oxygen" panose="02000503000000000000" pitchFamily="2" charset="0"/>
-              </a:rPr>
-              <a:t>Parasitized</a:t>
-            </a:r>
-          </a:p>
-        </p:txBody>
-      </p:sp>
-      <p:sp>
-        <p:nvSpPr>
-          <p:cNvPr id="18" name="Rectangle 17">
-            <a:extLst>
-              <a:ext uri="{FF2B5EF4-FFF2-40B4-BE49-F238E27FC236}">
-                <a16:creationId xmlns:a16="http://schemas.microsoft.com/office/drawing/2014/main" id="{AA9B7564-9A10-D7B1-3FF0-3B157A7EEC6E}"/>
-              </a:ext>
-            </a:extLst>
-          </p:cNvPr>
-          <p:cNvSpPr/>
-          <p:nvPr/>
-        </p:nvSpPr>
-        <p:spPr>
-          <a:xfrm>
-            <a:off x="166362" y="5713810"/>
-            <a:ext cx="1497708" cy="453430"/>
-          </a:xfrm>
-          <a:prstGeom prst="rect">
-            <a:avLst/>
-          </a:prstGeom>
-          <a:noFill/>
-          <a:ln>
+            <a:ln>
+              <a:noFill/>
+            </a:ln>
+          </p:spPr>
+          <p:style>
+            <a:lnRef idx="2">
+              <a:schemeClr val="accent1">
+                <a:shade val="15000"/>
+              </a:schemeClr>
+            </a:lnRef>
+            <a:fillRef idx="1">
+              <a:schemeClr val="accent1"/>
+            </a:fillRef>
+            <a:effectRef idx="0">
+              <a:schemeClr val="accent1"/>
+            </a:effectRef>
+            <a:fontRef idx="minor">
+              <a:schemeClr val="lt1"/>
+            </a:fontRef>
+          </p:style>
+          <p:txBody>
+            <a:bodyPr rtlCol="0" anchor="ctr"/>
+            <a:lstStyle/>
+            <a:p>
+              <a:r>
+                <a:rPr lang="en-US" b="1" dirty="0">
+                  <a:solidFill>
+                    <a:schemeClr val="tx1">
+                      <a:lumMod val="65000"/>
+                      <a:lumOff val="35000"/>
+                    </a:schemeClr>
+                  </a:solidFill>
+                  <a:latin typeface="Oxygen" panose="02000503000000000000" pitchFamily="2" charset="0"/>
+                </a:rPr>
+                <a:t>Uninfected</a:t>
+              </a:r>
+            </a:p>
+          </p:txBody>
+        </p:sp>
+        <p:sp>
+          <p:nvSpPr>
+            <p:cNvPr id="20" name="Rectangle 19">
+              <a:extLst>
+                <a:ext uri="{FF2B5EF4-FFF2-40B4-BE49-F238E27FC236}">
+                  <a16:creationId xmlns:a16="http://schemas.microsoft.com/office/drawing/2014/main" id="{7CF0451F-0FD5-144B-B91C-6B71D1C6008C}"/>
+                </a:ext>
+              </a:extLst>
+            </p:cNvPr>
+            <p:cNvSpPr/>
+            <p:nvPr/>
+          </p:nvSpPr>
+          <p:spPr>
+            <a:xfrm>
+              <a:off x="8943289" y="5626722"/>
+              <a:ext cx="3049944" cy="453430"/>
+            </a:xfrm>
+            <a:prstGeom prst="rect">
+              <a:avLst/>
+            </a:prstGeom>
             <a:noFill/>
-          </a:ln>
-        </p:spPr>
-        <p:style>
-          <a:lnRef idx="2">
-            <a:schemeClr val="accent1">
-              <a:shade val="15000"/>
-            </a:schemeClr>
-          </a:lnRef>
-          <a:fillRef idx="1">
-            <a:schemeClr val="accent1"/>
-          </a:fillRef>
-          <a:effectRef idx="0">
-            <a:schemeClr val="accent1"/>
-          </a:effectRef>
-          <a:fontRef idx="minor">
-            <a:schemeClr val="lt1"/>
-          </a:fontRef>
-        </p:style>
-        <p:txBody>
-          <a:bodyPr rtlCol="0" anchor="ctr"/>
-          <a:lstStyle/>
-          <a:p>
-            <a:r>
-              <a:rPr lang="en-US" b="1" dirty="0">
-                <a:solidFill>
-                  <a:schemeClr val="tx1">
-                    <a:lumMod val="65000"/>
-                    <a:lumOff val="35000"/>
-                  </a:schemeClr>
-                </a:solidFill>
-                <a:latin typeface="Oxygen" panose="02000503000000000000" pitchFamily="2" charset="0"/>
-              </a:rPr>
-              <a:t>Uninfected</a:t>
-            </a:r>
-          </a:p>
-        </p:txBody>
-      </p:sp>
-      <p:sp>
-        <p:nvSpPr>
-          <p:cNvPr id="20" name="Rectangle 19">
-            <a:extLst>
-              <a:ext uri="{FF2B5EF4-FFF2-40B4-BE49-F238E27FC236}">
-                <a16:creationId xmlns:a16="http://schemas.microsoft.com/office/drawing/2014/main" id="{7CF0451F-0FD5-144B-B91C-6B71D1C6008C}"/>
-              </a:ext>
-            </a:extLst>
-          </p:cNvPr>
-          <p:cNvSpPr/>
-          <p:nvPr/>
-        </p:nvSpPr>
-        <p:spPr>
-          <a:xfrm>
-            <a:off x="8943289" y="5626722"/>
-            <a:ext cx="3049944" cy="453430"/>
-          </a:xfrm>
-          <a:prstGeom prst="rect">
-            <a:avLst/>
-          </a:prstGeom>
-          <a:noFill/>
-          <a:ln>
+            <a:ln>
+              <a:noFill/>
+            </a:ln>
+          </p:spPr>
+          <p:style>
+            <a:lnRef idx="2">
+              <a:schemeClr val="accent1">
+                <a:shade val="15000"/>
+              </a:schemeClr>
+            </a:lnRef>
+            <a:fillRef idx="1">
+              <a:schemeClr val="accent1"/>
+            </a:fillRef>
+            <a:effectRef idx="0">
+              <a:schemeClr val="accent1"/>
+            </a:effectRef>
+            <a:fontRef idx="minor">
+              <a:schemeClr val="lt1"/>
+            </a:fontRef>
+          </p:style>
+          <p:txBody>
+            <a:bodyPr rtlCol="0" anchor="ctr"/>
+            <a:lstStyle/>
+            <a:p>
+              <a:r>
+                <a:rPr lang="en-US" b="1" dirty="0">
+                  <a:solidFill>
+                    <a:schemeClr val="tx1">
+                      <a:lumMod val="65000"/>
+                      <a:lumOff val="35000"/>
+                    </a:schemeClr>
+                  </a:solidFill>
+                  <a:latin typeface="Oxygen" panose="02000503000000000000" pitchFamily="2" charset="0"/>
+                </a:rPr>
+                <a:t>Output Probability: 0.9818</a:t>
+              </a:r>
+            </a:p>
+          </p:txBody>
+        </p:sp>
+        <p:pic>
+          <p:nvPicPr>
+            <p:cNvPr id="31" name="Picture 30">
+              <a:extLst>
+                <a:ext uri="{FF2B5EF4-FFF2-40B4-BE49-F238E27FC236}">
+                  <a16:creationId xmlns:a16="http://schemas.microsoft.com/office/drawing/2014/main" id="{0492BA04-653D-C442-777C-3CABC202F706}"/>
+                </a:ext>
+              </a:extLst>
+            </p:cNvPr>
+            <p:cNvPicPr>
+              <a:picLocks noChangeAspect="1"/>
+            </p:cNvPicPr>
+            <p:nvPr/>
+          </p:nvPicPr>
+          <p:blipFill>
+            <a:blip r:embed="rId7">
+              <a:extLst>
+                <a:ext uri="{28A0092B-C50C-407E-A947-70E740481C1C}">
+                  <a14:useLocalDpi xmlns:a14="http://schemas.microsoft.com/office/drawing/2010/main" val="0"/>
+                </a:ext>
+              </a:extLst>
+            </a:blip>
+            <a:stretch>
+              <a:fillRect/>
+            </a:stretch>
+          </p:blipFill>
+          <p:spPr>
+            <a:xfrm>
+              <a:off x="4264893" y="5324436"/>
+              <a:ext cx="1427525" cy="1173097"/>
+            </a:xfrm>
+            <a:prstGeom prst="rect">
+              <a:avLst/>
+            </a:prstGeom>
+          </p:spPr>
+        </p:pic>
+        <p:pic>
+          <p:nvPicPr>
+            <p:cNvPr id="33" name="Picture 32">
+              <a:extLst>
+                <a:ext uri="{FF2B5EF4-FFF2-40B4-BE49-F238E27FC236}">
+                  <a16:creationId xmlns:a16="http://schemas.microsoft.com/office/drawing/2014/main" id="{5626B98C-7217-7244-4DA3-F5C0B030B9D1}"/>
+                </a:ext>
+              </a:extLst>
+            </p:cNvPr>
+            <p:cNvPicPr>
+              <a:picLocks noChangeAspect="1"/>
+            </p:cNvPicPr>
+            <p:nvPr/>
+          </p:nvPicPr>
+          <p:blipFill>
+            <a:blip r:embed="rId8">
+              <a:extLst>
+                <a:ext uri="{28A0092B-C50C-407E-A947-70E740481C1C}">
+                  <a14:useLocalDpi xmlns:a14="http://schemas.microsoft.com/office/drawing/2010/main" val="0"/>
+                </a:ext>
+              </a:extLst>
+            </a:blip>
+            <a:stretch>
+              <a:fillRect/>
+            </a:stretch>
+          </p:blipFill>
+          <p:spPr>
+            <a:xfrm>
+              <a:off x="6796482" y="5344907"/>
+              <a:ext cx="1138041" cy="1179773"/>
+            </a:xfrm>
+            <a:prstGeom prst="rect">
+              <a:avLst/>
+            </a:prstGeom>
+          </p:spPr>
+        </p:pic>
+        <p:pic>
+          <p:nvPicPr>
+            <p:cNvPr id="35" name="Picture 34" descr="A purple circle with black background&#10;&#10;AI-generated content may be incorrect.">
+              <a:extLst>
+                <a:ext uri="{FF2B5EF4-FFF2-40B4-BE49-F238E27FC236}">
+                  <a16:creationId xmlns:a16="http://schemas.microsoft.com/office/drawing/2014/main" id="{3A4C70B8-68D6-D936-050D-C62B7D3F2E2D}"/>
+                </a:ext>
+              </a:extLst>
+            </p:cNvPr>
+            <p:cNvPicPr>
+              <a:picLocks noChangeAspect="1"/>
+            </p:cNvPicPr>
+            <p:nvPr/>
+          </p:nvPicPr>
+          <p:blipFill>
+            <a:blip r:embed="rId9">
+              <a:extLst>
+                <a:ext uri="{28A0092B-C50C-407E-A947-70E740481C1C}">
+                  <a14:useLocalDpi xmlns:a14="http://schemas.microsoft.com/office/drawing/2010/main" val="0"/>
+                </a:ext>
+              </a:extLst>
+            </a:blip>
+            <a:stretch>
+              <a:fillRect/>
+            </a:stretch>
+          </p:blipFill>
+          <p:spPr>
+            <a:xfrm>
+              <a:off x="1772996" y="5363461"/>
+              <a:ext cx="1174959" cy="1178168"/>
+            </a:xfrm>
+            <a:prstGeom prst="rect">
+              <a:avLst/>
+            </a:prstGeom>
+          </p:spPr>
+        </p:pic>
+        <p:sp>
+          <p:nvSpPr>
+            <p:cNvPr id="36" name="Rectangle 35">
+              <a:extLst>
+                <a:ext uri="{FF2B5EF4-FFF2-40B4-BE49-F238E27FC236}">
+                  <a16:creationId xmlns:a16="http://schemas.microsoft.com/office/drawing/2014/main" id="{5923E332-C980-D957-A304-262133E2B921}"/>
+                </a:ext>
+              </a:extLst>
+            </p:cNvPr>
+            <p:cNvSpPr/>
+            <p:nvPr/>
+          </p:nvSpPr>
+          <p:spPr>
+            <a:xfrm>
+              <a:off x="8975694" y="4453597"/>
+              <a:ext cx="3049944" cy="453430"/>
+            </a:xfrm>
+            <a:prstGeom prst="rect">
+              <a:avLst/>
+            </a:prstGeom>
             <a:noFill/>
-          </a:ln>
-        </p:spPr>
-        <p:style>
-          <a:lnRef idx="2">
-            <a:schemeClr val="accent1">
-              <a:shade val="15000"/>
-            </a:schemeClr>
-          </a:lnRef>
-          <a:fillRef idx="1">
-            <a:schemeClr val="accent1"/>
-          </a:fillRef>
-          <a:effectRef idx="0">
-            <a:schemeClr val="accent1"/>
-          </a:effectRef>
-          <a:fontRef idx="minor">
-            <a:schemeClr val="lt1"/>
-          </a:fontRef>
-        </p:style>
-        <p:txBody>
-          <a:bodyPr rtlCol="0" anchor="ctr"/>
-          <a:lstStyle/>
-          <a:p>
-            <a:r>
-              <a:rPr lang="en-US" b="1" dirty="0">
-                <a:solidFill>
-                  <a:schemeClr val="tx1">
-                    <a:lumMod val="65000"/>
-                    <a:lumOff val="35000"/>
-                  </a:schemeClr>
-                </a:solidFill>
-                <a:latin typeface="Oxygen" panose="02000503000000000000" pitchFamily="2" charset="0"/>
-              </a:rPr>
-              <a:t>Output Probability: 0.9818</a:t>
-            </a:r>
-          </a:p>
-        </p:txBody>
-      </p:sp>
-      <p:pic>
-        <p:nvPicPr>
-          <p:cNvPr id="31" name="Picture 30">
-            <a:extLst>
-              <a:ext uri="{FF2B5EF4-FFF2-40B4-BE49-F238E27FC236}">
-                <a16:creationId xmlns:a16="http://schemas.microsoft.com/office/drawing/2014/main" id="{0492BA04-653D-C442-777C-3CABC202F706}"/>
-              </a:ext>
-            </a:extLst>
-          </p:cNvPr>
-          <p:cNvPicPr>
-            <a:picLocks noChangeAspect="1"/>
-          </p:cNvPicPr>
-          <p:nvPr/>
-        </p:nvPicPr>
-        <p:blipFill>
-          <a:blip r:embed="rId7">
-            <a:extLst>
-              <a:ext uri="{28A0092B-C50C-407E-A947-70E740481C1C}">
-                <a14:useLocalDpi xmlns:a14="http://schemas.microsoft.com/office/drawing/2010/main" val="0"/>
-              </a:ext>
-            </a:extLst>
-          </a:blip>
-          <a:stretch>
-            <a:fillRect/>
-          </a:stretch>
-        </p:blipFill>
-        <p:spPr>
-          <a:xfrm>
-            <a:off x="4264893" y="5324436"/>
-            <a:ext cx="1427525" cy="1173097"/>
-          </a:xfrm>
-          <a:prstGeom prst="rect">
-            <a:avLst/>
-          </a:prstGeom>
-        </p:spPr>
-      </p:pic>
-      <p:pic>
-        <p:nvPicPr>
-          <p:cNvPr id="33" name="Picture 32">
-            <a:extLst>
-              <a:ext uri="{FF2B5EF4-FFF2-40B4-BE49-F238E27FC236}">
-                <a16:creationId xmlns:a16="http://schemas.microsoft.com/office/drawing/2014/main" id="{5626B98C-7217-7244-4DA3-F5C0B030B9D1}"/>
-              </a:ext>
-            </a:extLst>
-          </p:cNvPr>
-          <p:cNvPicPr>
-            <a:picLocks noChangeAspect="1"/>
-          </p:cNvPicPr>
-          <p:nvPr/>
-        </p:nvPicPr>
-        <p:blipFill>
-          <a:blip r:embed="rId8">
-            <a:extLst>
-              <a:ext uri="{28A0092B-C50C-407E-A947-70E740481C1C}">
-                <a14:useLocalDpi xmlns:a14="http://schemas.microsoft.com/office/drawing/2010/main" val="0"/>
-              </a:ext>
-            </a:extLst>
-          </a:blip>
-          <a:stretch>
-            <a:fillRect/>
-          </a:stretch>
-        </p:blipFill>
-        <p:spPr>
-          <a:xfrm>
-            <a:off x="6796482" y="5344907"/>
-            <a:ext cx="1138041" cy="1179773"/>
-          </a:xfrm>
-          <a:prstGeom prst="rect">
-            <a:avLst/>
-          </a:prstGeom>
-        </p:spPr>
-      </p:pic>
-      <p:pic>
-        <p:nvPicPr>
-          <p:cNvPr id="35" name="Picture 34" descr="A purple circle with black background&#10;&#10;AI-generated content may be incorrect.">
-            <a:extLst>
-              <a:ext uri="{FF2B5EF4-FFF2-40B4-BE49-F238E27FC236}">
-                <a16:creationId xmlns:a16="http://schemas.microsoft.com/office/drawing/2014/main" id="{3A4C70B8-68D6-D936-050D-C62B7D3F2E2D}"/>
-              </a:ext>
-            </a:extLst>
-          </p:cNvPr>
-          <p:cNvPicPr>
-            <a:picLocks noChangeAspect="1"/>
-          </p:cNvPicPr>
-          <p:nvPr/>
-        </p:nvPicPr>
-        <p:blipFill>
-          <a:blip r:embed="rId9">
-            <a:extLst>
-              <a:ext uri="{28A0092B-C50C-407E-A947-70E740481C1C}">
-                <a14:useLocalDpi xmlns:a14="http://schemas.microsoft.com/office/drawing/2010/main" val="0"/>
-              </a:ext>
-            </a:extLst>
-          </a:blip>
-          <a:stretch>
-            <a:fillRect/>
-          </a:stretch>
-        </p:blipFill>
-        <p:spPr>
-          <a:xfrm>
-            <a:off x="1772996" y="5363461"/>
-            <a:ext cx="1174959" cy="1178168"/>
-          </a:xfrm>
-          <a:prstGeom prst="rect">
-            <a:avLst/>
-          </a:prstGeom>
-        </p:spPr>
-      </p:pic>
-      <p:sp>
-        <p:nvSpPr>
-          <p:cNvPr id="36" name="Rectangle 35">
-            <a:extLst>
-              <a:ext uri="{FF2B5EF4-FFF2-40B4-BE49-F238E27FC236}">
-                <a16:creationId xmlns:a16="http://schemas.microsoft.com/office/drawing/2014/main" id="{5923E332-C980-D957-A304-262133E2B921}"/>
-              </a:ext>
-            </a:extLst>
-          </p:cNvPr>
-          <p:cNvSpPr/>
-          <p:nvPr/>
-        </p:nvSpPr>
-        <p:spPr>
-          <a:xfrm>
-            <a:off x="8975694" y="4453597"/>
-            <a:ext cx="3049944" cy="453430"/>
-          </a:xfrm>
-          <a:prstGeom prst="rect">
-            <a:avLst/>
-          </a:prstGeom>
-          <a:noFill/>
-          <a:ln>
-            <a:noFill/>
-          </a:ln>
-        </p:spPr>
-        <p:style>
-          <a:lnRef idx="2">
-            <a:schemeClr val="accent1">
-              <a:shade val="15000"/>
-            </a:schemeClr>
-          </a:lnRef>
-          <a:fillRef idx="1">
-            <a:schemeClr val="accent1"/>
-          </a:fillRef>
-          <a:effectRef idx="0">
-            <a:schemeClr val="accent1"/>
-          </a:effectRef>
-          <a:fontRef idx="minor">
-            <a:schemeClr val="lt1"/>
-          </a:fontRef>
-        </p:style>
-        <p:txBody>
-          <a:bodyPr rtlCol="0" anchor="ctr"/>
-          <a:lstStyle/>
-          <a:p>
-            <a:r>
-              <a:rPr lang="en-US" b="1" dirty="0">
-                <a:solidFill>
-                  <a:schemeClr val="tx1">
-                    <a:lumMod val="65000"/>
-                    <a:lumOff val="35000"/>
-                  </a:schemeClr>
-                </a:solidFill>
-                <a:latin typeface="Oxygen" panose="02000503000000000000" pitchFamily="2" charset="0"/>
-              </a:rPr>
-              <a:t>Output Probability: 0.0106</a:t>
-            </a:r>
-          </a:p>
-        </p:txBody>
-      </p:sp>
-      <p:pic>
-        <p:nvPicPr>
-          <p:cNvPr id="38" name="Picture 37" descr="A close up of a pink object&#10;&#10;AI-generated content may be incorrect.">
-            <a:extLst>
-              <a:ext uri="{FF2B5EF4-FFF2-40B4-BE49-F238E27FC236}">
-                <a16:creationId xmlns:a16="http://schemas.microsoft.com/office/drawing/2014/main" id="{D8401C74-F56F-D244-008F-A3ED93EADD52}"/>
-              </a:ext>
-            </a:extLst>
-          </p:cNvPr>
-          <p:cNvPicPr>
-            <a:picLocks noChangeAspect="1"/>
-          </p:cNvPicPr>
-          <p:nvPr/>
-        </p:nvPicPr>
-        <p:blipFill>
-          <a:blip r:embed="rId10">
-            <a:extLst>
-              <a:ext uri="{28A0092B-C50C-407E-A947-70E740481C1C}">
-                <a14:useLocalDpi xmlns:a14="http://schemas.microsoft.com/office/drawing/2010/main" val="0"/>
-              </a:ext>
-            </a:extLst>
-          </a:blip>
-          <a:stretch>
-            <a:fillRect/>
-          </a:stretch>
-        </p:blipFill>
-        <p:spPr>
-          <a:xfrm>
-            <a:off x="1760156" y="4080677"/>
-            <a:ext cx="1187799" cy="1178168"/>
-          </a:xfrm>
-          <a:prstGeom prst="rect">
-            <a:avLst/>
-          </a:prstGeom>
-        </p:spPr>
-      </p:pic>
-      <p:pic>
-        <p:nvPicPr>
-          <p:cNvPr id="40" name="Picture 39" descr="A screenshot of a computer screen&#10;&#10;AI-generated content may be incorrect.">
-            <a:extLst>
-              <a:ext uri="{FF2B5EF4-FFF2-40B4-BE49-F238E27FC236}">
-                <a16:creationId xmlns:a16="http://schemas.microsoft.com/office/drawing/2014/main" id="{0CDEDD2B-140B-8A1D-3934-90C2D5083D48}"/>
-              </a:ext>
-            </a:extLst>
-          </p:cNvPr>
-          <p:cNvPicPr>
-            <a:picLocks noChangeAspect="1"/>
-          </p:cNvPicPr>
-          <p:nvPr/>
-        </p:nvPicPr>
-        <p:blipFill>
-          <a:blip r:embed="rId11">
-            <a:extLst>
-              <a:ext uri="{28A0092B-C50C-407E-A947-70E740481C1C}">
-                <a14:useLocalDpi xmlns:a14="http://schemas.microsoft.com/office/drawing/2010/main" val="0"/>
-              </a:ext>
-            </a:extLst>
-          </a:blip>
-          <a:stretch>
-            <a:fillRect/>
-          </a:stretch>
-        </p:blipFill>
-        <p:spPr>
-          <a:xfrm>
-            <a:off x="4243820" y="4083213"/>
-            <a:ext cx="1427525" cy="1173097"/>
-          </a:xfrm>
-          <a:prstGeom prst="rect">
-            <a:avLst/>
-          </a:prstGeom>
-        </p:spPr>
-      </p:pic>
-      <p:pic>
-        <p:nvPicPr>
-          <p:cNvPr id="59" name="Picture 58" descr="A collage of images of a person's face&#10;&#10;AI-generated content may be incorrect.">
-            <a:extLst>
-              <a:ext uri="{FF2B5EF4-FFF2-40B4-BE49-F238E27FC236}">
-                <a16:creationId xmlns:a16="http://schemas.microsoft.com/office/drawing/2014/main" id="{1EC6BC31-BE7C-D682-F1ED-57F8D004D658}"/>
-              </a:ext>
-            </a:extLst>
-          </p:cNvPr>
-          <p:cNvPicPr>
-            <a:picLocks noChangeAspect="1"/>
-          </p:cNvPicPr>
-          <p:nvPr/>
-        </p:nvPicPr>
-        <p:blipFill>
-          <a:blip r:embed="rId12">
-            <a:extLst>
-              <a:ext uri="{28A0092B-C50C-407E-A947-70E740481C1C}">
-                <a14:useLocalDpi xmlns:a14="http://schemas.microsoft.com/office/drawing/2010/main" val="0"/>
-              </a:ext>
-            </a:extLst>
-          </a:blip>
-          <a:stretch>
-            <a:fillRect/>
-          </a:stretch>
-        </p:blipFill>
-        <p:spPr>
-          <a:xfrm>
-            <a:off x="6806224" y="4066531"/>
-            <a:ext cx="1138041" cy="1179773"/>
-          </a:xfrm>
-          <a:prstGeom prst="rect">
-            <a:avLst/>
-          </a:prstGeom>
-        </p:spPr>
-      </p:pic>
+            <a:ln>
+              <a:noFill/>
+            </a:ln>
+          </p:spPr>
+          <p:style>
+            <a:lnRef idx="2">
+              <a:schemeClr val="accent1">
+                <a:shade val="15000"/>
+              </a:schemeClr>
+            </a:lnRef>
+            <a:fillRef idx="1">
+              <a:schemeClr val="accent1"/>
+            </a:fillRef>
+            <a:effectRef idx="0">
+              <a:schemeClr val="accent1"/>
+            </a:effectRef>
+            <a:fontRef idx="minor">
+              <a:schemeClr val="lt1"/>
+            </a:fontRef>
+          </p:style>
+          <p:txBody>
+            <a:bodyPr rtlCol="0" anchor="ctr"/>
+            <a:lstStyle/>
+            <a:p>
+              <a:r>
+                <a:rPr lang="en-US" b="1" dirty="0">
+                  <a:solidFill>
+                    <a:schemeClr val="tx1">
+                      <a:lumMod val="65000"/>
+                      <a:lumOff val="35000"/>
+                    </a:schemeClr>
+                  </a:solidFill>
+                  <a:latin typeface="Oxygen" panose="02000503000000000000" pitchFamily="2" charset="0"/>
+                </a:rPr>
+                <a:t>Output Probability: 0.0106</a:t>
+              </a:r>
+            </a:p>
+          </p:txBody>
+        </p:sp>
+        <p:pic>
+          <p:nvPicPr>
+            <p:cNvPr id="38" name="Picture 37" descr="A close up of a pink object&#10;&#10;AI-generated content may be incorrect.">
+              <a:extLst>
+                <a:ext uri="{FF2B5EF4-FFF2-40B4-BE49-F238E27FC236}">
+                  <a16:creationId xmlns:a16="http://schemas.microsoft.com/office/drawing/2014/main" id="{D8401C74-F56F-D244-008F-A3ED93EADD52}"/>
+                </a:ext>
+              </a:extLst>
+            </p:cNvPr>
+            <p:cNvPicPr>
+              <a:picLocks noChangeAspect="1"/>
+            </p:cNvPicPr>
+            <p:nvPr/>
+          </p:nvPicPr>
+          <p:blipFill>
+            <a:blip r:embed="rId10">
+              <a:extLst>
+                <a:ext uri="{28A0092B-C50C-407E-A947-70E740481C1C}">
+                  <a14:useLocalDpi xmlns:a14="http://schemas.microsoft.com/office/drawing/2010/main" val="0"/>
+                </a:ext>
+              </a:extLst>
+            </a:blip>
+            <a:stretch>
+              <a:fillRect/>
+            </a:stretch>
+          </p:blipFill>
+          <p:spPr>
+            <a:xfrm>
+              <a:off x="1760156" y="4080677"/>
+              <a:ext cx="1187799" cy="1178168"/>
+            </a:xfrm>
+            <a:prstGeom prst="rect">
+              <a:avLst/>
+            </a:prstGeom>
+          </p:spPr>
+        </p:pic>
+        <p:pic>
+          <p:nvPicPr>
+            <p:cNvPr id="40" name="Picture 39" descr="A screenshot of a computer screen&#10;&#10;AI-generated content may be incorrect.">
+              <a:extLst>
+                <a:ext uri="{FF2B5EF4-FFF2-40B4-BE49-F238E27FC236}">
+                  <a16:creationId xmlns:a16="http://schemas.microsoft.com/office/drawing/2014/main" id="{0CDEDD2B-140B-8A1D-3934-90C2D5083D48}"/>
+                </a:ext>
+              </a:extLst>
+            </p:cNvPr>
+            <p:cNvPicPr>
+              <a:picLocks noChangeAspect="1"/>
+            </p:cNvPicPr>
+            <p:nvPr/>
+          </p:nvPicPr>
+          <p:blipFill>
+            <a:blip r:embed="rId11">
+              <a:extLst>
+                <a:ext uri="{28A0092B-C50C-407E-A947-70E740481C1C}">
+                  <a14:useLocalDpi xmlns:a14="http://schemas.microsoft.com/office/drawing/2010/main" val="0"/>
+                </a:ext>
+              </a:extLst>
+            </a:blip>
+            <a:stretch>
+              <a:fillRect/>
+            </a:stretch>
+          </p:blipFill>
+          <p:spPr>
+            <a:xfrm>
+              <a:off x="4243820" y="4083213"/>
+              <a:ext cx="1427525" cy="1173097"/>
+            </a:xfrm>
+            <a:prstGeom prst="rect">
+              <a:avLst/>
+            </a:prstGeom>
+          </p:spPr>
+        </p:pic>
+        <p:pic>
+          <p:nvPicPr>
+            <p:cNvPr id="59" name="Picture 58" descr="A collage of images of a person's face&#10;&#10;AI-generated content may be incorrect.">
+              <a:extLst>
+                <a:ext uri="{FF2B5EF4-FFF2-40B4-BE49-F238E27FC236}">
+                  <a16:creationId xmlns:a16="http://schemas.microsoft.com/office/drawing/2014/main" id="{1EC6BC31-BE7C-D682-F1ED-57F8D004D658}"/>
+                </a:ext>
+              </a:extLst>
+            </p:cNvPr>
+            <p:cNvPicPr>
+              <a:picLocks noChangeAspect="1"/>
+            </p:cNvPicPr>
+            <p:nvPr/>
+          </p:nvPicPr>
+          <p:blipFill>
+            <a:blip r:embed="rId12">
+              <a:extLst>
+                <a:ext uri="{28A0092B-C50C-407E-A947-70E740481C1C}">
+                  <a14:useLocalDpi xmlns:a14="http://schemas.microsoft.com/office/drawing/2010/main" val="0"/>
+                </a:ext>
+              </a:extLst>
+            </a:blip>
+            <a:stretch>
+              <a:fillRect/>
+            </a:stretch>
+          </p:blipFill>
+          <p:spPr>
+            <a:xfrm>
+              <a:off x="6806224" y="4066531"/>
+              <a:ext cx="1138041" cy="1179773"/>
+            </a:xfrm>
+            <a:prstGeom prst="rect">
+              <a:avLst/>
+            </a:prstGeom>
+          </p:spPr>
+        </p:pic>
+      </p:grpSp>
     </p:spTree>
     <p:extLst>
       <p:ext uri="{BB962C8B-B14F-4D97-AF65-F5344CB8AC3E}">
